--- a/extras/media/sensors.pptx
+++ b/extras/media/sensors.pptx
@@ -64,7 +64,7 @@
         <p:spPr>
           <a:xfrm>
             <a:off x="504000" y="301320"/>
-            <a:ext cx="9071280" cy="1261800"/>
+            <a:ext cx="9070920" cy="1261440"/>
           </a:xfrm>
           <a:prstGeom prst="rect">
             <a:avLst/>
@@ -101,7 +101,7 @@
         <p:spPr>
           <a:xfrm>
             <a:off x="504000" y="1768680"/>
-            <a:ext cx="9072000" cy="2090880"/>
+            <a:ext cx="9071640" cy="2090880"/>
           </a:xfrm>
           <a:prstGeom prst="rect">
             <a:avLst/>
@@ -137,7 +137,7 @@
         <p:spPr>
           <a:xfrm>
             <a:off x="504000" y="4058640"/>
-            <a:ext cx="9072000" cy="2090880"/>
+            <a:ext cx="9071640" cy="2090880"/>
           </a:xfrm>
           <a:prstGeom prst="rect">
             <a:avLst/>
@@ -195,7 +195,7 @@
         <p:spPr>
           <a:xfrm>
             <a:off x="504000" y="301320"/>
-            <a:ext cx="9071280" cy="1261800"/>
+            <a:ext cx="9070920" cy="1261440"/>
           </a:xfrm>
           <a:prstGeom prst="rect">
             <a:avLst/>
@@ -398,7 +398,7 @@
         <p:spPr>
           <a:xfrm>
             <a:off x="504000" y="301320"/>
-            <a:ext cx="9071280" cy="1261800"/>
+            <a:ext cx="9070920" cy="1261440"/>
           </a:xfrm>
           <a:prstGeom prst="rect">
             <a:avLst/>
@@ -435,7 +435,7 @@
         <p:spPr>
           <a:xfrm>
             <a:off x="504000" y="1768680"/>
-            <a:ext cx="9072000" cy="4384080"/>
+            <a:ext cx="9071640" cy="4383720"/>
           </a:xfrm>
           <a:prstGeom prst="rect">
             <a:avLst/>
@@ -471,7 +471,7 @@
         <p:spPr>
           <a:xfrm>
             <a:off x="504000" y="1768680"/>
-            <a:ext cx="9072000" cy="4384080"/>
+            <a:ext cx="9071640" cy="4383720"/>
           </a:xfrm>
           <a:prstGeom prst="rect">
             <a:avLst/>
@@ -506,8 +506,8 @@
         </p:blipFill>
         <p:spPr>
           <a:xfrm>
-            <a:off x="2292480" y="1768680"/>
-            <a:ext cx="5494680" cy="4384080"/>
+            <a:off x="2292480" y="1768320"/>
+            <a:ext cx="5494320" cy="4383720"/>
           </a:xfrm>
           <a:prstGeom prst="rect">
             <a:avLst/>
@@ -529,8 +529,8 @@
         </p:blipFill>
         <p:spPr>
           <a:xfrm>
-            <a:off x="2292480" y="1768680"/>
-            <a:ext cx="5494680" cy="4384080"/>
+            <a:off x="2292480" y="1768320"/>
+            <a:ext cx="5494320" cy="4383720"/>
           </a:xfrm>
           <a:prstGeom prst="rect">
             <a:avLst/>
@@ -575,7 +575,7 @@
         <p:spPr>
           <a:xfrm>
             <a:off x="504000" y="301320"/>
-            <a:ext cx="9071280" cy="1261800"/>
+            <a:ext cx="9070920" cy="1261440"/>
           </a:xfrm>
           <a:prstGeom prst="rect">
             <a:avLst/>
@@ -612,7 +612,7 @@
         <p:spPr>
           <a:xfrm>
             <a:off x="504000" y="1768680"/>
-            <a:ext cx="9072000" cy="4384080"/>
+            <a:ext cx="9071640" cy="4383720"/>
           </a:xfrm>
           <a:prstGeom prst="rect">
             <a:avLst/>
@@ -671,7 +671,7 @@
         <p:spPr>
           <a:xfrm>
             <a:off x="504000" y="301320"/>
-            <a:ext cx="9071280" cy="1261800"/>
+            <a:ext cx="9070920" cy="1261440"/>
           </a:xfrm>
           <a:prstGeom prst="rect">
             <a:avLst/>
@@ -708,7 +708,7 @@
         <p:spPr>
           <a:xfrm>
             <a:off x="504000" y="1768680"/>
-            <a:ext cx="9072000" cy="4384080"/>
+            <a:ext cx="9071640" cy="4383720"/>
           </a:xfrm>
           <a:prstGeom prst="rect">
             <a:avLst/>
@@ -766,7 +766,7 @@
         <p:spPr>
           <a:xfrm>
             <a:off x="504000" y="301320"/>
-            <a:ext cx="9071280" cy="1261800"/>
+            <a:ext cx="9070920" cy="1261440"/>
           </a:xfrm>
           <a:prstGeom prst="rect">
             <a:avLst/>
@@ -803,7 +803,7 @@
         <p:spPr>
           <a:xfrm>
             <a:off x="504000" y="1768680"/>
-            <a:ext cx="4426920" cy="4384080"/>
+            <a:ext cx="4426920" cy="4383720"/>
           </a:xfrm>
           <a:prstGeom prst="rect">
             <a:avLst/>
@@ -839,7 +839,7 @@
         <p:spPr>
           <a:xfrm>
             <a:off x="5152680" y="1768680"/>
-            <a:ext cx="4426920" cy="4384080"/>
+            <a:ext cx="4426920" cy="4383720"/>
           </a:xfrm>
           <a:prstGeom prst="rect">
             <a:avLst/>
@@ -897,7 +897,7 @@
         <p:spPr>
           <a:xfrm>
             <a:off x="504000" y="301320"/>
-            <a:ext cx="9071280" cy="1261800"/>
+            <a:ext cx="9070920" cy="1261440"/>
           </a:xfrm>
           <a:prstGeom prst="rect">
             <a:avLst/>
@@ -956,7 +956,7 @@
         <p:spPr>
           <a:xfrm>
             <a:off x="504000" y="301320"/>
-            <a:ext cx="9071280" cy="5850360"/>
+            <a:ext cx="9070920" cy="5848560"/>
           </a:xfrm>
           <a:prstGeom prst="rect">
             <a:avLst/>
@@ -1015,7 +1015,7 @@
         <p:spPr>
           <a:xfrm>
             <a:off x="504000" y="301320"/>
-            <a:ext cx="9071280" cy="1261800"/>
+            <a:ext cx="9070920" cy="1261440"/>
           </a:xfrm>
           <a:prstGeom prst="rect">
             <a:avLst/>
@@ -1124,7 +1124,7 @@
         <p:spPr>
           <a:xfrm>
             <a:off x="5152680" y="1768680"/>
-            <a:ext cx="4426920" cy="4384080"/>
+            <a:ext cx="4426920" cy="4383720"/>
           </a:xfrm>
           <a:prstGeom prst="rect">
             <a:avLst/>
@@ -1182,7 +1182,7 @@
         <p:spPr>
           <a:xfrm>
             <a:off x="504000" y="301320"/>
-            <a:ext cx="9071280" cy="1261800"/>
+            <a:ext cx="9070920" cy="1261440"/>
           </a:xfrm>
           <a:prstGeom prst="rect">
             <a:avLst/>
@@ -1219,7 +1219,7 @@
         <p:spPr>
           <a:xfrm>
             <a:off x="504000" y="1768680"/>
-            <a:ext cx="4426920" cy="4384080"/>
+            <a:ext cx="4426920" cy="4383720"/>
           </a:xfrm>
           <a:prstGeom prst="rect">
             <a:avLst/>
@@ -1349,7 +1349,7 @@
         <p:spPr>
           <a:xfrm>
             <a:off x="504000" y="301320"/>
-            <a:ext cx="9071280" cy="1261800"/>
+            <a:ext cx="9070920" cy="1261440"/>
           </a:xfrm>
           <a:prstGeom prst="rect">
             <a:avLst/>
@@ -1458,7 +1458,7 @@
         <p:spPr>
           <a:xfrm>
             <a:off x="504000" y="4058640"/>
-            <a:ext cx="9072000" cy="2090880"/>
+            <a:ext cx="9071640" cy="2090880"/>
           </a:xfrm>
           <a:prstGeom prst="rect">
             <a:avLst/>
@@ -1516,7 +1516,7 @@
         <p:spPr>
           <a:xfrm>
             <a:off x="504000" y="301320"/>
-            <a:ext cx="9071280" cy="1261800"/>
+            <a:ext cx="9070920" cy="1261440"/>
           </a:xfrm>
           <a:prstGeom prst="rect">
             <a:avLst/>
@@ -1553,7 +1553,7 @@
         <p:spPr>
           <a:xfrm>
             <a:off x="504000" y="1768680"/>
-            <a:ext cx="9072000" cy="4384080"/>
+            <a:ext cx="9071640" cy="4383720"/>
           </a:xfrm>
           <a:prstGeom prst="rect">
             <a:avLst/>
@@ -1571,7 +1571,7 @@
               <a:buChar char=""/>
             </a:pPr>
             <a:r>
-              <a:rPr b="0" lang="en-US" sz="3200" spc="-1" strike="noStrike">
+              <a:rPr b="0" lang="en-US" sz="1800" spc="-1" strike="noStrike">
                 <a:solidFill>
                   <a:srgbClr val="000000"/>
                 </a:solidFill>
@@ -1584,7 +1584,7 @@
               </a:rPr>
               <a:t>Click to edit the outline text format</a:t>
             </a:r>
-            <a:endParaRPr b="0" lang="en-US" sz="3200" spc="-1" strike="noStrike">
+            <a:endParaRPr b="0" lang="en-US" sz="1800" spc="-1" strike="noStrike">
               <a:solidFill>
                 <a:srgbClr val="000000"/>
               </a:solidFill>
@@ -1606,7 +1606,7 @@
               <a:buChar char=""/>
             </a:pPr>
             <a:r>
-              <a:rPr b="0" lang="en-US" sz="2800" spc="-1" strike="noStrike">
+              <a:rPr b="0" lang="en-US" sz="1800" spc="-1" strike="noStrike">
                 <a:solidFill>
                   <a:srgbClr val="000000"/>
                 </a:solidFill>
@@ -1619,7 +1619,7 @@
               </a:rPr>
               <a:t>Second Outline Level</a:t>
             </a:r>
-            <a:endParaRPr b="0" lang="en-US" sz="2800" spc="-1" strike="noStrike">
+            <a:endParaRPr b="0" lang="en-US" sz="1800" spc="-1" strike="noStrike">
               <a:solidFill>
                 <a:srgbClr val="000000"/>
               </a:solidFill>
@@ -1641,7 +1641,7 @@
               <a:buChar char=""/>
             </a:pPr>
             <a:r>
-              <a:rPr b="0" lang="en-US" sz="2400" spc="-1" strike="noStrike">
+              <a:rPr b="0" lang="en-US" sz="1800" spc="-1" strike="noStrike">
                 <a:solidFill>
                   <a:srgbClr val="000000"/>
                 </a:solidFill>
@@ -1654,7 +1654,7 @@
               </a:rPr>
               <a:t>Third Outline Level</a:t>
             </a:r>
-            <a:endParaRPr b="0" lang="en-US" sz="2400" spc="-1" strike="noStrike">
+            <a:endParaRPr b="0" lang="en-US" sz="1800" spc="-1" strike="noStrike">
               <a:solidFill>
                 <a:srgbClr val="000000"/>
               </a:solidFill>
@@ -1676,7 +1676,7 @@
               <a:buChar char=""/>
             </a:pPr>
             <a:r>
-              <a:rPr b="0" lang="en-US" sz="2000" spc="-1" strike="noStrike">
+              <a:rPr b="0" lang="en-US" sz="1800" spc="-1" strike="noStrike">
                 <a:solidFill>
                   <a:srgbClr val="000000"/>
                 </a:solidFill>
@@ -1689,7 +1689,7 @@
               </a:rPr>
               <a:t>Fourth Outline Level</a:t>
             </a:r>
-            <a:endParaRPr b="0" lang="en-US" sz="2000" spc="-1" strike="noStrike">
+            <a:endParaRPr b="0" lang="en-US" sz="1800" spc="-1" strike="noStrike">
               <a:solidFill>
                 <a:srgbClr val="000000"/>
               </a:solidFill>
@@ -1711,7 +1711,7 @@
               <a:buChar char=""/>
             </a:pPr>
             <a:r>
-              <a:rPr b="0" lang="en-US" sz="2000" spc="-1" strike="noStrike">
+              <a:rPr b="0" lang="en-US" sz="1800" spc="-1" strike="noStrike">
                 <a:solidFill>
                   <a:srgbClr val="000000"/>
                 </a:solidFill>
@@ -1724,7 +1724,7 @@
               </a:rPr>
               <a:t>Fifth Outline Level</a:t>
             </a:r>
-            <a:endParaRPr b="0" lang="en-US" sz="2000" spc="-1" strike="noStrike">
+            <a:endParaRPr b="0" lang="en-US" sz="1800" spc="-1" strike="noStrike">
               <a:solidFill>
                 <a:srgbClr val="000000"/>
               </a:solidFill>
@@ -1746,7 +1746,7 @@
               <a:buChar char=""/>
             </a:pPr>
             <a:r>
-              <a:rPr b="0" lang="en-US" sz="2000" spc="-1" strike="noStrike">
+              <a:rPr b="0" lang="en-US" sz="1800" spc="-1" strike="noStrike">
                 <a:solidFill>
                   <a:srgbClr val="000000"/>
                 </a:solidFill>
@@ -1759,7 +1759,7 @@
               </a:rPr>
               <a:t>Sixth Outline Level</a:t>
             </a:r>
-            <a:endParaRPr b="0" lang="en-US" sz="2000" spc="-1" strike="noStrike">
+            <a:endParaRPr b="0" lang="en-US" sz="1800" spc="-1" strike="noStrike">
               <a:solidFill>
                 <a:srgbClr val="000000"/>
               </a:solidFill>
@@ -1781,7 +1781,7 @@
               <a:buChar char=""/>
             </a:pPr>
             <a:r>
-              <a:rPr b="0" lang="en-US" sz="2000" spc="-1" strike="noStrike">
+              <a:rPr b="0" lang="en-US" sz="1800" spc="-1" strike="noStrike">
                 <a:solidFill>
                   <a:srgbClr val="000000"/>
                 </a:solidFill>
@@ -1794,7 +1794,7 @@
               </a:rPr>
               <a:t>Seventh Outline Level</a:t>
             </a:r>
-            <a:endParaRPr b="0" lang="en-US" sz="2000" spc="-1" strike="noStrike">
+            <a:endParaRPr b="0" lang="en-US" sz="1800" spc="-1" strike="noStrike">
               <a:solidFill>
                 <a:srgbClr val="000000"/>
               </a:solidFill>
@@ -1854,7 +1854,7 @@
         <p:spPr>
           <a:xfrm>
             <a:off x="4195080" y="457200"/>
-            <a:ext cx="925560" cy="315720"/>
+            <a:ext cx="925200" cy="315360"/>
           </a:xfrm>
           <a:prstGeom prst="rect">
             <a:avLst/>
@@ -1884,10 +1884,11 @@
                   </a:solidFill>
                 </a:uFill>
                 <a:latin typeface="Arial"/>
+                <a:ea typeface="DejaVu Sans"/>
               </a:rPr>
               <a:t>Sensor</a:t>
             </a:r>
-            <a:endParaRPr b="0" lang="en-US" sz="1400" spc="-1" strike="noStrike">
+            <a:endParaRPr b="0" lang="en-US" sz="1800" spc="-1" strike="noStrike">
               <a:solidFill>
                 <a:srgbClr val="000000"/>
               </a:solidFill>
@@ -1910,7 +1911,7 @@
         <p:spPr>
           <a:xfrm>
             <a:off x="1280160" y="1513080"/>
-            <a:ext cx="2194560" cy="315720"/>
+            <a:ext cx="1919880" cy="315360"/>
           </a:xfrm>
           <a:prstGeom prst="rect">
             <a:avLst/>
@@ -1940,9 +1941,52 @@
                   </a:solidFill>
                 </a:uFill>
                 <a:latin typeface="Arial"/>
+                <a:ea typeface="DejaVu Sans"/>
               </a:rPr>
-              <a:t>SurfaceMount</a:t>
+              <a:t>SurfaceMountSensor</a:t>
             </a:r>
+            <a:endParaRPr b="0" lang="en-US" sz="1800" spc="-1" strike="noStrike">
+              <a:solidFill>
+                <a:srgbClr val="000000"/>
+              </a:solidFill>
+              <a:uFill>
+                <a:solidFill>
+                  <a:srgbClr val="ffffff"/>
+                </a:solidFill>
+              </a:uFill>
+              <a:latin typeface="Arial"/>
+            </a:endParaRPr>
+          </a:p>
+        </p:txBody>
+      </p:sp>
+      <p:sp>
+        <p:nvSpPr>
+          <p:cNvPr id="38" name="CustomShape 3"/>
+          <p:cNvSpPr/>
+          <p:nvPr/>
+        </p:nvSpPr>
+        <p:spPr>
+          <a:xfrm>
+            <a:off x="113760" y="2286000"/>
+            <a:ext cx="1074600" cy="315360"/>
+          </a:xfrm>
+          <a:prstGeom prst="rect">
+            <a:avLst/>
+          </a:prstGeom>
+          <a:noFill/>
+          <a:ln>
+            <a:noFill/>
+          </a:ln>
+        </p:spPr>
+        <p:style>
+          <a:lnRef idx="0"/>
+          <a:fillRef idx="0"/>
+          <a:effectRef idx="0"/>
+          <a:fontRef idx="minor"/>
+        </p:style>
+        <p:txBody>
+          <a:bodyPr lIns="90000" rIns="90000" tIns="45000" bIns="45000"/>
+          <a:p>
             <a:r>
               <a:rPr b="0" lang="en-US" sz="1400" spc="-1" strike="noStrike">
                 <a:solidFill>
@@ -1954,33 +1998,34 @@
                   </a:solidFill>
                 </a:uFill>
                 <a:latin typeface="Arial"/>
+                <a:ea typeface="DejaVu Sans"/>
               </a:rPr>
-              <a:t>Sensor</a:t>
+              <a:t>Quaternion</a:t>
             </a:r>
-            <a:endParaRPr b="0" lang="en-US" sz="1400" spc="-1" strike="noStrike">
-              <a:solidFill>
-                <a:srgbClr val="000000"/>
-              </a:solidFill>
-              <a:uFill>
-                <a:solidFill>
-                  <a:srgbClr val="ffffff"/>
-                </a:solidFill>
-              </a:uFill>
-              <a:latin typeface="Arial"/>
-            </a:endParaRPr>
-          </a:p>
-        </p:txBody>
-      </p:sp>
-      <p:sp>
-        <p:nvSpPr>
-          <p:cNvPr id="38" name="CustomShape 3"/>
+            <a:endParaRPr b="0" lang="en-US" sz="1800" spc="-1" strike="noStrike">
+              <a:solidFill>
+                <a:srgbClr val="000000"/>
+              </a:solidFill>
+              <a:uFill>
+                <a:solidFill>
+                  <a:srgbClr val="ffffff"/>
+                </a:solidFill>
+              </a:uFill>
+              <a:latin typeface="Arial"/>
+            </a:endParaRPr>
+          </a:p>
+        </p:txBody>
+      </p:sp>
+      <p:sp>
+        <p:nvSpPr>
+          <p:cNvPr id="39" name="CustomShape 4"/>
           <p:cNvSpPr/>
           <p:nvPr/>
         </p:nvSpPr>
         <p:spPr>
           <a:xfrm>
-            <a:off x="113760" y="2286000"/>
-            <a:ext cx="1074960" cy="315720"/>
+            <a:off x="1121760" y="2286000"/>
+            <a:ext cx="1072440" cy="315360"/>
           </a:xfrm>
           <a:prstGeom prst="rect">
             <a:avLst/>
@@ -2010,33 +2055,34 @@
                   </a:solidFill>
                 </a:uFill>
                 <a:latin typeface="Arial"/>
+                <a:ea typeface="DejaVu Sans"/>
               </a:rPr>
-              <a:t>Quaternion</a:t>
+              <a:t>Gyrometer</a:t>
             </a:r>
-            <a:endParaRPr b="0" lang="en-US" sz="1400" spc="-1" strike="noStrike">
-              <a:solidFill>
-                <a:srgbClr val="000000"/>
-              </a:solidFill>
-              <a:uFill>
-                <a:solidFill>
-                  <a:srgbClr val="ffffff"/>
-                </a:solidFill>
-              </a:uFill>
-              <a:latin typeface="Arial"/>
-            </a:endParaRPr>
-          </a:p>
-        </p:txBody>
-      </p:sp>
-      <p:sp>
-        <p:nvSpPr>
-          <p:cNvPr id="39" name="CustomShape 4"/>
+            <a:endParaRPr b="0" lang="en-US" sz="1800" spc="-1" strike="noStrike">
+              <a:solidFill>
+                <a:srgbClr val="000000"/>
+              </a:solidFill>
+              <a:uFill>
+                <a:solidFill>
+                  <a:srgbClr val="ffffff"/>
+                </a:solidFill>
+              </a:uFill>
+              <a:latin typeface="Arial"/>
+            </a:endParaRPr>
+          </a:p>
+        </p:txBody>
+      </p:sp>
+      <p:sp>
+        <p:nvSpPr>
+          <p:cNvPr id="40" name="CustomShape 5"/>
           <p:cNvSpPr/>
           <p:nvPr/>
         </p:nvSpPr>
         <p:spPr>
           <a:xfrm>
-            <a:off x="1121760" y="2286000"/>
-            <a:ext cx="1072800" cy="315720"/>
+            <a:off x="2129760" y="2286000"/>
+            <a:ext cx="1344600" cy="315360"/>
           </a:xfrm>
           <a:prstGeom prst="rect">
             <a:avLst/>
@@ -2066,33 +2112,34 @@
                   </a:solidFill>
                 </a:uFill>
                 <a:latin typeface="Arial"/>
+                <a:ea typeface="DejaVu Sans"/>
               </a:rPr>
-              <a:t>Gyrometer</a:t>
+              <a:t>Accelerometer</a:t>
             </a:r>
-            <a:endParaRPr b="0" lang="en-US" sz="1400" spc="-1" strike="noStrike">
-              <a:solidFill>
-                <a:srgbClr val="000000"/>
-              </a:solidFill>
-              <a:uFill>
-                <a:solidFill>
-                  <a:srgbClr val="ffffff"/>
-                </a:solidFill>
-              </a:uFill>
-              <a:latin typeface="Arial"/>
-            </a:endParaRPr>
-          </a:p>
-        </p:txBody>
-      </p:sp>
-      <p:sp>
-        <p:nvSpPr>
-          <p:cNvPr id="40" name="CustomShape 5"/>
+            <a:endParaRPr b="0" lang="en-US" sz="1800" spc="-1" strike="noStrike">
+              <a:solidFill>
+                <a:srgbClr val="000000"/>
+              </a:solidFill>
+              <a:uFill>
+                <a:solidFill>
+                  <a:srgbClr val="ffffff"/>
+                </a:solidFill>
+              </a:uFill>
+              <a:latin typeface="Arial"/>
+            </a:endParaRPr>
+          </a:p>
+        </p:txBody>
+      </p:sp>
+      <p:sp>
+        <p:nvSpPr>
+          <p:cNvPr id="41" name="CustomShape 6"/>
           <p:cNvSpPr/>
           <p:nvPr/>
         </p:nvSpPr>
         <p:spPr>
           <a:xfrm>
-            <a:off x="2129760" y="2286000"/>
-            <a:ext cx="1344960" cy="315720"/>
+            <a:off x="3389760" y="2286000"/>
+            <a:ext cx="1331640" cy="315360"/>
           </a:xfrm>
           <a:prstGeom prst="rect">
             <a:avLst/>
@@ -2122,33 +2169,34 @@
                   </a:solidFill>
                 </a:uFill>
                 <a:latin typeface="Arial"/>
+                <a:ea typeface="DejaVu Sans"/>
               </a:rPr>
-              <a:t>Accelerometer</a:t>
+              <a:t>Magnetometer</a:t>
             </a:r>
-            <a:endParaRPr b="0" lang="en-US" sz="1400" spc="-1" strike="noStrike">
-              <a:solidFill>
-                <a:srgbClr val="000000"/>
-              </a:solidFill>
-              <a:uFill>
-                <a:solidFill>
-                  <a:srgbClr val="ffffff"/>
-                </a:solidFill>
-              </a:uFill>
-              <a:latin typeface="Arial"/>
-            </a:endParaRPr>
-          </a:p>
-        </p:txBody>
-      </p:sp>
-      <p:sp>
-        <p:nvSpPr>
-          <p:cNvPr id="41" name="CustomShape 6"/>
+            <a:endParaRPr b="0" lang="en-US" sz="1800" spc="-1" strike="noStrike">
+              <a:solidFill>
+                <a:srgbClr val="000000"/>
+              </a:solidFill>
+              <a:uFill>
+                <a:solidFill>
+                  <a:srgbClr val="ffffff"/>
+                </a:solidFill>
+              </a:uFill>
+              <a:latin typeface="Arial"/>
+            </a:endParaRPr>
+          </a:p>
+        </p:txBody>
+      </p:sp>
+      <p:sp>
+        <p:nvSpPr>
+          <p:cNvPr id="42" name="CustomShape 7"/>
           <p:cNvSpPr/>
           <p:nvPr/>
         </p:nvSpPr>
         <p:spPr>
           <a:xfrm>
-            <a:off x="3389760" y="2286000"/>
-            <a:ext cx="1332000" cy="315720"/>
+            <a:off x="4721760" y="2286000"/>
+            <a:ext cx="1038600" cy="315360"/>
           </a:xfrm>
           <a:prstGeom prst="rect">
             <a:avLst/>
@@ -2178,33 +2226,34 @@
                   </a:solidFill>
                 </a:uFill>
                 <a:latin typeface="Arial"/>
+                <a:ea typeface="DejaVu Sans"/>
               </a:rPr>
-              <a:t>Magnetometer</a:t>
+              <a:t>Barometer</a:t>
             </a:r>
-            <a:endParaRPr b="0" lang="en-US" sz="1400" spc="-1" strike="noStrike">
-              <a:solidFill>
-                <a:srgbClr val="000000"/>
-              </a:solidFill>
-              <a:uFill>
-                <a:solidFill>
-                  <a:srgbClr val="ffffff"/>
-                </a:solidFill>
-              </a:uFill>
-              <a:latin typeface="Arial"/>
-            </a:endParaRPr>
-          </a:p>
-        </p:txBody>
-      </p:sp>
-      <p:sp>
-        <p:nvSpPr>
-          <p:cNvPr id="42" name="CustomShape 7"/>
+            <a:endParaRPr b="0" lang="en-US" sz="1800" spc="-1" strike="noStrike">
+              <a:solidFill>
+                <a:srgbClr val="000000"/>
+              </a:solidFill>
+              <a:uFill>
+                <a:solidFill>
+                  <a:srgbClr val="ffffff"/>
+                </a:solidFill>
+              </a:uFill>
+              <a:latin typeface="Arial"/>
+            </a:endParaRPr>
+          </a:p>
+        </p:txBody>
+      </p:sp>
+      <p:sp>
+        <p:nvSpPr>
+          <p:cNvPr id="43" name="CustomShape 8"/>
           <p:cNvSpPr/>
           <p:nvPr/>
         </p:nvSpPr>
         <p:spPr>
           <a:xfrm>
-            <a:off x="4721760" y="2286000"/>
-            <a:ext cx="1038960" cy="315720"/>
+            <a:off x="6572520" y="1508760"/>
+            <a:ext cx="1473840" cy="315360"/>
           </a:xfrm>
           <a:prstGeom prst="rect">
             <a:avLst/>
@@ -2234,40 +2283,56 @@
                   </a:solidFill>
                 </a:uFill>
                 <a:latin typeface="Arial"/>
+                <a:ea typeface="DejaVu Sans"/>
               </a:rPr>
-              <a:t>Barometer</a:t>
+              <a:t>Rangefinder</a:t>
             </a:r>
-            <a:endParaRPr b="0" lang="en-US" sz="1400" spc="-1" strike="noStrike">
-              <a:solidFill>
-                <a:srgbClr val="000000"/>
-              </a:solidFill>
-              <a:uFill>
-                <a:solidFill>
-                  <a:srgbClr val="ffffff"/>
-                </a:solidFill>
-              </a:uFill>
-              <a:latin typeface="Arial"/>
-            </a:endParaRPr>
-          </a:p>
-        </p:txBody>
-      </p:sp>
-      <p:sp>
-        <p:nvSpPr>
-          <p:cNvPr id="43" name="CustomShape 8"/>
+            <a:endParaRPr b="0" lang="en-US" sz="1800" spc="-1" strike="noStrike">
+              <a:solidFill>
+                <a:srgbClr val="000000"/>
+              </a:solidFill>
+              <a:uFill>
+                <a:solidFill>
+                  <a:srgbClr val="ffffff"/>
+                </a:solidFill>
+              </a:uFill>
+              <a:latin typeface="Arial"/>
+            </a:endParaRPr>
+          </a:p>
+        </p:txBody>
+      </p:sp>
+      <p:sp>
+        <p:nvSpPr>
+          <p:cNvPr id="44" name="CustomShape 9"/>
           <p:cNvSpPr/>
           <p:nvPr/>
         </p:nvSpPr>
         <p:spPr>
-          <a:xfrm>
-            <a:off x="6572520" y="1508760"/>
-            <a:ext cx="1474200" cy="315720"/>
-          </a:xfrm>
-          <a:prstGeom prst="rect">
-            <a:avLst/>
-          </a:prstGeom>
+          <a:xfrm flipH="1">
+            <a:off x="2239560" y="772920"/>
+            <a:ext cx="2417400" cy="740160"/>
+          </a:xfrm>
+          <a:custGeom>
+            <a:avLst/>
+            <a:gdLst/>
+            <a:ahLst/>
+            <a:rect l="l" t="t" r="r" b="b"/>
+            <a:pathLst>
+              <a:path w="21600" h="21600">
+                <a:moveTo>
+                  <a:pt x="0" y="0"/>
+                </a:moveTo>
+                <a:lnTo>
+                  <a:pt x="21600" y="21600"/>
+                </a:lnTo>
+              </a:path>
+            </a:pathLst>
+          </a:custGeom>
           <a:noFill/>
           <a:ln>
-            <a:noFill/>
+            <a:solidFill>
+              <a:srgbClr val="000000"/>
+            </a:solidFill>
           </a:ln>
         </p:spPr>
         <p:style>
@@ -2276,6 +2341,237 @@
           <a:effectRef idx="0"/>
           <a:fontRef idx="minor"/>
         </p:style>
+      </p:sp>
+      <p:sp>
+        <p:nvSpPr>
+          <p:cNvPr id="45" name="CustomShape 10"/>
+          <p:cNvSpPr/>
+          <p:nvPr/>
+        </p:nvSpPr>
+        <p:spPr>
+          <a:xfrm flipH="1">
+            <a:off x="651240" y="1828800"/>
+            <a:ext cx="1589040" cy="457200"/>
+          </a:xfrm>
+          <a:custGeom>
+            <a:avLst/>
+            <a:gdLst/>
+            <a:ahLst/>
+            <a:rect l="l" t="t" r="r" b="b"/>
+            <a:pathLst>
+              <a:path w="21600" h="21600">
+                <a:moveTo>
+                  <a:pt x="0" y="0"/>
+                </a:moveTo>
+                <a:lnTo>
+                  <a:pt x="21600" y="21600"/>
+                </a:lnTo>
+              </a:path>
+            </a:pathLst>
+          </a:custGeom>
+          <a:noFill/>
+          <a:ln>
+            <a:solidFill>
+              <a:srgbClr val="000000"/>
+            </a:solidFill>
+          </a:ln>
+        </p:spPr>
+        <p:style>
+          <a:lnRef idx="0"/>
+          <a:fillRef idx="0"/>
+          <a:effectRef idx="0"/>
+          <a:fontRef idx="minor"/>
+        </p:style>
+      </p:sp>
+      <p:sp>
+        <p:nvSpPr>
+          <p:cNvPr id="46" name="CustomShape 11"/>
+          <p:cNvSpPr/>
+          <p:nvPr/>
+        </p:nvSpPr>
+        <p:spPr>
+          <a:xfrm>
+            <a:off x="2377440" y="1828800"/>
+            <a:ext cx="424800" cy="457200"/>
+          </a:xfrm>
+          <a:custGeom>
+            <a:avLst/>
+            <a:gdLst/>
+            <a:ahLst/>
+            <a:rect l="l" t="t" r="r" b="b"/>
+            <a:pathLst>
+              <a:path w="21600" h="21600">
+                <a:moveTo>
+                  <a:pt x="0" y="0"/>
+                </a:moveTo>
+                <a:lnTo>
+                  <a:pt x="21600" y="21600"/>
+                </a:lnTo>
+              </a:path>
+            </a:pathLst>
+          </a:custGeom>
+          <a:noFill/>
+          <a:ln>
+            <a:solidFill>
+              <a:srgbClr val="000000"/>
+            </a:solidFill>
+          </a:ln>
+        </p:spPr>
+        <p:style>
+          <a:lnRef idx="0"/>
+          <a:fillRef idx="0"/>
+          <a:effectRef idx="0"/>
+          <a:fontRef idx="minor"/>
+        </p:style>
+      </p:sp>
+      <p:sp>
+        <p:nvSpPr>
+          <p:cNvPr id="47" name="CustomShape 12"/>
+          <p:cNvSpPr/>
+          <p:nvPr/>
+        </p:nvSpPr>
+        <p:spPr>
+          <a:xfrm>
+            <a:off x="2377440" y="1828800"/>
+            <a:ext cx="1678320" cy="457200"/>
+          </a:xfrm>
+          <a:custGeom>
+            <a:avLst/>
+            <a:gdLst/>
+            <a:ahLst/>
+            <a:rect l="l" t="t" r="r" b="b"/>
+            <a:pathLst>
+              <a:path w="21600" h="21600">
+                <a:moveTo>
+                  <a:pt x="0" y="0"/>
+                </a:moveTo>
+                <a:lnTo>
+                  <a:pt x="21600" y="21600"/>
+                </a:lnTo>
+              </a:path>
+            </a:pathLst>
+          </a:custGeom>
+          <a:noFill/>
+          <a:ln>
+            <a:solidFill>
+              <a:srgbClr val="000000"/>
+            </a:solidFill>
+          </a:ln>
+        </p:spPr>
+        <p:style>
+          <a:lnRef idx="0"/>
+          <a:fillRef idx="0"/>
+          <a:effectRef idx="0"/>
+          <a:fontRef idx="minor"/>
+        </p:style>
+      </p:sp>
+      <p:sp>
+        <p:nvSpPr>
+          <p:cNvPr id="48" name="CustomShape 13"/>
+          <p:cNvSpPr/>
+          <p:nvPr/>
+        </p:nvSpPr>
+        <p:spPr>
+          <a:xfrm>
+            <a:off x="2377440" y="1828800"/>
+            <a:ext cx="2863800" cy="457200"/>
+          </a:xfrm>
+          <a:custGeom>
+            <a:avLst/>
+            <a:gdLst/>
+            <a:ahLst/>
+            <a:rect l="l" t="t" r="r" b="b"/>
+            <a:pathLst>
+              <a:path w="21600" h="21600">
+                <a:moveTo>
+                  <a:pt x="0" y="0"/>
+                </a:moveTo>
+                <a:lnTo>
+                  <a:pt x="21600" y="21600"/>
+                </a:lnTo>
+              </a:path>
+            </a:pathLst>
+          </a:custGeom>
+          <a:noFill/>
+          <a:ln>
+            <a:solidFill>
+              <a:srgbClr val="000000"/>
+            </a:solidFill>
+          </a:ln>
+        </p:spPr>
+        <p:style>
+          <a:lnRef idx="0"/>
+          <a:fillRef idx="0"/>
+          <a:effectRef idx="0"/>
+          <a:fontRef idx="minor"/>
+        </p:style>
+      </p:sp>
+      <p:sp>
+        <p:nvSpPr>
+          <p:cNvPr id="49" name="CustomShape 14"/>
+          <p:cNvSpPr/>
+          <p:nvPr/>
+        </p:nvSpPr>
+        <p:spPr>
+          <a:xfrm>
+            <a:off x="4657680" y="772920"/>
+            <a:ext cx="2651760" cy="735840"/>
+          </a:xfrm>
+          <a:custGeom>
+            <a:avLst/>
+            <a:gdLst/>
+            <a:ahLst/>
+            <a:rect l="l" t="t" r="r" b="b"/>
+            <a:pathLst>
+              <a:path w="21600" h="21600">
+                <a:moveTo>
+                  <a:pt x="0" y="0"/>
+                </a:moveTo>
+                <a:lnTo>
+                  <a:pt x="21600" y="21600"/>
+                </a:lnTo>
+              </a:path>
+            </a:pathLst>
+          </a:custGeom>
+          <a:noFill/>
+          <a:ln>
+            <a:solidFill>
+              <a:srgbClr val="000000"/>
+            </a:solidFill>
+          </a:ln>
+        </p:spPr>
+        <p:style>
+          <a:lnRef idx="0"/>
+          <a:fillRef idx="0"/>
+          <a:effectRef idx="0"/>
+          <a:fontRef idx="minor"/>
+        </p:style>
+      </p:sp>
+      <p:sp>
+        <p:nvSpPr>
+          <p:cNvPr id="50" name="CustomShape 15"/>
+          <p:cNvSpPr/>
+          <p:nvPr/>
+        </p:nvSpPr>
+        <p:spPr>
+          <a:xfrm>
+            <a:off x="3937680" y="1513080"/>
+            <a:ext cx="725400" cy="315360"/>
+          </a:xfrm>
+          <a:prstGeom prst="rect">
+            <a:avLst/>
+          </a:prstGeom>
+          <a:noFill/>
+          <a:ln>
+            <a:noFill/>
+          </a:ln>
+        </p:spPr>
+        <p:style>
+          <a:lnRef idx="0"/>
+          <a:fillRef idx="0"/>
+          <a:effectRef idx="0"/>
+          <a:fontRef idx="minor"/>
+        </p:style>
         <p:txBody>
           <a:bodyPr lIns="90000" rIns="90000" tIns="45000" bIns="45000"/>
           <a:p>
@@ -2290,10 +2586,11 @@
                   </a:solidFill>
                 </a:uFill>
                 <a:latin typeface="Arial"/>
+                <a:ea typeface="DejaVu Sans"/>
               </a:rPr>
-              <a:t>Rangefinder</a:t>
+              <a:t>Board</a:t>
             </a:r>
-            <a:endParaRPr b="0" lang="en-US" sz="1400" spc="-1" strike="noStrike">
+            <a:endParaRPr b="0" lang="en-US" sz="1800" spc="-1" strike="noStrike">
               <a:solidFill>
                 <a:srgbClr val="000000"/>
               </a:solidFill>
@@ -2309,17 +2606,17 @@
       </p:sp>
       <p:cxnSp>
         <p:nvCxnSpPr>
-          <p:cNvPr id="44" name="Line 9"/>
+          <p:cNvPr id="51" name="Line 16"/>
           <p:cNvCxnSpPr>
-            <a:stCxn id="36" idx="2"/>
-            <a:endCxn id="37" idx="0"/>
+            <a:stCxn id="37" idx="3"/>
+            <a:endCxn id="50" idx="1"/>
           </p:cNvCxnSpPr>
           <p:nvPr/>
         </p:nvCxnSpPr>
         <p:spPr>
-          <a:xfrm flipH="1">
-            <a:off x="2377440" y="772920"/>
-            <a:ext cx="2280600" cy="740520"/>
+          <a:xfrm>
+            <a:off x="3200040" y="1670760"/>
+            <a:ext cx="738000" cy="360"/>
           </a:xfrm>
           <a:prstGeom prst="straightConnector1">
             <a:avLst/>
@@ -2328,122 +2625,8 @@
             <a:solidFill>
               <a:srgbClr val="000000"/>
             </a:solidFill>
-          </a:ln>
-        </p:spPr>
-      </p:cxnSp>
-      <p:cxnSp>
-        <p:nvCxnSpPr>
-          <p:cNvPr id="45" name="Line 10"/>
-          <p:cNvCxnSpPr>
-            <a:stCxn id="37" idx="2"/>
-            <a:endCxn id="38" idx="0"/>
-          </p:cNvCxnSpPr>
-          <p:nvPr/>
-        </p:nvCxnSpPr>
-        <p:spPr>
-          <a:xfrm flipH="1">
-            <a:off x="651240" y="1828800"/>
-            <a:ext cx="1726560" cy="457560"/>
-          </a:xfrm>
-          <a:prstGeom prst="straightConnector1">
-            <a:avLst/>
-          </a:prstGeom>
-          <a:ln>
-            <a:solidFill>
-              <a:srgbClr val="000000"/>
-            </a:solidFill>
-          </a:ln>
-        </p:spPr>
-      </p:cxnSp>
-      <p:cxnSp>
-        <p:nvCxnSpPr>
-          <p:cNvPr id="46" name="Line 11"/>
-          <p:cNvCxnSpPr>
-            <a:endCxn id="40" idx="0"/>
-          </p:cNvCxnSpPr>
-          <p:nvPr/>
-        </p:nvCxnSpPr>
-        <p:spPr>
-          <a:xfrm>
-            <a:off x="2377440" y="1828800"/>
-            <a:ext cx="425160" cy="457560"/>
-          </a:xfrm>
-          <a:prstGeom prst="straightConnector1">
-            <a:avLst/>
-          </a:prstGeom>
-          <a:ln>
-            <a:solidFill>
-              <a:srgbClr val="000000"/>
-            </a:solidFill>
-          </a:ln>
-        </p:spPr>
-      </p:cxnSp>
-      <p:cxnSp>
-        <p:nvCxnSpPr>
-          <p:cNvPr id="47" name="Line 12"/>
-          <p:cNvCxnSpPr>
-            <a:endCxn id="41" idx="0"/>
-          </p:cNvCxnSpPr>
-          <p:nvPr/>
-        </p:nvCxnSpPr>
-        <p:spPr>
-          <a:xfrm>
-            <a:off x="2377440" y="1828800"/>
-            <a:ext cx="1678680" cy="457560"/>
-          </a:xfrm>
-          <a:prstGeom prst="straightConnector1">
-            <a:avLst/>
-          </a:prstGeom>
-          <a:ln>
-            <a:solidFill>
-              <a:srgbClr val="000000"/>
-            </a:solidFill>
-          </a:ln>
-        </p:spPr>
-      </p:cxnSp>
-      <p:cxnSp>
-        <p:nvCxnSpPr>
-          <p:cNvPr id="48" name="Line 13"/>
-          <p:cNvCxnSpPr>
-            <a:endCxn id="42" idx="0"/>
-          </p:cNvCxnSpPr>
-          <p:nvPr/>
-        </p:nvCxnSpPr>
-        <p:spPr>
-          <a:xfrm>
-            <a:off x="2377440" y="1828800"/>
-            <a:ext cx="2864160" cy="457560"/>
-          </a:xfrm>
-          <a:prstGeom prst="straightConnector1">
-            <a:avLst/>
-          </a:prstGeom>
-          <a:ln>
-            <a:solidFill>
-              <a:srgbClr val="000000"/>
-            </a:solidFill>
-          </a:ln>
-        </p:spPr>
-      </p:cxnSp>
-      <p:cxnSp>
-        <p:nvCxnSpPr>
-          <p:cNvPr id="49" name="Line 14"/>
-          <p:cNvCxnSpPr>
-            <a:endCxn id="43" idx="0"/>
-          </p:cNvCxnSpPr>
-          <p:nvPr/>
-        </p:nvCxnSpPr>
-        <p:spPr>
-          <a:xfrm>
-            <a:off x="4657680" y="772920"/>
-            <a:ext cx="2652120" cy="736200"/>
-          </a:xfrm>
-          <a:prstGeom prst="straightConnector1">
-            <a:avLst/>
-          </a:prstGeom>
-          <a:ln>
-            <a:solidFill>
-              <a:srgbClr val="000000"/>
-            </a:solidFill>
+            <a:headEnd len="med" type="triangle" w="med"/>
+            <a:tailEnd len="med" type="triangle" w="med"/>
           </a:ln>
         </p:spPr>
       </p:cxnSp>

--- a/extras/media/sensors.pptx
+++ b/extras/media/sensors.pptx
@@ -53,7 +53,7 @@
       </p:grpSpPr>
       <p:sp>
         <p:nvSpPr>
-          <p:cNvPr id="23" name="PlaceHolder 1"/>
+          <p:cNvPr id="21" name="PlaceHolder 1"/>
           <p:cNvSpPr>
             <a:spLocks noGrp="1"/>
           </p:cNvSpPr>
@@ -64,7 +64,7 @@
         <p:spPr>
           <a:xfrm>
             <a:off x="504000" y="301320"/>
-            <a:ext cx="9070920" cy="1261440"/>
+            <a:ext cx="9072000" cy="1261800"/>
           </a:xfrm>
           <a:prstGeom prst="rect">
             <a:avLst/>
@@ -90,7 +90,7 @@
       </p:sp>
       <p:sp>
         <p:nvSpPr>
-          <p:cNvPr id="24" name="PlaceHolder 2"/>
+          <p:cNvPr id="22" name="PlaceHolder 2"/>
           <p:cNvSpPr>
             <a:spLocks noGrp="1"/>
           </p:cNvSpPr>
@@ -101,7 +101,7 @@
         <p:spPr>
           <a:xfrm>
             <a:off x="504000" y="1768680"/>
-            <a:ext cx="9071640" cy="2090880"/>
+            <a:ext cx="9072000" cy="2090880"/>
           </a:xfrm>
           <a:prstGeom prst="rect">
             <a:avLst/>
@@ -126,7 +126,7 @@
       </p:sp>
       <p:sp>
         <p:nvSpPr>
-          <p:cNvPr id="25" name="PlaceHolder 3"/>
+          <p:cNvPr id="23" name="PlaceHolder 3"/>
           <p:cNvSpPr>
             <a:spLocks noGrp="1"/>
           </p:cNvSpPr>
@@ -137,7 +137,7 @@
         <p:spPr>
           <a:xfrm>
             <a:off x="504000" y="4058640"/>
-            <a:ext cx="9071640" cy="2090880"/>
+            <a:ext cx="9072000" cy="2090880"/>
           </a:xfrm>
           <a:prstGeom prst="rect">
             <a:avLst/>
@@ -184,7 +184,7 @@
       </p:grpSpPr>
       <p:sp>
         <p:nvSpPr>
-          <p:cNvPr id="26" name="PlaceHolder 1"/>
+          <p:cNvPr id="24" name="PlaceHolder 1"/>
           <p:cNvSpPr>
             <a:spLocks noGrp="1"/>
           </p:cNvSpPr>
@@ -195,7 +195,7 @@
         <p:spPr>
           <a:xfrm>
             <a:off x="504000" y="301320"/>
-            <a:ext cx="9070920" cy="1261440"/>
+            <a:ext cx="9072000" cy="1261800"/>
           </a:xfrm>
           <a:prstGeom prst="rect">
             <a:avLst/>
@@ -221,7 +221,7 @@
       </p:sp>
       <p:sp>
         <p:nvSpPr>
-          <p:cNvPr id="27" name="PlaceHolder 2"/>
+          <p:cNvPr id="25" name="PlaceHolder 2"/>
           <p:cNvSpPr>
             <a:spLocks noGrp="1"/>
           </p:cNvSpPr>
@@ -257,7 +257,7 @@
       </p:sp>
       <p:sp>
         <p:nvSpPr>
-          <p:cNvPr id="28" name="PlaceHolder 3"/>
+          <p:cNvPr id="26" name="PlaceHolder 3"/>
           <p:cNvSpPr>
             <a:spLocks noGrp="1"/>
           </p:cNvSpPr>
@@ -293,7 +293,7 @@
       </p:sp>
       <p:sp>
         <p:nvSpPr>
-          <p:cNvPr id="29" name="PlaceHolder 4"/>
+          <p:cNvPr id="27" name="PlaceHolder 4"/>
           <p:cNvSpPr>
             <a:spLocks noGrp="1"/>
           </p:cNvSpPr>
@@ -329,7 +329,7 @@
       </p:sp>
       <p:sp>
         <p:nvSpPr>
-          <p:cNvPr id="30" name="PlaceHolder 5"/>
+          <p:cNvPr id="28" name="PlaceHolder 5"/>
           <p:cNvSpPr>
             <a:spLocks noGrp="1"/>
           </p:cNvSpPr>
@@ -387,7 +387,7 @@
       </p:grpSpPr>
       <p:sp>
         <p:nvSpPr>
-          <p:cNvPr id="31" name="PlaceHolder 1"/>
+          <p:cNvPr id="29" name="PlaceHolder 1"/>
           <p:cNvSpPr>
             <a:spLocks noGrp="1"/>
           </p:cNvSpPr>
@@ -398,7 +398,7 @@
         <p:spPr>
           <a:xfrm>
             <a:off x="504000" y="301320"/>
-            <a:ext cx="9070920" cy="1261440"/>
+            <a:ext cx="9072000" cy="1261800"/>
           </a:xfrm>
           <a:prstGeom prst="rect">
             <a:avLst/>
@@ -424,7 +424,7 @@
       </p:sp>
       <p:sp>
         <p:nvSpPr>
-          <p:cNvPr id="32" name="PlaceHolder 2"/>
+          <p:cNvPr id="30" name="PlaceHolder 2"/>
           <p:cNvSpPr>
             <a:spLocks noGrp="1"/>
           </p:cNvSpPr>
@@ -435,7 +435,7 @@
         <p:spPr>
           <a:xfrm>
             <a:off x="504000" y="1768680"/>
-            <a:ext cx="9071640" cy="4383720"/>
+            <a:ext cx="9072000" cy="4384080"/>
           </a:xfrm>
           <a:prstGeom prst="rect">
             <a:avLst/>
@@ -460,7 +460,7 @@
       </p:sp>
       <p:sp>
         <p:nvSpPr>
-          <p:cNvPr id="33" name="PlaceHolder 3"/>
+          <p:cNvPr id="31" name="PlaceHolder 3"/>
           <p:cNvSpPr>
             <a:spLocks noGrp="1"/>
           </p:cNvSpPr>
@@ -471,7 +471,7 @@
         <p:spPr>
           <a:xfrm>
             <a:off x="504000" y="1768680"/>
-            <a:ext cx="9071640" cy="4383720"/>
+            <a:ext cx="9072000" cy="4384080"/>
           </a:xfrm>
           <a:prstGeom prst="rect">
             <a:avLst/>
@@ -496,7 +496,7 @@
       </p:sp>
       <p:pic>
         <p:nvPicPr>
-          <p:cNvPr id="34" name="" descr=""/>
+          <p:cNvPr id="32" name="" descr=""/>
           <p:cNvPicPr/>
           <p:nvPr/>
         </p:nvPicPr>
@@ -506,8 +506,8 @@
         </p:blipFill>
         <p:spPr>
           <a:xfrm>
-            <a:off x="2292480" y="1768320"/>
-            <a:ext cx="5494320" cy="4383720"/>
+            <a:off x="2292480" y="1768680"/>
+            <a:ext cx="5494680" cy="4384080"/>
           </a:xfrm>
           <a:prstGeom prst="rect">
             <a:avLst/>
@@ -519,7 +519,7 @@
       </p:pic>
       <p:pic>
         <p:nvPicPr>
-          <p:cNvPr id="35" name="" descr=""/>
+          <p:cNvPr id="33" name="" descr=""/>
           <p:cNvPicPr/>
           <p:nvPr/>
         </p:nvPicPr>
@@ -529,8 +529,8 @@
         </p:blipFill>
         <p:spPr>
           <a:xfrm>
-            <a:off x="2292480" y="1768320"/>
-            <a:ext cx="5494320" cy="4383720"/>
+            <a:off x="2292480" y="1768680"/>
+            <a:ext cx="5494680" cy="4384080"/>
           </a:xfrm>
           <a:prstGeom prst="rect">
             <a:avLst/>
@@ -564,7 +564,7 @@
       </p:grpSpPr>
       <p:sp>
         <p:nvSpPr>
-          <p:cNvPr id="2" name="PlaceHolder 1"/>
+          <p:cNvPr id="0" name="PlaceHolder 1"/>
           <p:cNvSpPr>
             <a:spLocks noGrp="1"/>
           </p:cNvSpPr>
@@ -575,7 +575,7 @@
         <p:spPr>
           <a:xfrm>
             <a:off x="504000" y="301320"/>
-            <a:ext cx="9070920" cy="1261440"/>
+            <a:ext cx="9072000" cy="1261800"/>
           </a:xfrm>
           <a:prstGeom prst="rect">
             <a:avLst/>
@@ -601,7 +601,7 @@
       </p:sp>
       <p:sp>
         <p:nvSpPr>
-          <p:cNvPr id="3" name="PlaceHolder 2"/>
+          <p:cNvPr id="1" name="PlaceHolder 2"/>
           <p:cNvSpPr>
             <a:spLocks noGrp="1"/>
           </p:cNvSpPr>
@@ -612,7 +612,7 @@
         <p:spPr>
           <a:xfrm>
             <a:off x="504000" y="1768680"/>
-            <a:ext cx="9071640" cy="4383720"/>
+            <a:ext cx="9072000" cy="4384080"/>
           </a:xfrm>
           <a:prstGeom prst="rect">
             <a:avLst/>
@@ -660,7 +660,7 @@
       </p:grpSpPr>
       <p:sp>
         <p:nvSpPr>
-          <p:cNvPr id="4" name="PlaceHolder 1"/>
+          <p:cNvPr id="2" name="PlaceHolder 1"/>
           <p:cNvSpPr>
             <a:spLocks noGrp="1"/>
           </p:cNvSpPr>
@@ -671,7 +671,7 @@
         <p:spPr>
           <a:xfrm>
             <a:off x="504000" y="301320"/>
-            <a:ext cx="9070920" cy="1261440"/>
+            <a:ext cx="9072000" cy="1261800"/>
           </a:xfrm>
           <a:prstGeom prst="rect">
             <a:avLst/>
@@ -697,7 +697,7 @@
       </p:sp>
       <p:sp>
         <p:nvSpPr>
-          <p:cNvPr id="5" name="PlaceHolder 2"/>
+          <p:cNvPr id="3" name="PlaceHolder 2"/>
           <p:cNvSpPr>
             <a:spLocks noGrp="1"/>
           </p:cNvSpPr>
@@ -708,7 +708,7 @@
         <p:spPr>
           <a:xfrm>
             <a:off x="504000" y="1768680"/>
-            <a:ext cx="9071640" cy="4383720"/>
+            <a:ext cx="9072000" cy="4384080"/>
           </a:xfrm>
           <a:prstGeom prst="rect">
             <a:avLst/>
@@ -755,7 +755,7 @@
       </p:grpSpPr>
       <p:sp>
         <p:nvSpPr>
-          <p:cNvPr id="6" name="PlaceHolder 1"/>
+          <p:cNvPr id="4" name="PlaceHolder 1"/>
           <p:cNvSpPr>
             <a:spLocks noGrp="1"/>
           </p:cNvSpPr>
@@ -766,7 +766,7 @@
         <p:spPr>
           <a:xfrm>
             <a:off x="504000" y="301320"/>
-            <a:ext cx="9070920" cy="1261440"/>
+            <a:ext cx="9072000" cy="1261800"/>
           </a:xfrm>
           <a:prstGeom prst="rect">
             <a:avLst/>
@@ -792,7 +792,7 @@
       </p:sp>
       <p:sp>
         <p:nvSpPr>
-          <p:cNvPr id="7" name="PlaceHolder 2"/>
+          <p:cNvPr id="5" name="PlaceHolder 2"/>
           <p:cNvSpPr>
             <a:spLocks noGrp="1"/>
           </p:cNvSpPr>
@@ -803,7 +803,7 @@
         <p:spPr>
           <a:xfrm>
             <a:off x="504000" y="1768680"/>
-            <a:ext cx="4426920" cy="4383720"/>
+            <a:ext cx="4426920" cy="4384080"/>
           </a:xfrm>
           <a:prstGeom prst="rect">
             <a:avLst/>
@@ -828,7 +828,7 @@
       </p:sp>
       <p:sp>
         <p:nvSpPr>
-          <p:cNvPr id="8" name="PlaceHolder 3"/>
+          <p:cNvPr id="6" name="PlaceHolder 3"/>
           <p:cNvSpPr>
             <a:spLocks noGrp="1"/>
           </p:cNvSpPr>
@@ -839,7 +839,7 @@
         <p:spPr>
           <a:xfrm>
             <a:off x="5152680" y="1768680"/>
-            <a:ext cx="4426920" cy="4383720"/>
+            <a:ext cx="4426920" cy="4384080"/>
           </a:xfrm>
           <a:prstGeom prst="rect">
             <a:avLst/>
@@ -886,7 +886,7 @@
       </p:grpSpPr>
       <p:sp>
         <p:nvSpPr>
-          <p:cNvPr id="9" name="PlaceHolder 1"/>
+          <p:cNvPr id="7" name="PlaceHolder 1"/>
           <p:cNvSpPr>
             <a:spLocks noGrp="1"/>
           </p:cNvSpPr>
@@ -897,7 +897,7 @@
         <p:spPr>
           <a:xfrm>
             <a:off x="504000" y="301320"/>
-            <a:ext cx="9070920" cy="1261440"/>
+            <a:ext cx="9072000" cy="1261800"/>
           </a:xfrm>
           <a:prstGeom prst="rect">
             <a:avLst/>
@@ -945,7 +945,7 @@
       </p:grpSpPr>
       <p:sp>
         <p:nvSpPr>
-          <p:cNvPr id="10" name="PlaceHolder 1"/>
+          <p:cNvPr id="8" name="PlaceHolder 1"/>
           <p:cNvSpPr>
             <a:spLocks noGrp="1"/>
           </p:cNvSpPr>
@@ -956,7 +956,7 @@
         <p:spPr>
           <a:xfrm>
             <a:off x="504000" y="301320"/>
-            <a:ext cx="9070920" cy="5848560"/>
+            <a:ext cx="9072000" cy="5850360"/>
           </a:xfrm>
           <a:prstGeom prst="rect">
             <a:avLst/>
@@ -1004,7 +1004,7 @@
       </p:grpSpPr>
       <p:sp>
         <p:nvSpPr>
-          <p:cNvPr id="11" name="PlaceHolder 1"/>
+          <p:cNvPr id="9" name="PlaceHolder 1"/>
           <p:cNvSpPr>
             <a:spLocks noGrp="1"/>
           </p:cNvSpPr>
@@ -1015,7 +1015,7 @@
         <p:spPr>
           <a:xfrm>
             <a:off x="504000" y="301320"/>
-            <a:ext cx="9070920" cy="1261440"/>
+            <a:ext cx="9072000" cy="1261800"/>
           </a:xfrm>
           <a:prstGeom prst="rect">
             <a:avLst/>
@@ -1041,7 +1041,7 @@
       </p:sp>
       <p:sp>
         <p:nvSpPr>
-          <p:cNvPr id="12" name="PlaceHolder 2"/>
+          <p:cNvPr id="10" name="PlaceHolder 2"/>
           <p:cNvSpPr>
             <a:spLocks noGrp="1"/>
           </p:cNvSpPr>
@@ -1077,7 +1077,7 @@
       </p:sp>
       <p:sp>
         <p:nvSpPr>
-          <p:cNvPr id="13" name="PlaceHolder 3"/>
+          <p:cNvPr id="11" name="PlaceHolder 3"/>
           <p:cNvSpPr>
             <a:spLocks noGrp="1"/>
           </p:cNvSpPr>
@@ -1113,7 +1113,7 @@
       </p:sp>
       <p:sp>
         <p:nvSpPr>
-          <p:cNvPr id="14" name="PlaceHolder 4"/>
+          <p:cNvPr id="12" name="PlaceHolder 4"/>
           <p:cNvSpPr>
             <a:spLocks noGrp="1"/>
           </p:cNvSpPr>
@@ -1124,7 +1124,7 @@
         <p:spPr>
           <a:xfrm>
             <a:off x="5152680" y="1768680"/>
-            <a:ext cx="4426920" cy="4383720"/>
+            <a:ext cx="4426920" cy="4384080"/>
           </a:xfrm>
           <a:prstGeom prst="rect">
             <a:avLst/>
@@ -1171,7 +1171,7 @@
       </p:grpSpPr>
       <p:sp>
         <p:nvSpPr>
-          <p:cNvPr id="15" name="PlaceHolder 1"/>
+          <p:cNvPr id="13" name="PlaceHolder 1"/>
           <p:cNvSpPr>
             <a:spLocks noGrp="1"/>
           </p:cNvSpPr>
@@ -1182,7 +1182,7 @@
         <p:spPr>
           <a:xfrm>
             <a:off x="504000" y="301320"/>
-            <a:ext cx="9070920" cy="1261440"/>
+            <a:ext cx="9072000" cy="1261800"/>
           </a:xfrm>
           <a:prstGeom prst="rect">
             <a:avLst/>
@@ -1208,7 +1208,7 @@
       </p:sp>
       <p:sp>
         <p:nvSpPr>
-          <p:cNvPr id="16" name="PlaceHolder 2"/>
+          <p:cNvPr id="14" name="PlaceHolder 2"/>
           <p:cNvSpPr>
             <a:spLocks noGrp="1"/>
           </p:cNvSpPr>
@@ -1219,7 +1219,7 @@
         <p:spPr>
           <a:xfrm>
             <a:off x="504000" y="1768680"/>
-            <a:ext cx="4426920" cy="4383720"/>
+            <a:ext cx="4426920" cy="4384080"/>
           </a:xfrm>
           <a:prstGeom prst="rect">
             <a:avLst/>
@@ -1244,7 +1244,7 @@
       </p:sp>
       <p:sp>
         <p:nvSpPr>
-          <p:cNvPr id="17" name="PlaceHolder 3"/>
+          <p:cNvPr id="15" name="PlaceHolder 3"/>
           <p:cNvSpPr>
             <a:spLocks noGrp="1"/>
           </p:cNvSpPr>
@@ -1280,7 +1280,7 @@
       </p:sp>
       <p:sp>
         <p:nvSpPr>
-          <p:cNvPr id="18" name="PlaceHolder 4"/>
+          <p:cNvPr id="16" name="PlaceHolder 4"/>
           <p:cNvSpPr>
             <a:spLocks noGrp="1"/>
           </p:cNvSpPr>
@@ -1338,7 +1338,7 @@
       </p:grpSpPr>
       <p:sp>
         <p:nvSpPr>
-          <p:cNvPr id="19" name="PlaceHolder 1"/>
+          <p:cNvPr id="17" name="PlaceHolder 1"/>
           <p:cNvSpPr>
             <a:spLocks noGrp="1"/>
           </p:cNvSpPr>
@@ -1349,7 +1349,7 @@
         <p:spPr>
           <a:xfrm>
             <a:off x="504000" y="301320"/>
-            <a:ext cx="9070920" cy="1261440"/>
+            <a:ext cx="9072000" cy="1261800"/>
           </a:xfrm>
           <a:prstGeom prst="rect">
             <a:avLst/>
@@ -1375,7 +1375,7 @@
       </p:sp>
       <p:sp>
         <p:nvSpPr>
-          <p:cNvPr id="20" name="PlaceHolder 2"/>
+          <p:cNvPr id="18" name="PlaceHolder 2"/>
           <p:cNvSpPr>
             <a:spLocks noGrp="1"/>
           </p:cNvSpPr>
@@ -1411,7 +1411,7 @@
       </p:sp>
       <p:sp>
         <p:nvSpPr>
-          <p:cNvPr id="21" name="PlaceHolder 3"/>
+          <p:cNvPr id="19" name="PlaceHolder 3"/>
           <p:cNvSpPr>
             <a:spLocks noGrp="1"/>
           </p:cNvSpPr>
@@ -1447,7 +1447,7 @@
       </p:sp>
       <p:sp>
         <p:nvSpPr>
-          <p:cNvPr id="22" name="PlaceHolder 4"/>
+          <p:cNvPr id="20" name="PlaceHolder 4"/>
           <p:cNvSpPr>
             <a:spLocks noGrp="1"/>
           </p:cNvSpPr>
@@ -1458,7 +1458,7 @@
         <p:spPr>
           <a:xfrm>
             <a:off x="504000" y="4058640"/>
-            <a:ext cx="9071640" cy="2090880"/>
+            <a:ext cx="9072000" cy="2090880"/>
           </a:xfrm>
           <a:prstGeom prst="rect">
             <a:avLst/>
@@ -1503,311 +1503,6 @@
           <a:chExt cx="0" cy="0"/>
         </a:xfrm>
       </p:grpSpPr>
-      <p:sp>
-        <p:nvSpPr>
-          <p:cNvPr id="0" name="PlaceHolder 1"/>
-          <p:cNvSpPr>
-            <a:spLocks noGrp="1"/>
-          </p:cNvSpPr>
-          <p:nvPr>
-            <p:ph type="title"/>
-          </p:nvPr>
-        </p:nvSpPr>
-        <p:spPr>
-          <a:xfrm>
-            <a:off x="504000" y="301320"/>
-            <a:ext cx="9070920" cy="1261440"/>
-          </a:xfrm>
-          <a:prstGeom prst="rect">
-            <a:avLst/>
-          </a:prstGeom>
-        </p:spPr>
-        <p:txBody>
-          <a:bodyPr lIns="0" rIns="0" tIns="0" bIns="0" anchor="ctr"/>
-          <a:p>
-            <a:pPr algn="ctr"/>
-            <a:endParaRPr b="0" lang="en-US" sz="4400" spc="-1" strike="noStrike">
-              <a:solidFill>
-                <a:srgbClr val="000000"/>
-              </a:solidFill>
-              <a:uFill>
-                <a:solidFill>
-                  <a:srgbClr val="ffffff"/>
-                </a:solidFill>
-              </a:uFill>
-              <a:latin typeface="Arial"/>
-            </a:endParaRPr>
-          </a:p>
-        </p:txBody>
-      </p:sp>
-      <p:sp>
-        <p:nvSpPr>
-          <p:cNvPr id="1" name="PlaceHolder 2"/>
-          <p:cNvSpPr>
-            <a:spLocks noGrp="1"/>
-          </p:cNvSpPr>
-          <p:nvPr>
-            <p:ph type="body"/>
-          </p:nvPr>
-        </p:nvSpPr>
-        <p:spPr>
-          <a:xfrm>
-            <a:off x="504000" y="1768680"/>
-            <a:ext cx="9071640" cy="4383720"/>
-          </a:xfrm>
-          <a:prstGeom prst="rect">
-            <a:avLst/>
-          </a:prstGeom>
-        </p:spPr>
-        <p:txBody>
-          <a:bodyPr lIns="0" rIns="0" tIns="0" bIns="0"/>
-          <a:p>
-            <a:pPr marL="432000" indent="-324000">
-              <a:buClr>
-                <a:srgbClr val="000000"/>
-              </a:buClr>
-              <a:buSzPct val="45000"/>
-              <a:buFont typeface="Wingdings" charset="2"/>
-              <a:buChar char=""/>
-            </a:pPr>
-            <a:r>
-              <a:rPr b="0" lang="en-US" sz="1800" spc="-1" strike="noStrike">
-                <a:solidFill>
-                  <a:srgbClr val="000000"/>
-                </a:solidFill>
-                <a:uFill>
-                  <a:solidFill>
-                    <a:srgbClr val="ffffff"/>
-                  </a:solidFill>
-                </a:uFill>
-                <a:latin typeface="Arial"/>
-              </a:rPr>
-              <a:t>Click to edit the outline text format</a:t>
-            </a:r>
-            <a:endParaRPr b="0" lang="en-US" sz="1800" spc="-1" strike="noStrike">
-              <a:solidFill>
-                <a:srgbClr val="000000"/>
-              </a:solidFill>
-              <a:uFill>
-                <a:solidFill>
-                  <a:srgbClr val="ffffff"/>
-                </a:solidFill>
-              </a:uFill>
-              <a:latin typeface="Arial"/>
-            </a:endParaRPr>
-          </a:p>
-          <a:p>
-            <a:pPr lvl="1" marL="864000" indent="-324000">
-              <a:buClr>
-                <a:srgbClr val="000000"/>
-              </a:buClr>
-              <a:buSzPct val="75000"/>
-              <a:buFont typeface="Symbol" charset="2"/>
-              <a:buChar char=""/>
-            </a:pPr>
-            <a:r>
-              <a:rPr b="0" lang="en-US" sz="1800" spc="-1" strike="noStrike">
-                <a:solidFill>
-                  <a:srgbClr val="000000"/>
-                </a:solidFill>
-                <a:uFill>
-                  <a:solidFill>
-                    <a:srgbClr val="ffffff"/>
-                  </a:solidFill>
-                </a:uFill>
-                <a:latin typeface="Arial"/>
-              </a:rPr>
-              <a:t>Second Outline Level</a:t>
-            </a:r>
-            <a:endParaRPr b="0" lang="en-US" sz="1800" spc="-1" strike="noStrike">
-              <a:solidFill>
-                <a:srgbClr val="000000"/>
-              </a:solidFill>
-              <a:uFill>
-                <a:solidFill>
-                  <a:srgbClr val="ffffff"/>
-                </a:solidFill>
-              </a:uFill>
-              <a:latin typeface="Arial"/>
-            </a:endParaRPr>
-          </a:p>
-          <a:p>
-            <a:pPr lvl="2" marL="1296000" indent="-288000">
-              <a:buClr>
-                <a:srgbClr val="000000"/>
-              </a:buClr>
-              <a:buSzPct val="45000"/>
-              <a:buFont typeface="Wingdings" charset="2"/>
-              <a:buChar char=""/>
-            </a:pPr>
-            <a:r>
-              <a:rPr b="0" lang="en-US" sz="1800" spc="-1" strike="noStrike">
-                <a:solidFill>
-                  <a:srgbClr val="000000"/>
-                </a:solidFill>
-                <a:uFill>
-                  <a:solidFill>
-                    <a:srgbClr val="ffffff"/>
-                  </a:solidFill>
-                </a:uFill>
-                <a:latin typeface="Arial"/>
-              </a:rPr>
-              <a:t>Third Outline Level</a:t>
-            </a:r>
-            <a:endParaRPr b="0" lang="en-US" sz="1800" spc="-1" strike="noStrike">
-              <a:solidFill>
-                <a:srgbClr val="000000"/>
-              </a:solidFill>
-              <a:uFill>
-                <a:solidFill>
-                  <a:srgbClr val="ffffff"/>
-                </a:solidFill>
-              </a:uFill>
-              <a:latin typeface="Arial"/>
-            </a:endParaRPr>
-          </a:p>
-          <a:p>
-            <a:pPr lvl="3" marL="1728000" indent="-216000">
-              <a:buClr>
-                <a:srgbClr val="000000"/>
-              </a:buClr>
-              <a:buSzPct val="75000"/>
-              <a:buFont typeface="Symbol" charset="2"/>
-              <a:buChar char=""/>
-            </a:pPr>
-            <a:r>
-              <a:rPr b="0" lang="en-US" sz="1800" spc="-1" strike="noStrike">
-                <a:solidFill>
-                  <a:srgbClr val="000000"/>
-                </a:solidFill>
-                <a:uFill>
-                  <a:solidFill>
-                    <a:srgbClr val="ffffff"/>
-                  </a:solidFill>
-                </a:uFill>
-                <a:latin typeface="Arial"/>
-              </a:rPr>
-              <a:t>Fourth Outline Level</a:t>
-            </a:r>
-            <a:endParaRPr b="0" lang="en-US" sz="1800" spc="-1" strike="noStrike">
-              <a:solidFill>
-                <a:srgbClr val="000000"/>
-              </a:solidFill>
-              <a:uFill>
-                <a:solidFill>
-                  <a:srgbClr val="ffffff"/>
-                </a:solidFill>
-              </a:uFill>
-              <a:latin typeface="Arial"/>
-            </a:endParaRPr>
-          </a:p>
-          <a:p>
-            <a:pPr lvl="4" marL="2160000" indent="-216000">
-              <a:buClr>
-                <a:srgbClr val="000000"/>
-              </a:buClr>
-              <a:buSzPct val="45000"/>
-              <a:buFont typeface="Wingdings" charset="2"/>
-              <a:buChar char=""/>
-            </a:pPr>
-            <a:r>
-              <a:rPr b="0" lang="en-US" sz="1800" spc="-1" strike="noStrike">
-                <a:solidFill>
-                  <a:srgbClr val="000000"/>
-                </a:solidFill>
-                <a:uFill>
-                  <a:solidFill>
-                    <a:srgbClr val="ffffff"/>
-                  </a:solidFill>
-                </a:uFill>
-                <a:latin typeface="Arial"/>
-              </a:rPr>
-              <a:t>Fifth Outline Level</a:t>
-            </a:r>
-            <a:endParaRPr b="0" lang="en-US" sz="1800" spc="-1" strike="noStrike">
-              <a:solidFill>
-                <a:srgbClr val="000000"/>
-              </a:solidFill>
-              <a:uFill>
-                <a:solidFill>
-                  <a:srgbClr val="ffffff"/>
-                </a:solidFill>
-              </a:uFill>
-              <a:latin typeface="Arial"/>
-            </a:endParaRPr>
-          </a:p>
-          <a:p>
-            <a:pPr lvl="5" marL="2592000" indent="-216000">
-              <a:buClr>
-                <a:srgbClr val="000000"/>
-              </a:buClr>
-              <a:buSzPct val="45000"/>
-              <a:buFont typeface="Wingdings" charset="2"/>
-              <a:buChar char=""/>
-            </a:pPr>
-            <a:r>
-              <a:rPr b="0" lang="en-US" sz="1800" spc="-1" strike="noStrike">
-                <a:solidFill>
-                  <a:srgbClr val="000000"/>
-                </a:solidFill>
-                <a:uFill>
-                  <a:solidFill>
-                    <a:srgbClr val="ffffff"/>
-                  </a:solidFill>
-                </a:uFill>
-                <a:latin typeface="Arial"/>
-              </a:rPr>
-              <a:t>Sixth Outline Level</a:t>
-            </a:r>
-            <a:endParaRPr b="0" lang="en-US" sz="1800" spc="-1" strike="noStrike">
-              <a:solidFill>
-                <a:srgbClr val="000000"/>
-              </a:solidFill>
-              <a:uFill>
-                <a:solidFill>
-                  <a:srgbClr val="ffffff"/>
-                </a:solidFill>
-              </a:uFill>
-              <a:latin typeface="Arial"/>
-            </a:endParaRPr>
-          </a:p>
-          <a:p>
-            <a:pPr lvl="6" marL="3024000" indent="-216000">
-              <a:buClr>
-                <a:srgbClr val="000000"/>
-              </a:buClr>
-              <a:buSzPct val="45000"/>
-              <a:buFont typeface="Wingdings" charset="2"/>
-              <a:buChar char=""/>
-            </a:pPr>
-            <a:r>
-              <a:rPr b="0" lang="en-US" sz="1800" spc="-1" strike="noStrike">
-                <a:solidFill>
-                  <a:srgbClr val="000000"/>
-                </a:solidFill>
-                <a:uFill>
-                  <a:solidFill>
-                    <a:srgbClr val="ffffff"/>
-                  </a:solidFill>
-                </a:uFill>
-                <a:latin typeface="Arial"/>
-              </a:rPr>
-              <a:t>Seventh Outline Level</a:t>
-            </a:r>
-            <a:endParaRPr b="0" lang="en-US" sz="1800" spc="-1" strike="noStrike">
-              <a:solidFill>
-                <a:srgbClr val="000000"/>
-              </a:solidFill>
-              <a:uFill>
-                <a:solidFill>
-                  <a:srgbClr val="ffffff"/>
-                </a:solidFill>
-              </a:uFill>
-              <a:latin typeface="Arial"/>
-            </a:endParaRPr>
-          </a:p>
-        </p:txBody>
-      </p:sp>
     </p:spTree>
   </p:cSld>
   <p:clrMap bg1="lt1" bg2="lt2" tx1="dk1" tx2="dk2" accent1="accent1" accent2="accent2" accent3="accent3" accent4="accent4" accent5="accent5" accent6="accent6" hlink="hlink" folHlink="folHlink"/>
@@ -1847,14 +1542,14 @@
       </p:grpSpPr>
       <p:sp>
         <p:nvSpPr>
-          <p:cNvPr id="36" name="CustomShape 1"/>
+          <p:cNvPr id="34" name="CustomShape 1"/>
           <p:cNvSpPr/>
           <p:nvPr/>
         </p:nvSpPr>
         <p:spPr>
           <a:xfrm>
             <a:off x="4195080" y="457200"/>
-            <a:ext cx="925200" cy="315360"/>
+            <a:ext cx="924840" cy="315000"/>
           </a:xfrm>
           <a:prstGeom prst="rect">
             <a:avLst/>
@@ -1904,14 +1599,14 @@
       </p:sp>
       <p:sp>
         <p:nvSpPr>
-          <p:cNvPr id="37" name="CustomShape 2"/>
+          <p:cNvPr id="35" name="CustomShape 2"/>
           <p:cNvSpPr/>
           <p:nvPr/>
         </p:nvSpPr>
         <p:spPr>
           <a:xfrm>
             <a:off x="1280160" y="1513080"/>
-            <a:ext cx="1919880" cy="315360"/>
+            <a:ext cx="1919520" cy="315000"/>
           </a:xfrm>
           <a:prstGeom prst="rect">
             <a:avLst/>
@@ -1961,14 +1656,14 @@
       </p:sp>
       <p:sp>
         <p:nvSpPr>
-          <p:cNvPr id="38" name="CustomShape 3"/>
+          <p:cNvPr id="36" name="CustomShape 3"/>
           <p:cNvSpPr/>
           <p:nvPr/>
         </p:nvSpPr>
         <p:spPr>
           <a:xfrm>
             <a:off x="113760" y="2286000"/>
-            <a:ext cx="1074600" cy="315360"/>
+            <a:ext cx="1074240" cy="315000"/>
           </a:xfrm>
           <a:prstGeom prst="rect">
             <a:avLst/>
@@ -2018,14 +1713,14 @@
       </p:sp>
       <p:sp>
         <p:nvSpPr>
-          <p:cNvPr id="39" name="CustomShape 4"/>
+          <p:cNvPr id="37" name="CustomShape 4"/>
           <p:cNvSpPr/>
           <p:nvPr/>
         </p:nvSpPr>
         <p:spPr>
           <a:xfrm>
             <a:off x="1121760" y="2286000"/>
-            <a:ext cx="1072440" cy="315360"/>
+            <a:ext cx="1072080" cy="315000"/>
           </a:xfrm>
           <a:prstGeom prst="rect">
             <a:avLst/>
@@ -2075,14 +1770,14 @@
       </p:sp>
       <p:sp>
         <p:nvSpPr>
-          <p:cNvPr id="40" name="CustomShape 5"/>
+          <p:cNvPr id="38" name="CustomShape 5"/>
           <p:cNvSpPr/>
           <p:nvPr/>
         </p:nvSpPr>
         <p:spPr>
           <a:xfrm>
             <a:off x="2129760" y="2286000"/>
-            <a:ext cx="1344600" cy="315360"/>
+            <a:ext cx="1344240" cy="315000"/>
           </a:xfrm>
           <a:prstGeom prst="rect">
             <a:avLst/>
@@ -2132,14 +1827,14 @@
       </p:sp>
       <p:sp>
         <p:nvSpPr>
-          <p:cNvPr id="41" name="CustomShape 6"/>
+          <p:cNvPr id="39" name="CustomShape 6"/>
           <p:cNvSpPr/>
           <p:nvPr/>
         </p:nvSpPr>
         <p:spPr>
           <a:xfrm>
             <a:off x="3389760" y="2286000"/>
-            <a:ext cx="1331640" cy="315360"/>
+            <a:ext cx="1331280" cy="315000"/>
           </a:xfrm>
           <a:prstGeom prst="rect">
             <a:avLst/>
@@ -2189,14 +1884,14 @@
       </p:sp>
       <p:sp>
         <p:nvSpPr>
-          <p:cNvPr id="42" name="CustomShape 7"/>
+          <p:cNvPr id="40" name="CustomShape 7"/>
           <p:cNvSpPr/>
           <p:nvPr/>
         </p:nvSpPr>
         <p:spPr>
           <a:xfrm>
             <a:off x="4721760" y="2286000"/>
-            <a:ext cx="1038600" cy="315360"/>
+            <a:ext cx="1038240" cy="315000"/>
           </a:xfrm>
           <a:prstGeom prst="rect">
             <a:avLst/>
@@ -2246,14 +1941,14 @@
       </p:sp>
       <p:sp>
         <p:nvSpPr>
-          <p:cNvPr id="43" name="CustomShape 8"/>
+          <p:cNvPr id="41" name="CustomShape 8"/>
           <p:cNvSpPr/>
           <p:nvPr/>
         </p:nvSpPr>
         <p:spPr>
           <a:xfrm>
             <a:off x="6572520" y="1508760"/>
-            <a:ext cx="1473840" cy="315360"/>
+            <a:ext cx="1473480" cy="315000"/>
           </a:xfrm>
           <a:prstGeom prst="rect">
             <a:avLst/>
@@ -2303,14 +1998,71 @@
       </p:sp>
       <p:sp>
         <p:nvSpPr>
-          <p:cNvPr id="44" name="CustomShape 9"/>
+          <p:cNvPr id="42" name="CustomShape 9"/>
           <p:cNvSpPr/>
           <p:nvPr/>
         </p:nvSpPr>
         <p:spPr>
-          <a:xfrm flipH="1">
-            <a:off x="2239560" y="772920"/>
-            <a:ext cx="2417400" cy="740160"/>
+          <a:xfrm>
+            <a:off x="3937680" y="1513080"/>
+            <a:ext cx="725040" cy="315000"/>
+          </a:xfrm>
+          <a:prstGeom prst="rect">
+            <a:avLst/>
+          </a:prstGeom>
+          <a:noFill/>
+          <a:ln>
+            <a:noFill/>
+          </a:ln>
+        </p:spPr>
+        <p:style>
+          <a:lnRef idx="0"/>
+          <a:fillRef idx="0"/>
+          <a:effectRef idx="0"/>
+          <a:fontRef idx="minor"/>
+        </p:style>
+        <p:txBody>
+          <a:bodyPr lIns="90000" rIns="90000" tIns="45000" bIns="45000"/>
+          <a:p>
+            <a:r>
+              <a:rPr b="0" lang="en-US" sz="1400" spc="-1" strike="noStrike">
+                <a:solidFill>
+                  <a:srgbClr val="000000"/>
+                </a:solidFill>
+                <a:uFill>
+                  <a:solidFill>
+                    <a:srgbClr val="ffffff"/>
+                  </a:solidFill>
+                </a:uFill>
+                <a:latin typeface="Arial"/>
+                <a:ea typeface="DejaVu Sans"/>
+              </a:rPr>
+              <a:t>Board</a:t>
+            </a:r>
+            <a:endParaRPr b="0" lang="en-US" sz="1800" spc="-1" strike="noStrike">
+              <a:solidFill>
+                <a:srgbClr val="000000"/>
+              </a:solidFill>
+              <a:uFill>
+                <a:solidFill>
+                  <a:srgbClr val="ffffff"/>
+                </a:solidFill>
+              </a:uFill>
+              <a:latin typeface="Arial"/>
+            </a:endParaRPr>
+          </a:p>
+        </p:txBody>
+      </p:sp>
+      <p:sp>
+        <p:nvSpPr>
+          <p:cNvPr id="43" name="CustomShape 10"/>
+          <p:cNvSpPr/>
+          <p:nvPr/>
+        </p:nvSpPr>
+        <p:spPr>
+          <a:xfrm>
+            <a:off x="3200040" y="1670760"/>
+            <a:ext cx="737640" cy="360"/>
           </a:xfrm>
           <a:custGeom>
             <a:avLst/>
@@ -2333,6 +2085,8 @@
             <a:solidFill>
               <a:srgbClr val="000000"/>
             </a:solidFill>
+            <a:headEnd len="med" type="triangle" w="med"/>
+            <a:tailEnd len="med" type="triangle" w="med"/>
           </a:ln>
         </p:spPr>
         <p:style>
@@ -2342,281 +2096,135 @@
           <a:fontRef idx="minor"/>
         </p:style>
       </p:sp>
-      <p:sp>
-        <p:nvSpPr>
-          <p:cNvPr id="45" name="CustomShape 10"/>
-          <p:cNvSpPr/>
+      <p:cxnSp>
+        <p:nvCxnSpPr>
+          <p:cNvPr id="44" name="Line 11"/>
+          <p:cNvCxnSpPr>
+            <a:stCxn id="34" idx="2"/>
+            <a:endCxn id="35" idx="0"/>
+          </p:cNvCxnSpPr>
           <p:nvPr/>
-        </p:nvSpPr>
+        </p:nvCxnSpPr>
         <p:spPr>
           <a:xfrm flipH="1">
-            <a:off x="651240" y="1828800"/>
-            <a:ext cx="1589040" cy="457200"/>
-          </a:xfrm>
-          <a:custGeom>
-            <a:avLst/>
-            <a:gdLst/>
-            <a:ahLst/>
-            <a:rect l="l" t="t" r="r" b="b"/>
-            <a:pathLst>
-              <a:path w="21600" h="21600">
-                <a:moveTo>
-                  <a:pt x="0" y="0"/>
-                </a:moveTo>
-                <a:lnTo>
-                  <a:pt x="21600" y="21600"/>
-                </a:lnTo>
-              </a:path>
-            </a:pathLst>
-          </a:custGeom>
-          <a:noFill/>
+            <a:off x="2239920" y="772200"/>
+            <a:ext cx="2417760" cy="741240"/>
+          </a:xfrm>
+          <a:prstGeom prst="straightConnector1">
+            <a:avLst/>
+          </a:prstGeom>
           <a:ln>
             <a:solidFill>
               <a:srgbClr val="000000"/>
             </a:solidFill>
           </a:ln>
         </p:spPr>
-        <p:style>
-          <a:lnRef idx="0"/>
-          <a:fillRef idx="0"/>
-          <a:effectRef idx="0"/>
-          <a:fontRef idx="minor"/>
-        </p:style>
-      </p:sp>
-      <p:sp>
-        <p:nvSpPr>
-          <p:cNvPr id="46" name="CustomShape 11"/>
-          <p:cNvSpPr/>
+      </p:cxnSp>
+      <p:cxnSp>
+        <p:nvCxnSpPr>
+          <p:cNvPr id="45" name="Line 12"/>
+          <p:cNvCxnSpPr>
+            <a:endCxn id="41" idx="0"/>
+          </p:cNvCxnSpPr>
           <p:nvPr/>
-        </p:nvSpPr>
-        <p:spPr>
-          <a:xfrm>
-            <a:off x="2377440" y="1828800"/>
-            <a:ext cx="424800" cy="457200"/>
-          </a:xfrm>
-          <a:custGeom>
-            <a:avLst/>
-            <a:gdLst/>
-            <a:ahLst/>
-            <a:rect l="l" t="t" r="r" b="b"/>
-            <a:pathLst>
-              <a:path w="21600" h="21600">
-                <a:moveTo>
-                  <a:pt x="0" y="0"/>
-                </a:moveTo>
-                <a:lnTo>
-                  <a:pt x="21600" y="21600"/>
-                </a:lnTo>
-              </a:path>
-            </a:pathLst>
-          </a:custGeom>
-          <a:noFill/>
+        </p:nvCxnSpPr>
+        <p:spPr>
+          <a:xfrm>
+            <a:off x="4657680" y="772200"/>
+            <a:ext cx="2651760" cy="736920"/>
+          </a:xfrm>
+          <a:prstGeom prst="straightConnector1">
+            <a:avLst/>
+          </a:prstGeom>
           <a:ln>
             <a:solidFill>
               <a:srgbClr val="000000"/>
             </a:solidFill>
           </a:ln>
         </p:spPr>
-        <p:style>
-          <a:lnRef idx="0"/>
-          <a:fillRef idx="0"/>
-          <a:effectRef idx="0"/>
-          <a:fontRef idx="minor"/>
-        </p:style>
-      </p:sp>
-      <p:sp>
-        <p:nvSpPr>
-          <p:cNvPr id="47" name="CustomShape 12"/>
-          <p:cNvSpPr/>
+      </p:cxnSp>
+      <p:cxnSp>
+        <p:nvCxnSpPr>
+          <p:cNvPr id="46" name="Line 13"/>
+          <p:cNvCxnSpPr>
+            <a:stCxn id="35" idx="2"/>
+            <a:endCxn id="36" idx="0"/>
+          </p:cNvCxnSpPr>
           <p:nvPr/>
-        </p:nvSpPr>
-        <p:spPr>
-          <a:xfrm>
-            <a:off x="2377440" y="1828800"/>
-            <a:ext cx="1678320" cy="457200"/>
-          </a:xfrm>
-          <a:custGeom>
-            <a:avLst/>
-            <a:gdLst/>
-            <a:ahLst/>
-            <a:rect l="l" t="t" r="r" b="b"/>
-            <a:pathLst>
-              <a:path w="21600" h="21600">
-                <a:moveTo>
-                  <a:pt x="0" y="0"/>
-                </a:moveTo>
-                <a:lnTo>
-                  <a:pt x="21600" y="21600"/>
-                </a:lnTo>
-              </a:path>
-            </a:pathLst>
-          </a:custGeom>
-          <a:noFill/>
+        </p:nvCxnSpPr>
+        <p:spPr>
+          <a:xfrm flipH="1">
+            <a:off x="650880" y="1828080"/>
+            <a:ext cx="1589400" cy="458280"/>
+          </a:xfrm>
+          <a:prstGeom prst="straightConnector1">
+            <a:avLst/>
+          </a:prstGeom>
           <a:ln>
             <a:solidFill>
               <a:srgbClr val="000000"/>
             </a:solidFill>
           </a:ln>
         </p:spPr>
-        <p:style>
-          <a:lnRef idx="0"/>
-          <a:fillRef idx="0"/>
-          <a:effectRef idx="0"/>
-          <a:fontRef idx="minor"/>
-        </p:style>
-      </p:sp>
-      <p:sp>
-        <p:nvSpPr>
-          <p:cNvPr id="48" name="CustomShape 13"/>
-          <p:cNvSpPr/>
+      </p:cxnSp>
+      <p:cxnSp>
+        <p:nvCxnSpPr>
+          <p:cNvPr id="47" name="Line 14"/>
+          <p:cNvCxnSpPr>
+            <a:endCxn id="37" idx="0"/>
+          </p:cNvCxnSpPr>
           <p:nvPr/>
-        </p:nvSpPr>
-        <p:spPr>
-          <a:xfrm>
-            <a:off x="2377440" y="1828800"/>
-            <a:ext cx="2863800" cy="457200"/>
-          </a:xfrm>
-          <a:custGeom>
-            <a:avLst/>
-            <a:gdLst/>
-            <a:ahLst/>
-            <a:rect l="l" t="t" r="r" b="b"/>
-            <a:pathLst>
-              <a:path w="21600" h="21600">
-                <a:moveTo>
-                  <a:pt x="0" y="0"/>
-                </a:moveTo>
-                <a:lnTo>
-                  <a:pt x="21600" y="21600"/>
-                </a:lnTo>
-              </a:path>
-            </a:pathLst>
-          </a:custGeom>
-          <a:noFill/>
+        </p:nvCxnSpPr>
+        <p:spPr>
+          <a:xfrm flipH="1">
+            <a:off x="1657800" y="1828080"/>
+            <a:ext cx="582480" cy="458280"/>
+          </a:xfrm>
+          <a:prstGeom prst="straightConnector1">
+            <a:avLst/>
+          </a:prstGeom>
           <a:ln>
             <a:solidFill>
               <a:srgbClr val="000000"/>
             </a:solidFill>
           </a:ln>
         </p:spPr>
-        <p:style>
-          <a:lnRef idx="0"/>
-          <a:fillRef idx="0"/>
-          <a:effectRef idx="0"/>
-          <a:fontRef idx="minor"/>
-        </p:style>
-      </p:sp>
-      <p:sp>
-        <p:nvSpPr>
-          <p:cNvPr id="49" name="CustomShape 14"/>
-          <p:cNvSpPr/>
+      </p:cxnSp>
+      <p:cxnSp>
+        <p:nvCxnSpPr>
+          <p:cNvPr id="48" name="Line 15"/>
+          <p:cNvCxnSpPr>
+            <a:endCxn id="38" idx="0"/>
+          </p:cNvCxnSpPr>
           <p:nvPr/>
-        </p:nvSpPr>
-        <p:spPr>
-          <a:xfrm>
-            <a:off x="4657680" y="772920"/>
-            <a:ext cx="2651760" cy="735840"/>
-          </a:xfrm>
-          <a:custGeom>
-            <a:avLst/>
-            <a:gdLst/>
-            <a:ahLst/>
-            <a:rect l="l" t="t" r="r" b="b"/>
-            <a:pathLst>
-              <a:path w="21600" h="21600">
-                <a:moveTo>
-                  <a:pt x="0" y="0"/>
-                </a:moveTo>
-                <a:lnTo>
-                  <a:pt x="21600" y="21600"/>
-                </a:lnTo>
-              </a:path>
-            </a:pathLst>
-          </a:custGeom>
-          <a:noFill/>
+        </p:nvCxnSpPr>
+        <p:spPr>
+          <a:xfrm>
+            <a:off x="2240280" y="1828080"/>
+            <a:ext cx="561960" cy="458280"/>
+          </a:xfrm>
+          <a:prstGeom prst="straightConnector1">
+            <a:avLst/>
+          </a:prstGeom>
           <a:ln>
             <a:solidFill>
               <a:srgbClr val="000000"/>
             </a:solidFill>
           </a:ln>
         </p:spPr>
-        <p:style>
-          <a:lnRef idx="0"/>
-          <a:fillRef idx="0"/>
-          <a:effectRef idx="0"/>
-          <a:fontRef idx="minor"/>
-        </p:style>
-      </p:sp>
-      <p:sp>
-        <p:nvSpPr>
-          <p:cNvPr id="50" name="CustomShape 15"/>
-          <p:cNvSpPr/>
-          <p:nvPr/>
-        </p:nvSpPr>
-        <p:spPr>
-          <a:xfrm>
-            <a:off x="3937680" y="1513080"/>
-            <a:ext cx="725400" cy="315360"/>
-          </a:xfrm>
-          <a:prstGeom prst="rect">
-            <a:avLst/>
-          </a:prstGeom>
-          <a:noFill/>
-          <a:ln>
-            <a:noFill/>
-          </a:ln>
-        </p:spPr>
-        <p:style>
-          <a:lnRef idx="0"/>
-          <a:fillRef idx="0"/>
-          <a:effectRef idx="0"/>
-          <a:fontRef idx="minor"/>
-        </p:style>
-        <p:txBody>
-          <a:bodyPr lIns="90000" rIns="90000" tIns="45000" bIns="45000"/>
-          <a:p>
-            <a:r>
-              <a:rPr b="0" lang="en-US" sz="1400" spc="-1" strike="noStrike">
-                <a:solidFill>
-                  <a:srgbClr val="000000"/>
-                </a:solidFill>
-                <a:uFill>
-                  <a:solidFill>
-                    <a:srgbClr val="ffffff"/>
-                  </a:solidFill>
-                </a:uFill>
-                <a:latin typeface="Arial"/>
-                <a:ea typeface="DejaVu Sans"/>
-              </a:rPr>
-              <a:t>Board</a:t>
-            </a:r>
-            <a:endParaRPr b="0" lang="en-US" sz="1800" spc="-1" strike="noStrike">
-              <a:solidFill>
-                <a:srgbClr val="000000"/>
-              </a:solidFill>
-              <a:uFill>
-                <a:solidFill>
-                  <a:srgbClr val="ffffff"/>
-                </a:solidFill>
-              </a:uFill>
-              <a:latin typeface="Arial"/>
-            </a:endParaRPr>
-          </a:p>
-        </p:txBody>
-      </p:sp>
+      </p:cxnSp>
       <p:cxnSp>
         <p:nvCxnSpPr>
-          <p:cNvPr id="51" name="Line 16"/>
+          <p:cNvPr id="49" name="Line 16"/>
           <p:cNvCxnSpPr>
-            <a:stCxn id="37" idx="3"/>
-            <a:endCxn id="50" idx="1"/>
+            <a:endCxn id="39" idx="0"/>
           </p:cNvCxnSpPr>
           <p:nvPr/>
         </p:nvCxnSpPr>
         <p:spPr>
           <a:xfrm>
-            <a:off x="3200040" y="1670760"/>
-            <a:ext cx="738000" cy="360"/>
+            <a:off x="2240280" y="1828080"/>
+            <a:ext cx="1815480" cy="458280"/>
           </a:xfrm>
           <a:prstGeom prst="straightConnector1">
             <a:avLst/>
@@ -2625,8 +2233,29 @@
             <a:solidFill>
               <a:srgbClr val="000000"/>
             </a:solidFill>
-            <a:headEnd len="med" type="triangle" w="med"/>
-            <a:tailEnd len="med" type="triangle" w="med"/>
+          </a:ln>
+        </p:spPr>
+      </p:cxnSp>
+      <p:cxnSp>
+        <p:nvCxnSpPr>
+          <p:cNvPr id="50" name="Line 17"/>
+          <p:cNvCxnSpPr>
+            <a:endCxn id="40" idx="0"/>
+          </p:cNvCxnSpPr>
+          <p:nvPr/>
+        </p:nvCxnSpPr>
+        <p:spPr>
+          <a:xfrm>
+            <a:off x="2240280" y="1828080"/>
+            <a:ext cx="3000960" cy="458280"/>
+          </a:xfrm>
+          <a:prstGeom prst="straightConnector1">
+            <a:avLst/>
+          </a:prstGeom>
+          <a:ln>
+            <a:solidFill>
+              <a:srgbClr val="000000"/>
+            </a:solidFill>
           </a:ln>
         </p:spPr>
       </p:cxnSp>

--- a/extras/media/sensors.pptx
+++ b/extras/media/sensors.pptx
@@ -53,7 +53,7 @@
       </p:grpSpPr>
       <p:sp>
         <p:nvSpPr>
-          <p:cNvPr id="21" name="PlaceHolder 1"/>
+          <p:cNvPr id="23" name="PlaceHolder 1"/>
           <p:cNvSpPr>
             <a:spLocks noGrp="1"/>
           </p:cNvSpPr>
@@ -75,22 +75,14 @@
           <a:p>
             <a:pPr algn="ctr"/>
             <a:endParaRPr b="0" lang="en-US" sz="4400" spc="-1" strike="noStrike">
-              <a:solidFill>
-                <a:srgbClr val="000000"/>
-              </a:solidFill>
-              <a:uFill>
-                <a:solidFill>
-                  <a:srgbClr val="ffffff"/>
-                </a:solidFill>
-              </a:uFill>
-              <a:latin typeface="Arial"/>
-            </a:endParaRPr>
-          </a:p>
-        </p:txBody>
-      </p:sp>
-      <p:sp>
-        <p:nvSpPr>
-          <p:cNvPr id="22" name="PlaceHolder 2"/>
+              <a:latin typeface="Arial"/>
+            </a:endParaRPr>
+          </a:p>
+        </p:txBody>
+      </p:sp>
+      <p:sp>
+        <p:nvSpPr>
+          <p:cNvPr id="24" name="PlaceHolder 2"/>
           <p:cNvSpPr>
             <a:spLocks noGrp="1"/>
           </p:cNvSpPr>
@@ -108,25 +100,19 @@
           </a:prstGeom>
         </p:spPr>
         <p:txBody>
-          <a:bodyPr lIns="0" rIns="0" tIns="0" bIns="0"/>
+          <a:bodyPr lIns="0" rIns="0" tIns="0" bIns="0">
+            <a:normAutofit/>
+          </a:bodyPr>
           <a:p>
             <a:endParaRPr b="0" lang="en-US" sz="3200" spc="-1" strike="noStrike">
-              <a:solidFill>
-                <a:srgbClr val="000000"/>
-              </a:solidFill>
-              <a:uFill>
-                <a:solidFill>
-                  <a:srgbClr val="ffffff"/>
-                </a:solidFill>
-              </a:uFill>
-              <a:latin typeface="Arial"/>
-            </a:endParaRPr>
-          </a:p>
-        </p:txBody>
-      </p:sp>
-      <p:sp>
-        <p:nvSpPr>
-          <p:cNvPr id="23" name="PlaceHolder 3"/>
+              <a:latin typeface="Arial"/>
+            </a:endParaRPr>
+          </a:p>
+        </p:txBody>
+      </p:sp>
+      <p:sp>
+        <p:nvSpPr>
+          <p:cNvPr id="25" name="PlaceHolder 3"/>
           <p:cNvSpPr>
             <a:spLocks noGrp="1"/>
           </p:cNvSpPr>
@@ -144,17 +130,11 @@
           </a:prstGeom>
         </p:spPr>
         <p:txBody>
-          <a:bodyPr lIns="0" rIns="0" tIns="0" bIns="0"/>
+          <a:bodyPr lIns="0" rIns="0" tIns="0" bIns="0">
+            <a:normAutofit/>
+          </a:bodyPr>
           <a:p>
             <a:endParaRPr b="0" lang="en-US" sz="3200" spc="-1" strike="noStrike">
-              <a:solidFill>
-                <a:srgbClr val="000000"/>
-              </a:solidFill>
-              <a:uFill>
-                <a:solidFill>
-                  <a:srgbClr val="ffffff"/>
-                </a:solidFill>
-              </a:uFill>
               <a:latin typeface="Arial"/>
             </a:endParaRPr>
           </a:p>
@@ -184,7 +164,7 @@
       </p:grpSpPr>
       <p:sp>
         <p:nvSpPr>
-          <p:cNvPr id="24" name="PlaceHolder 1"/>
+          <p:cNvPr id="26" name="PlaceHolder 1"/>
           <p:cNvSpPr>
             <a:spLocks noGrp="1"/>
           </p:cNvSpPr>
@@ -206,22 +186,14 @@
           <a:p>
             <a:pPr algn="ctr"/>
             <a:endParaRPr b="0" lang="en-US" sz="4400" spc="-1" strike="noStrike">
-              <a:solidFill>
-                <a:srgbClr val="000000"/>
-              </a:solidFill>
-              <a:uFill>
-                <a:solidFill>
-                  <a:srgbClr val="ffffff"/>
-                </a:solidFill>
-              </a:uFill>
-              <a:latin typeface="Arial"/>
-            </a:endParaRPr>
-          </a:p>
-        </p:txBody>
-      </p:sp>
-      <p:sp>
-        <p:nvSpPr>
-          <p:cNvPr id="25" name="PlaceHolder 2"/>
+              <a:latin typeface="Arial"/>
+            </a:endParaRPr>
+          </a:p>
+        </p:txBody>
+      </p:sp>
+      <p:sp>
+        <p:nvSpPr>
+          <p:cNvPr id="27" name="PlaceHolder 2"/>
           <p:cNvSpPr>
             <a:spLocks noGrp="1"/>
           </p:cNvSpPr>
@@ -239,25 +211,19 @@
           </a:prstGeom>
         </p:spPr>
         <p:txBody>
-          <a:bodyPr lIns="0" rIns="0" tIns="0" bIns="0"/>
+          <a:bodyPr lIns="0" rIns="0" tIns="0" bIns="0">
+            <a:normAutofit/>
+          </a:bodyPr>
           <a:p>
             <a:endParaRPr b="0" lang="en-US" sz="3200" spc="-1" strike="noStrike">
-              <a:solidFill>
-                <a:srgbClr val="000000"/>
-              </a:solidFill>
-              <a:uFill>
-                <a:solidFill>
-                  <a:srgbClr val="ffffff"/>
-                </a:solidFill>
-              </a:uFill>
-              <a:latin typeface="Arial"/>
-            </a:endParaRPr>
-          </a:p>
-        </p:txBody>
-      </p:sp>
-      <p:sp>
-        <p:nvSpPr>
-          <p:cNvPr id="26" name="PlaceHolder 3"/>
+              <a:latin typeface="Arial"/>
+            </a:endParaRPr>
+          </a:p>
+        </p:txBody>
+      </p:sp>
+      <p:sp>
+        <p:nvSpPr>
+          <p:cNvPr id="28" name="PlaceHolder 3"/>
           <p:cNvSpPr>
             <a:spLocks noGrp="1"/>
           </p:cNvSpPr>
@@ -275,25 +241,49 @@
           </a:prstGeom>
         </p:spPr>
         <p:txBody>
-          <a:bodyPr lIns="0" rIns="0" tIns="0" bIns="0"/>
+          <a:bodyPr lIns="0" rIns="0" tIns="0" bIns="0">
+            <a:normAutofit/>
+          </a:bodyPr>
           <a:p>
             <a:endParaRPr b="0" lang="en-US" sz="3200" spc="-1" strike="noStrike">
-              <a:solidFill>
-                <a:srgbClr val="000000"/>
-              </a:solidFill>
-              <a:uFill>
-                <a:solidFill>
-                  <a:srgbClr val="ffffff"/>
-                </a:solidFill>
-              </a:uFill>
-              <a:latin typeface="Arial"/>
-            </a:endParaRPr>
-          </a:p>
-        </p:txBody>
-      </p:sp>
-      <p:sp>
-        <p:nvSpPr>
-          <p:cNvPr id="27" name="PlaceHolder 4"/>
+              <a:latin typeface="Arial"/>
+            </a:endParaRPr>
+          </a:p>
+        </p:txBody>
+      </p:sp>
+      <p:sp>
+        <p:nvSpPr>
+          <p:cNvPr id="29" name="PlaceHolder 4"/>
+          <p:cNvSpPr>
+            <a:spLocks noGrp="1"/>
+          </p:cNvSpPr>
+          <p:nvPr>
+            <p:ph type="body"/>
+          </p:nvPr>
+        </p:nvSpPr>
+        <p:spPr>
+          <a:xfrm>
+            <a:off x="504000" y="4058640"/>
+            <a:ext cx="4426920" cy="2090880"/>
+          </a:xfrm>
+          <a:prstGeom prst="rect">
+            <a:avLst/>
+          </a:prstGeom>
+        </p:spPr>
+        <p:txBody>
+          <a:bodyPr lIns="0" rIns="0" tIns="0" bIns="0">
+            <a:normAutofit/>
+          </a:bodyPr>
+          <a:p>
+            <a:endParaRPr b="0" lang="en-US" sz="3200" spc="-1" strike="noStrike">
+              <a:latin typeface="Arial"/>
+            </a:endParaRPr>
+          </a:p>
+        </p:txBody>
+      </p:sp>
+      <p:sp>
+        <p:nvSpPr>
+          <p:cNvPr id="30" name="PlaceHolder 5"/>
           <p:cNvSpPr>
             <a:spLocks noGrp="1"/>
           </p:cNvSpPr>
@@ -311,53 +301,11 @@
           </a:prstGeom>
         </p:spPr>
         <p:txBody>
-          <a:bodyPr lIns="0" rIns="0" tIns="0" bIns="0"/>
+          <a:bodyPr lIns="0" rIns="0" tIns="0" bIns="0">
+            <a:normAutofit/>
+          </a:bodyPr>
           <a:p>
             <a:endParaRPr b="0" lang="en-US" sz="3200" spc="-1" strike="noStrike">
-              <a:solidFill>
-                <a:srgbClr val="000000"/>
-              </a:solidFill>
-              <a:uFill>
-                <a:solidFill>
-                  <a:srgbClr val="ffffff"/>
-                </a:solidFill>
-              </a:uFill>
-              <a:latin typeface="Arial"/>
-            </a:endParaRPr>
-          </a:p>
-        </p:txBody>
-      </p:sp>
-      <p:sp>
-        <p:nvSpPr>
-          <p:cNvPr id="28" name="PlaceHolder 5"/>
-          <p:cNvSpPr>
-            <a:spLocks noGrp="1"/>
-          </p:cNvSpPr>
-          <p:nvPr>
-            <p:ph type="body"/>
-          </p:nvPr>
-        </p:nvSpPr>
-        <p:spPr>
-          <a:xfrm>
-            <a:off x="504000" y="4058640"/>
-            <a:ext cx="4426920" cy="2090880"/>
-          </a:xfrm>
-          <a:prstGeom prst="rect">
-            <a:avLst/>
-          </a:prstGeom>
-        </p:spPr>
-        <p:txBody>
-          <a:bodyPr lIns="0" rIns="0" tIns="0" bIns="0"/>
-          <a:p>
-            <a:endParaRPr b="0" lang="en-US" sz="3200" spc="-1" strike="noStrike">
-              <a:solidFill>
-                <a:srgbClr val="000000"/>
-              </a:solidFill>
-              <a:uFill>
-                <a:solidFill>
-                  <a:srgbClr val="ffffff"/>
-                </a:solidFill>
-              </a:uFill>
               <a:latin typeface="Arial"/>
             </a:endParaRPr>
           </a:p>
@@ -387,7 +335,7 @@
       </p:grpSpPr>
       <p:sp>
         <p:nvSpPr>
-          <p:cNvPr id="29" name="PlaceHolder 1"/>
+          <p:cNvPr id="31" name="PlaceHolder 1"/>
           <p:cNvSpPr>
             <a:spLocks noGrp="1"/>
           </p:cNvSpPr>
@@ -409,22 +357,14 @@
           <a:p>
             <a:pPr algn="ctr"/>
             <a:endParaRPr b="0" lang="en-US" sz="4400" spc="-1" strike="noStrike">
-              <a:solidFill>
-                <a:srgbClr val="000000"/>
-              </a:solidFill>
-              <a:uFill>
-                <a:solidFill>
-                  <a:srgbClr val="ffffff"/>
-                </a:solidFill>
-              </a:uFill>
-              <a:latin typeface="Arial"/>
-            </a:endParaRPr>
-          </a:p>
-        </p:txBody>
-      </p:sp>
-      <p:sp>
-        <p:nvSpPr>
-          <p:cNvPr id="30" name="PlaceHolder 2"/>
+              <a:latin typeface="Arial"/>
+            </a:endParaRPr>
+          </a:p>
+        </p:txBody>
+      </p:sp>
+      <p:sp>
+        <p:nvSpPr>
+          <p:cNvPr id="32" name="PlaceHolder 2"/>
           <p:cNvSpPr>
             <a:spLocks noGrp="1"/>
           </p:cNvSpPr>
@@ -435,32 +375,26 @@
         <p:spPr>
           <a:xfrm>
             <a:off x="504000" y="1768680"/>
-            <a:ext cx="9072000" cy="4384080"/>
-          </a:xfrm>
-          <a:prstGeom prst="rect">
-            <a:avLst/>
-          </a:prstGeom>
-        </p:spPr>
-        <p:txBody>
-          <a:bodyPr lIns="0" rIns="0" tIns="0" bIns="0"/>
+            <a:ext cx="2921040" cy="2090880"/>
+          </a:xfrm>
+          <a:prstGeom prst="rect">
+            <a:avLst/>
+          </a:prstGeom>
+        </p:spPr>
+        <p:txBody>
+          <a:bodyPr lIns="0" rIns="0" tIns="0" bIns="0">
+            <a:normAutofit/>
+          </a:bodyPr>
           <a:p>
             <a:endParaRPr b="0" lang="en-US" sz="3200" spc="-1" strike="noStrike">
-              <a:solidFill>
-                <a:srgbClr val="000000"/>
-              </a:solidFill>
-              <a:uFill>
-                <a:solidFill>
-                  <a:srgbClr val="ffffff"/>
-                </a:solidFill>
-              </a:uFill>
-              <a:latin typeface="Arial"/>
-            </a:endParaRPr>
-          </a:p>
-        </p:txBody>
-      </p:sp>
-      <p:sp>
-        <p:nvSpPr>
-          <p:cNvPr id="31" name="PlaceHolder 3"/>
+              <a:latin typeface="Arial"/>
+            </a:endParaRPr>
+          </a:p>
+        </p:txBody>
+      </p:sp>
+      <p:sp>
+        <p:nvSpPr>
+          <p:cNvPr id="33" name="PlaceHolder 3"/>
           <p:cNvSpPr>
             <a:spLocks noGrp="1"/>
           </p:cNvSpPr>
@@ -470,76 +404,144 @@
         </p:nvSpPr>
         <p:spPr>
           <a:xfrm>
-            <a:off x="504000" y="1768680"/>
-            <a:ext cx="9072000" cy="4384080"/>
-          </a:xfrm>
-          <a:prstGeom prst="rect">
-            <a:avLst/>
-          </a:prstGeom>
-        </p:spPr>
-        <p:txBody>
-          <a:bodyPr lIns="0" rIns="0" tIns="0" bIns="0"/>
+            <a:off x="3571560" y="1768680"/>
+            <a:ext cx="2921040" cy="2090880"/>
+          </a:xfrm>
+          <a:prstGeom prst="rect">
+            <a:avLst/>
+          </a:prstGeom>
+        </p:spPr>
+        <p:txBody>
+          <a:bodyPr lIns="0" rIns="0" tIns="0" bIns="0">
+            <a:normAutofit/>
+          </a:bodyPr>
           <a:p>
             <a:endParaRPr b="0" lang="en-US" sz="3200" spc="-1" strike="noStrike">
-              <a:solidFill>
-                <a:srgbClr val="000000"/>
-              </a:solidFill>
-              <a:uFill>
-                <a:solidFill>
-                  <a:srgbClr val="ffffff"/>
-                </a:solidFill>
-              </a:uFill>
-              <a:latin typeface="Arial"/>
-            </a:endParaRPr>
-          </a:p>
-        </p:txBody>
-      </p:sp>
-      <p:pic>
-        <p:nvPicPr>
-          <p:cNvPr id="32" name="" descr=""/>
-          <p:cNvPicPr/>
-          <p:nvPr/>
-        </p:nvPicPr>
-        <p:blipFill>
-          <a:blip r:embed="rId2"/>
-          <a:stretch/>
-        </p:blipFill>
-        <p:spPr>
-          <a:xfrm>
-            <a:off x="2292480" y="1768680"/>
-            <a:ext cx="5494680" cy="4384080"/>
-          </a:xfrm>
-          <a:prstGeom prst="rect">
-            <a:avLst/>
-          </a:prstGeom>
-          <a:ln>
-            <a:noFill/>
-          </a:ln>
-        </p:spPr>
-      </p:pic>
-      <p:pic>
-        <p:nvPicPr>
-          <p:cNvPr id="33" name="" descr=""/>
-          <p:cNvPicPr/>
-          <p:nvPr/>
-        </p:nvPicPr>
-        <p:blipFill>
-          <a:blip r:embed="rId3"/>
-          <a:stretch/>
-        </p:blipFill>
-        <p:spPr>
-          <a:xfrm>
-            <a:off x="2292480" y="1768680"/>
-            <a:ext cx="5494680" cy="4384080"/>
-          </a:xfrm>
-          <a:prstGeom prst="rect">
-            <a:avLst/>
-          </a:prstGeom>
-          <a:ln>
-            <a:noFill/>
-          </a:ln>
-        </p:spPr>
-      </p:pic>
+              <a:latin typeface="Arial"/>
+            </a:endParaRPr>
+          </a:p>
+        </p:txBody>
+      </p:sp>
+      <p:sp>
+        <p:nvSpPr>
+          <p:cNvPr id="34" name="PlaceHolder 4"/>
+          <p:cNvSpPr>
+            <a:spLocks noGrp="1"/>
+          </p:cNvSpPr>
+          <p:nvPr>
+            <p:ph type="body"/>
+          </p:nvPr>
+        </p:nvSpPr>
+        <p:spPr>
+          <a:xfrm>
+            <a:off x="6639120" y="1768680"/>
+            <a:ext cx="2921040" cy="2090880"/>
+          </a:xfrm>
+          <a:prstGeom prst="rect">
+            <a:avLst/>
+          </a:prstGeom>
+        </p:spPr>
+        <p:txBody>
+          <a:bodyPr lIns="0" rIns="0" tIns="0" bIns="0">
+            <a:normAutofit/>
+          </a:bodyPr>
+          <a:p>
+            <a:endParaRPr b="0" lang="en-US" sz="3200" spc="-1" strike="noStrike">
+              <a:latin typeface="Arial"/>
+            </a:endParaRPr>
+          </a:p>
+        </p:txBody>
+      </p:sp>
+      <p:sp>
+        <p:nvSpPr>
+          <p:cNvPr id="35" name="PlaceHolder 5"/>
+          <p:cNvSpPr>
+            <a:spLocks noGrp="1"/>
+          </p:cNvSpPr>
+          <p:nvPr>
+            <p:ph type="body"/>
+          </p:nvPr>
+        </p:nvSpPr>
+        <p:spPr>
+          <a:xfrm>
+            <a:off x="504000" y="4058640"/>
+            <a:ext cx="2921040" cy="2090880"/>
+          </a:xfrm>
+          <a:prstGeom prst="rect">
+            <a:avLst/>
+          </a:prstGeom>
+        </p:spPr>
+        <p:txBody>
+          <a:bodyPr lIns="0" rIns="0" tIns="0" bIns="0">
+            <a:normAutofit/>
+          </a:bodyPr>
+          <a:p>
+            <a:endParaRPr b="0" lang="en-US" sz="3200" spc="-1" strike="noStrike">
+              <a:latin typeface="Arial"/>
+            </a:endParaRPr>
+          </a:p>
+        </p:txBody>
+      </p:sp>
+      <p:sp>
+        <p:nvSpPr>
+          <p:cNvPr id="36" name="PlaceHolder 6"/>
+          <p:cNvSpPr>
+            <a:spLocks noGrp="1"/>
+          </p:cNvSpPr>
+          <p:nvPr>
+            <p:ph type="body"/>
+          </p:nvPr>
+        </p:nvSpPr>
+        <p:spPr>
+          <a:xfrm>
+            <a:off x="3571560" y="4058640"/>
+            <a:ext cx="2921040" cy="2090880"/>
+          </a:xfrm>
+          <a:prstGeom prst="rect">
+            <a:avLst/>
+          </a:prstGeom>
+        </p:spPr>
+        <p:txBody>
+          <a:bodyPr lIns="0" rIns="0" tIns="0" bIns="0">
+            <a:normAutofit/>
+          </a:bodyPr>
+          <a:p>
+            <a:endParaRPr b="0" lang="en-US" sz="3200" spc="-1" strike="noStrike">
+              <a:latin typeface="Arial"/>
+            </a:endParaRPr>
+          </a:p>
+        </p:txBody>
+      </p:sp>
+      <p:sp>
+        <p:nvSpPr>
+          <p:cNvPr id="37" name="PlaceHolder 7"/>
+          <p:cNvSpPr>
+            <a:spLocks noGrp="1"/>
+          </p:cNvSpPr>
+          <p:nvPr>
+            <p:ph type="body"/>
+          </p:nvPr>
+        </p:nvSpPr>
+        <p:spPr>
+          <a:xfrm>
+            <a:off x="6639120" y="4058640"/>
+            <a:ext cx="2921040" cy="2090880"/>
+          </a:xfrm>
+          <a:prstGeom prst="rect">
+            <a:avLst/>
+          </a:prstGeom>
+        </p:spPr>
+        <p:txBody>
+          <a:bodyPr lIns="0" rIns="0" tIns="0" bIns="0">
+            <a:normAutofit/>
+          </a:bodyPr>
+          <a:p>
+            <a:endParaRPr b="0" lang="en-US" sz="3200" spc="-1" strike="noStrike">
+              <a:latin typeface="Arial"/>
+            </a:endParaRPr>
+          </a:p>
+        </p:txBody>
+      </p:sp>
     </p:spTree>
   </p:cSld>
 </p:sldLayout>
@@ -564,7 +566,7 @@
       </p:grpSpPr>
       <p:sp>
         <p:nvSpPr>
-          <p:cNvPr id="0" name="PlaceHolder 1"/>
+          <p:cNvPr id="2" name="PlaceHolder 1"/>
           <p:cNvSpPr>
             <a:spLocks noGrp="1"/>
           </p:cNvSpPr>
@@ -586,22 +588,14 @@
           <a:p>
             <a:pPr algn="ctr"/>
             <a:endParaRPr b="0" lang="en-US" sz="4400" spc="-1" strike="noStrike">
-              <a:solidFill>
-                <a:srgbClr val="000000"/>
-              </a:solidFill>
-              <a:uFill>
-                <a:solidFill>
-                  <a:srgbClr val="ffffff"/>
-                </a:solidFill>
-              </a:uFill>
-              <a:latin typeface="Arial"/>
-            </a:endParaRPr>
-          </a:p>
-        </p:txBody>
-      </p:sp>
-      <p:sp>
-        <p:nvSpPr>
-          <p:cNvPr id="1" name="PlaceHolder 2"/>
+              <a:latin typeface="Arial"/>
+            </a:endParaRPr>
+          </a:p>
+        </p:txBody>
+      </p:sp>
+      <p:sp>
+        <p:nvSpPr>
+          <p:cNvPr id="3" name="PlaceHolder 2"/>
           <p:cNvSpPr>
             <a:spLocks noGrp="1"/>
           </p:cNvSpPr>
@@ -623,14 +617,6 @@
           <a:p>
             <a:pPr algn="ctr"/>
             <a:endParaRPr b="0" lang="en-US" sz="3200" spc="-1" strike="noStrike">
-              <a:solidFill>
-                <a:srgbClr val="000000"/>
-              </a:solidFill>
-              <a:uFill>
-                <a:solidFill>
-                  <a:srgbClr val="ffffff"/>
-                </a:solidFill>
-              </a:uFill>
               <a:latin typeface="Arial"/>
             </a:endParaRPr>
           </a:p>
@@ -660,7 +646,7 @@
       </p:grpSpPr>
       <p:sp>
         <p:nvSpPr>
-          <p:cNvPr id="2" name="PlaceHolder 1"/>
+          <p:cNvPr id="4" name="PlaceHolder 1"/>
           <p:cNvSpPr>
             <a:spLocks noGrp="1"/>
           </p:cNvSpPr>
@@ -682,22 +668,14 @@
           <a:p>
             <a:pPr algn="ctr"/>
             <a:endParaRPr b="0" lang="en-US" sz="4400" spc="-1" strike="noStrike">
-              <a:solidFill>
-                <a:srgbClr val="000000"/>
-              </a:solidFill>
-              <a:uFill>
-                <a:solidFill>
-                  <a:srgbClr val="ffffff"/>
-                </a:solidFill>
-              </a:uFill>
-              <a:latin typeface="Arial"/>
-            </a:endParaRPr>
-          </a:p>
-        </p:txBody>
-      </p:sp>
-      <p:sp>
-        <p:nvSpPr>
-          <p:cNvPr id="3" name="PlaceHolder 2"/>
+              <a:latin typeface="Arial"/>
+            </a:endParaRPr>
+          </a:p>
+        </p:txBody>
+      </p:sp>
+      <p:sp>
+        <p:nvSpPr>
+          <p:cNvPr id="5" name="PlaceHolder 2"/>
           <p:cNvSpPr>
             <a:spLocks noGrp="1"/>
           </p:cNvSpPr>
@@ -715,17 +693,11 @@
           </a:prstGeom>
         </p:spPr>
         <p:txBody>
-          <a:bodyPr lIns="0" rIns="0" tIns="0" bIns="0"/>
+          <a:bodyPr lIns="0" rIns="0" tIns="0" bIns="0">
+            <a:normAutofit/>
+          </a:bodyPr>
           <a:p>
             <a:endParaRPr b="0" lang="en-US" sz="3200" spc="-1" strike="noStrike">
-              <a:solidFill>
-                <a:srgbClr val="000000"/>
-              </a:solidFill>
-              <a:uFill>
-                <a:solidFill>
-                  <a:srgbClr val="ffffff"/>
-                </a:solidFill>
-              </a:uFill>
               <a:latin typeface="Arial"/>
             </a:endParaRPr>
           </a:p>
@@ -755,7 +727,7 @@
       </p:grpSpPr>
       <p:sp>
         <p:nvSpPr>
-          <p:cNvPr id="4" name="PlaceHolder 1"/>
+          <p:cNvPr id="6" name="PlaceHolder 1"/>
           <p:cNvSpPr>
             <a:spLocks noGrp="1"/>
           </p:cNvSpPr>
@@ -777,22 +749,14 @@
           <a:p>
             <a:pPr algn="ctr"/>
             <a:endParaRPr b="0" lang="en-US" sz="4400" spc="-1" strike="noStrike">
-              <a:solidFill>
-                <a:srgbClr val="000000"/>
-              </a:solidFill>
-              <a:uFill>
-                <a:solidFill>
-                  <a:srgbClr val="ffffff"/>
-                </a:solidFill>
-              </a:uFill>
-              <a:latin typeface="Arial"/>
-            </a:endParaRPr>
-          </a:p>
-        </p:txBody>
-      </p:sp>
-      <p:sp>
-        <p:nvSpPr>
-          <p:cNvPr id="5" name="PlaceHolder 2"/>
+              <a:latin typeface="Arial"/>
+            </a:endParaRPr>
+          </a:p>
+        </p:txBody>
+      </p:sp>
+      <p:sp>
+        <p:nvSpPr>
+          <p:cNvPr id="7" name="PlaceHolder 2"/>
           <p:cNvSpPr>
             <a:spLocks noGrp="1"/>
           </p:cNvSpPr>
@@ -810,25 +774,19 @@
           </a:prstGeom>
         </p:spPr>
         <p:txBody>
-          <a:bodyPr lIns="0" rIns="0" tIns="0" bIns="0"/>
+          <a:bodyPr lIns="0" rIns="0" tIns="0" bIns="0">
+            <a:normAutofit/>
+          </a:bodyPr>
           <a:p>
             <a:endParaRPr b="0" lang="en-US" sz="3200" spc="-1" strike="noStrike">
-              <a:solidFill>
-                <a:srgbClr val="000000"/>
-              </a:solidFill>
-              <a:uFill>
-                <a:solidFill>
-                  <a:srgbClr val="ffffff"/>
-                </a:solidFill>
-              </a:uFill>
-              <a:latin typeface="Arial"/>
-            </a:endParaRPr>
-          </a:p>
-        </p:txBody>
-      </p:sp>
-      <p:sp>
-        <p:nvSpPr>
-          <p:cNvPr id="6" name="PlaceHolder 3"/>
+              <a:latin typeface="Arial"/>
+            </a:endParaRPr>
+          </a:p>
+        </p:txBody>
+      </p:sp>
+      <p:sp>
+        <p:nvSpPr>
+          <p:cNvPr id="8" name="PlaceHolder 3"/>
           <p:cNvSpPr>
             <a:spLocks noGrp="1"/>
           </p:cNvSpPr>
@@ -846,17 +804,11 @@
           </a:prstGeom>
         </p:spPr>
         <p:txBody>
-          <a:bodyPr lIns="0" rIns="0" tIns="0" bIns="0"/>
+          <a:bodyPr lIns="0" rIns="0" tIns="0" bIns="0">
+            <a:normAutofit/>
+          </a:bodyPr>
           <a:p>
             <a:endParaRPr b="0" lang="en-US" sz="3200" spc="-1" strike="noStrike">
-              <a:solidFill>
-                <a:srgbClr val="000000"/>
-              </a:solidFill>
-              <a:uFill>
-                <a:solidFill>
-                  <a:srgbClr val="ffffff"/>
-                </a:solidFill>
-              </a:uFill>
               <a:latin typeface="Arial"/>
             </a:endParaRPr>
           </a:p>
@@ -886,7 +838,7 @@
       </p:grpSpPr>
       <p:sp>
         <p:nvSpPr>
-          <p:cNvPr id="7" name="PlaceHolder 1"/>
+          <p:cNvPr id="9" name="PlaceHolder 1"/>
           <p:cNvSpPr>
             <a:spLocks noGrp="1"/>
           </p:cNvSpPr>
@@ -908,14 +860,6 @@
           <a:p>
             <a:pPr algn="ctr"/>
             <a:endParaRPr b="0" lang="en-US" sz="4400" spc="-1" strike="noStrike">
-              <a:solidFill>
-                <a:srgbClr val="000000"/>
-              </a:solidFill>
-              <a:uFill>
-                <a:solidFill>
-                  <a:srgbClr val="ffffff"/>
-                </a:solidFill>
-              </a:uFill>
               <a:latin typeface="Arial"/>
             </a:endParaRPr>
           </a:p>
@@ -945,7 +889,7 @@
       </p:grpSpPr>
       <p:sp>
         <p:nvSpPr>
-          <p:cNvPr id="8" name="PlaceHolder 1"/>
+          <p:cNvPr id="10" name="PlaceHolder 1"/>
           <p:cNvSpPr>
             <a:spLocks noGrp="1"/>
           </p:cNvSpPr>
@@ -967,14 +911,6 @@
           <a:p>
             <a:pPr algn="ctr"/>
             <a:endParaRPr b="0" lang="en-US" sz="3200" spc="-1" strike="noStrike">
-              <a:solidFill>
-                <a:srgbClr val="000000"/>
-              </a:solidFill>
-              <a:uFill>
-                <a:solidFill>
-                  <a:srgbClr val="ffffff"/>
-                </a:solidFill>
-              </a:uFill>
               <a:latin typeface="Arial"/>
             </a:endParaRPr>
           </a:p>
@@ -1004,7 +940,7 @@
       </p:grpSpPr>
       <p:sp>
         <p:nvSpPr>
-          <p:cNvPr id="9" name="PlaceHolder 1"/>
+          <p:cNvPr id="11" name="PlaceHolder 1"/>
           <p:cNvSpPr>
             <a:spLocks noGrp="1"/>
           </p:cNvSpPr>
@@ -1026,22 +962,14 @@
           <a:p>
             <a:pPr algn="ctr"/>
             <a:endParaRPr b="0" lang="en-US" sz="4400" spc="-1" strike="noStrike">
-              <a:solidFill>
-                <a:srgbClr val="000000"/>
-              </a:solidFill>
-              <a:uFill>
-                <a:solidFill>
-                  <a:srgbClr val="ffffff"/>
-                </a:solidFill>
-              </a:uFill>
-              <a:latin typeface="Arial"/>
-            </a:endParaRPr>
-          </a:p>
-        </p:txBody>
-      </p:sp>
-      <p:sp>
-        <p:nvSpPr>
-          <p:cNvPr id="10" name="PlaceHolder 2"/>
+              <a:latin typeface="Arial"/>
+            </a:endParaRPr>
+          </a:p>
+        </p:txBody>
+      </p:sp>
+      <p:sp>
+        <p:nvSpPr>
+          <p:cNvPr id="12" name="PlaceHolder 2"/>
           <p:cNvSpPr>
             <a:spLocks noGrp="1"/>
           </p:cNvSpPr>
@@ -1059,25 +987,49 @@
           </a:prstGeom>
         </p:spPr>
         <p:txBody>
-          <a:bodyPr lIns="0" rIns="0" tIns="0" bIns="0"/>
+          <a:bodyPr lIns="0" rIns="0" tIns="0" bIns="0">
+            <a:normAutofit/>
+          </a:bodyPr>
           <a:p>
             <a:endParaRPr b="0" lang="en-US" sz="3200" spc="-1" strike="noStrike">
-              <a:solidFill>
-                <a:srgbClr val="000000"/>
-              </a:solidFill>
-              <a:uFill>
-                <a:solidFill>
-                  <a:srgbClr val="ffffff"/>
-                </a:solidFill>
-              </a:uFill>
-              <a:latin typeface="Arial"/>
-            </a:endParaRPr>
-          </a:p>
-        </p:txBody>
-      </p:sp>
-      <p:sp>
-        <p:nvSpPr>
-          <p:cNvPr id="11" name="PlaceHolder 3"/>
+              <a:latin typeface="Arial"/>
+            </a:endParaRPr>
+          </a:p>
+        </p:txBody>
+      </p:sp>
+      <p:sp>
+        <p:nvSpPr>
+          <p:cNvPr id="13" name="PlaceHolder 3"/>
+          <p:cNvSpPr>
+            <a:spLocks noGrp="1"/>
+          </p:cNvSpPr>
+          <p:nvPr>
+            <p:ph type="body"/>
+          </p:nvPr>
+        </p:nvSpPr>
+        <p:spPr>
+          <a:xfrm>
+            <a:off x="5152680" y="1768680"/>
+            <a:ext cx="4426920" cy="4384080"/>
+          </a:xfrm>
+          <a:prstGeom prst="rect">
+            <a:avLst/>
+          </a:prstGeom>
+        </p:spPr>
+        <p:txBody>
+          <a:bodyPr lIns="0" rIns="0" tIns="0" bIns="0">
+            <a:normAutofit/>
+          </a:bodyPr>
+          <a:p>
+            <a:endParaRPr b="0" lang="en-US" sz="3200" spc="-1" strike="noStrike">
+              <a:latin typeface="Arial"/>
+            </a:endParaRPr>
+          </a:p>
+        </p:txBody>
+      </p:sp>
+      <p:sp>
+        <p:nvSpPr>
+          <p:cNvPr id="14" name="PlaceHolder 4"/>
           <p:cNvSpPr>
             <a:spLocks noGrp="1"/>
           </p:cNvSpPr>
@@ -1095,53 +1047,11 @@
           </a:prstGeom>
         </p:spPr>
         <p:txBody>
-          <a:bodyPr lIns="0" rIns="0" tIns="0" bIns="0"/>
+          <a:bodyPr lIns="0" rIns="0" tIns="0" bIns="0">
+            <a:normAutofit/>
+          </a:bodyPr>
           <a:p>
             <a:endParaRPr b="0" lang="en-US" sz="3200" spc="-1" strike="noStrike">
-              <a:solidFill>
-                <a:srgbClr val="000000"/>
-              </a:solidFill>
-              <a:uFill>
-                <a:solidFill>
-                  <a:srgbClr val="ffffff"/>
-                </a:solidFill>
-              </a:uFill>
-              <a:latin typeface="Arial"/>
-            </a:endParaRPr>
-          </a:p>
-        </p:txBody>
-      </p:sp>
-      <p:sp>
-        <p:nvSpPr>
-          <p:cNvPr id="12" name="PlaceHolder 4"/>
-          <p:cNvSpPr>
-            <a:spLocks noGrp="1"/>
-          </p:cNvSpPr>
-          <p:nvPr>
-            <p:ph type="body"/>
-          </p:nvPr>
-        </p:nvSpPr>
-        <p:spPr>
-          <a:xfrm>
-            <a:off x="5152680" y="1768680"/>
-            <a:ext cx="4426920" cy="4384080"/>
-          </a:xfrm>
-          <a:prstGeom prst="rect">
-            <a:avLst/>
-          </a:prstGeom>
-        </p:spPr>
-        <p:txBody>
-          <a:bodyPr lIns="0" rIns="0" tIns="0" bIns="0"/>
-          <a:p>
-            <a:endParaRPr b="0" lang="en-US" sz="3200" spc="-1" strike="noStrike">
-              <a:solidFill>
-                <a:srgbClr val="000000"/>
-              </a:solidFill>
-              <a:uFill>
-                <a:solidFill>
-                  <a:srgbClr val="ffffff"/>
-                </a:solidFill>
-              </a:uFill>
               <a:latin typeface="Arial"/>
             </a:endParaRPr>
           </a:p>
@@ -1171,7 +1081,7 @@
       </p:grpSpPr>
       <p:sp>
         <p:nvSpPr>
-          <p:cNvPr id="13" name="PlaceHolder 1"/>
+          <p:cNvPr id="15" name="PlaceHolder 1"/>
           <p:cNvSpPr>
             <a:spLocks noGrp="1"/>
           </p:cNvSpPr>
@@ -1193,22 +1103,14 @@
           <a:p>
             <a:pPr algn="ctr"/>
             <a:endParaRPr b="0" lang="en-US" sz="4400" spc="-1" strike="noStrike">
-              <a:solidFill>
-                <a:srgbClr val="000000"/>
-              </a:solidFill>
-              <a:uFill>
-                <a:solidFill>
-                  <a:srgbClr val="ffffff"/>
-                </a:solidFill>
-              </a:uFill>
-              <a:latin typeface="Arial"/>
-            </a:endParaRPr>
-          </a:p>
-        </p:txBody>
-      </p:sp>
-      <p:sp>
-        <p:nvSpPr>
-          <p:cNvPr id="14" name="PlaceHolder 2"/>
+              <a:latin typeface="Arial"/>
+            </a:endParaRPr>
+          </a:p>
+        </p:txBody>
+      </p:sp>
+      <p:sp>
+        <p:nvSpPr>
+          <p:cNvPr id="16" name="PlaceHolder 2"/>
           <p:cNvSpPr>
             <a:spLocks noGrp="1"/>
           </p:cNvSpPr>
@@ -1226,25 +1128,19 @@
           </a:prstGeom>
         </p:spPr>
         <p:txBody>
-          <a:bodyPr lIns="0" rIns="0" tIns="0" bIns="0"/>
+          <a:bodyPr lIns="0" rIns="0" tIns="0" bIns="0">
+            <a:normAutofit/>
+          </a:bodyPr>
           <a:p>
             <a:endParaRPr b="0" lang="en-US" sz="3200" spc="-1" strike="noStrike">
-              <a:solidFill>
-                <a:srgbClr val="000000"/>
-              </a:solidFill>
-              <a:uFill>
-                <a:solidFill>
-                  <a:srgbClr val="ffffff"/>
-                </a:solidFill>
-              </a:uFill>
-              <a:latin typeface="Arial"/>
-            </a:endParaRPr>
-          </a:p>
-        </p:txBody>
-      </p:sp>
-      <p:sp>
-        <p:nvSpPr>
-          <p:cNvPr id="15" name="PlaceHolder 3"/>
+              <a:latin typeface="Arial"/>
+            </a:endParaRPr>
+          </a:p>
+        </p:txBody>
+      </p:sp>
+      <p:sp>
+        <p:nvSpPr>
+          <p:cNvPr id="17" name="PlaceHolder 3"/>
           <p:cNvSpPr>
             <a:spLocks noGrp="1"/>
           </p:cNvSpPr>
@@ -1262,25 +1158,19 @@
           </a:prstGeom>
         </p:spPr>
         <p:txBody>
-          <a:bodyPr lIns="0" rIns="0" tIns="0" bIns="0"/>
+          <a:bodyPr lIns="0" rIns="0" tIns="0" bIns="0">
+            <a:normAutofit/>
+          </a:bodyPr>
           <a:p>
             <a:endParaRPr b="0" lang="en-US" sz="3200" spc="-1" strike="noStrike">
-              <a:solidFill>
-                <a:srgbClr val="000000"/>
-              </a:solidFill>
-              <a:uFill>
-                <a:solidFill>
-                  <a:srgbClr val="ffffff"/>
-                </a:solidFill>
-              </a:uFill>
-              <a:latin typeface="Arial"/>
-            </a:endParaRPr>
-          </a:p>
-        </p:txBody>
-      </p:sp>
-      <p:sp>
-        <p:nvSpPr>
-          <p:cNvPr id="16" name="PlaceHolder 4"/>
+              <a:latin typeface="Arial"/>
+            </a:endParaRPr>
+          </a:p>
+        </p:txBody>
+      </p:sp>
+      <p:sp>
+        <p:nvSpPr>
+          <p:cNvPr id="18" name="PlaceHolder 4"/>
           <p:cNvSpPr>
             <a:spLocks noGrp="1"/>
           </p:cNvSpPr>
@@ -1298,17 +1188,11 @@
           </a:prstGeom>
         </p:spPr>
         <p:txBody>
-          <a:bodyPr lIns="0" rIns="0" tIns="0" bIns="0"/>
+          <a:bodyPr lIns="0" rIns="0" tIns="0" bIns="0">
+            <a:normAutofit/>
+          </a:bodyPr>
           <a:p>
             <a:endParaRPr b="0" lang="en-US" sz="3200" spc="-1" strike="noStrike">
-              <a:solidFill>
-                <a:srgbClr val="000000"/>
-              </a:solidFill>
-              <a:uFill>
-                <a:solidFill>
-                  <a:srgbClr val="ffffff"/>
-                </a:solidFill>
-              </a:uFill>
               <a:latin typeface="Arial"/>
             </a:endParaRPr>
           </a:p>
@@ -1338,7 +1222,7 @@
       </p:grpSpPr>
       <p:sp>
         <p:nvSpPr>
-          <p:cNvPr id="17" name="PlaceHolder 1"/>
+          <p:cNvPr id="19" name="PlaceHolder 1"/>
           <p:cNvSpPr>
             <a:spLocks noGrp="1"/>
           </p:cNvSpPr>
@@ -1360,22 +1244,14 @@
           <a:p>
             <a:pPr algn="ctr"/>
             <a:endParaRPr b="0" lang="en-US" sz="4400" spc="-1" strike="noStrike">
-              <a:solidFill>
-                <a:srgbClr val="000000"/>
-              </a:solidFill>
-              <a:uFill>
-                <a:solidFill>
-                  <a:srgbClr val="ffffff"/>
-                </a:solidFill>
-              </a:uFill>
-              <a:latin typeface="Arial"/>
-            </a:endParaRPr>
-          </a:p>
-        </p:txBody>
-      </p:sp>
-      <p:sp>
-        <p:nvSpPr>
-          <p:cNvPr id="18" name="PlaceHolder 2"/>
+              <a:latin typeface="Arial"/>
+            </a:endParaRPr>
+          </a:p>
+        </p:txBody>
+      </p:sp>
+      <p:sp>
+        <p:nvSpPr>
+          <p:cNvPr id="20" name="PlaceHolder 2"/>
           <p:cNvSpPr>
             <a:spLocks noGrp="1"/>
           </p:cNvSpPr>
@@ -1393,25 +1269,19 @@
           </a:prstGeom>
         </p:spPr>
         <p:txBody>
-          <a:bodyPr lIns="0" rIns="0" tIns="0" bIns="0"/>
+          <a:bodyPr lIns="0" rIns="0" tIns="0" bIns="0">
+            <a:normAutofit/>
+          </a:bodyPr>
           <a:p>
             <a:endParaRPr b="0" lang="en-US" sz="3200" spc="-1" strike="noStrike">
-              <a:solidFill>
-                <a:srgbClr val="000000"/>
-              </a:solidFill>
-              <a:uFill>
-                <a:solidFill>
-                  <a:srgbClr val="ffffff"/>
-                </a:solidFill>
-              </a:uFill>
-              <a:latin typeface="Arial"/>
-            </a:endParaRPr>
-          </a:p>
-        </p:txBody>
-      </p:sp>
-      <p:sp>
-        <p:nvSpPr>
-          <p:cNvPr id="19" name="PlaceHolder 3"/>
+              <a:latin typeface="Arial"/>
+            </a:endParaRPr>
+          </a:p>
+        </p:txBody>
+      </p:sp>
+      <p:sp>
+        <p:nvSpPr>
+          <p:cNvPr id="21" name="PlaceHolder 3"/>
           <p:cNvSpPr>
             <a:spLocks noGrp="1"/>
           </p:cNvSpPr>
@@ -1429,25 +1299,19 @@
           </a:prstGeom>
         </p:spPr>
         <p:txBody>
-          <a:bodyPr lIns="0" rIns="0" tIns="0" bIns="0"/>
+          <a:bodyPr lIns="0" rIns="0" tIns="0" bIns="0">
+            <a:normAutofit/>
+          </a:bodyPr>
           <a:p>
             <a:endParaRPr b="0" lang="en-US" sz="3200" spc="-1" strike="noStrike">
-              <a:solidFill>
-                <a:srgbClr val="000000"/>
-              </a:solidFill>
-              <a:uFill>
-                <a:solidFill>
-                  <a:srgbClr val="ffffff"/>
-                </a:solidFill>
-              </a:uFill>
-              <a:latin typeface="Arial"/>
-            </a:endParaRPr>
-          </a:p>
-        </p:txBody>
-      </p:sp>
-      <p:sp>
-        <p:nvSpPr>
-          <p:cNvPr id="20" name="PlaceHolder 4"/>
+              <a:latin typeface="Arial"/>
+            </a:endParaRPr>
+          </a:p>
+        </p:txBody>
+      </p:sp>
+      <p:sp>
+        <p:nvSpPr>
+          <p:cNvPr id="22" name="PlaceHolder 4"/>
           <p:cNvSpPr>
             <a:spLocks noGrp="1"/>
           </p:cNvSpPr>
@@ -1465,17 +1329,11 @@
           </a:prstGeom>
         </p:spPr>
         <p:txBody>
-          <a:bodyPr lIns="0" rIns="0" tIns="0" bIns="0"/>
+          <a:bodyPr lIns="0" rIns="0" tIns="0" bIns="0">
+            <a:normAutofit/>
+          </a:bodyPr>
           <a:p>
             <a:endParaRPr b="0" lang="en-US" sz="3200" spc="-1" strike="noStrike">
-              <a:solidFill>
-                <a:srgbClr val="000000"/>
-              </a:solidFill>
-              <a:uFill>
-                <a:solidFill>
-                  <a:srgbClr val="ffffff"/>
-                </a:solidFill>
-              </a:uFill>
               <a:latin typeface="Arial"/>
             </a:endParaRPr>
           </a:p>
@@ -1503,6 +1361,220 @@
           <a:chExt cx="0" cy="0"/>
         </a:xfrm>
       </p:grpSpPr>
+      <p:sp>
+        <p:nvSpPr>
+          <p:cNvPr id="0" name="PlaceHolder 1"/>
+          <p:cNvSpPr>
+            <a:spLocks noGrp="1"/>
+          </p:cNvSpPr>
+          <p:nvPr>
+            <p:ph type="title"/>
+          </p:nvPr>
+        </p:nvSpPr>
+        <p:spPr>
+          <a:xfrm>
+            <a:off x="504000" y="301320"/>
+            <a:ext cx="9072000" cy="1261800"/>
+          </a:xfrm>
+          <a:prstGeom prst="rect">
+            <a:avLst/>
+          </a:prstGeom>
+        </p:spPr>
+        <p:txBody>
+          <a:bodyPr lIns="0" rIns="0" tIns="0" bIns="0" anchor="ctr"/>
+          <a:p>
+            <a:pPr algn="ctr"/>
+            <a:r>
+              <a:rPr b="0" lang="en-US" sz="4400" spc="-1" strike="noStrike">
+                <a:latin typeface="Arial"/>
+              </a:rPr>
+              <a:t>Click to edit the title text format</a:t>
+            </a:r>
+            <a:endParaRPr b="0" lang="en-US" sz="4400" spc="-1" strike="noStrike">
+              <a:latin typeface="Arial"/>
+            </a:endParaRPr>
+          </a:p>
+        </p:txBody>
+      </p:sp>
+      <p:sp>
+        <p:nvSpPr>
+          <p:cNvPr id="1" name="PlaceHolder 2"/>
+          <p:cNvSpPr>
+            <a:spLocks noGrp="1"/>
+          </p:cNvSpPr>
+          <p:nvPr>
+            <p:ph type="body"/>
+          </p:nvPr>
+        </p:nvSpPr>
+        <p:spPr>
+          <a:xfrm>
+            <a:off x="504000" y="1768680"/>
+            <a:ext cx="9072000" cy="4384080"/>
+          </a:xfrm>
+          <a:prstGeom prst="rect">
+            <a:avLst/>
+          </a:prstGeom>
+        </p:spPr>
+        <p:txBody>
+          <a:bodyPr lIns="0" rIns="0" tIns="0" bIns="0">
+            <a:normAutofit/>
+          </a:bodyPr>
+          <a:p>
+            <a:pPr marL="432000" indent="-324000">
+              <a:spcBef>
+                <a:spcPts val="1417"/>
+              </a:spcBef>
+              <a:buClr>
+                <a:srgbClr val="000000"/>
+              </a:buClr>
+              <a:buSzPct val="45000"/>
+              <a:buFont typeface="Wingdings" charset="2"/>
+              <a:buChar char=""/>
+            </a:pPr>
+            <a:r>
+              <a:rPr b="0" lang="en-US" sz="3200" spc="-1" strike="noStrike">
+                <a:latin typeface="Arial"/>
+              </a:rPr>
+              <a:t>Click to edit the outline text format</a:t>
+            </a:r>
+            <a:endParaRPr b="0" lang="en-US" sz="3200" spc="-1" strike="noStrike">
+              <a:latin typeface="Arial"/>
+            </a:endParaRPr>
+          </a:p>
+          <a:p>
+            <a:pPr lvl="1" marL="864000" indent="-324000">
+              <a:spcBef>
+                <a:spcPts val="1134"/>
+              </a:spcBef>
+              <a:buClr>
+                <a:srgbClr val="000000"/>
+              </a:buClr>
+              <a:buSzPct val="75000"/>
+              <a:buFont typeface="Symbol" charset="2"/>
+              <a:buChar char=""/>
+            </a:pPr>
+            <a:r>
+              <a:rPr b="0" lang="en-US" sz="2800" spc="-1" strike="noStrike">
+                <a:latin typeface="Arial"/>
+              </a:rPr>
+              <a:t>Second Outline Level</a:t>
+            </a:r>
+            <a:endParaRPr b="0" lang="en-US" sz="2800" spc="-1" strike="noStrike">
+              <a:latin typeface="Arial"/>
+            </a:endParaRPr>
+          </a:p>
+          <a:p>
+            <a:pPr lvl="2" marL="1296000" indent="-288000">
+              <a:spcBef>
+                <a:spcPts val="850"/>
+              </a:spcBef>
+              <a:buClr>
+                <a:srgbClr val="000000"/>
+              </a:buClr>
+              <a:buSzPct val="45000"/>
+              <a:buFont typeface="Wingdings" charset="2"/>
+              <a:buChar char=""/>
+            </a:pPr>
+            <a:r>
+              <a:rPr b="0" lang="en-US" sz="2400" spc="-1" strike="noStrike">
+                <a:latin typeface="Arial"/>
+              </a:rPr>
+              <a:t>Third Outline Level</a:t>
+            </a:r>
+            <a:endParaRPr b="0" lang="en-US" sz="2400" spc="-1" strike="noStrike">
+              <a:latin typeface="Arial"/>
+            </a:endParaRPr>
+          </a:p>
+          <a:p>
+            <a:pPr lvl="3" marL="1728000" indent="-216000">
+              <a:spcBef>
+                <a:spcPts val="567"/>
+              </a:spcBef>
+              <a:buClr>
+                <a:srgbClr val="000000"/>
+              </a:buClr>
+              <a:buSzPct val="75000"/>
+              <a:buFont typeface="Symbol" charset="2"/>
+              <a:buChar char=""/>
+            </a:pPr>
+            <a:r>
+              <a:rPr b="0" lang="en-US" sz="2000" spc="-1" strike="noStrike">
+                <a:latin typeface="Arial"/>
+              </a:rPr>
+              <a:t>Fourth Outline Level</a:t>
+            </a:r>
+            <a:endParaRPr b="0" lang="en-US" sz="2000" spc="-1" strike="noStrike">
+              <a:latin typeface="Arial"/>
+            </a:endParaRPr>
+          </a:p>
+          <a:p>
+            <a:pPr lvl="4" marL="2160000" indent="-216000">
+              <a:spcBef>
+                <a:spcPts val="283"/>
+              </a:spcBef>
+              <a:buClr>
+                <a:srgbClr val="000000"/>
+              </a:buClr>
+              <a:buSzPct val="45000"/>
+              <a:buFont typeface="Wingdings" charset="2"/>
+              <a:buChar char=""/>
+            </a:pPr>
+            <a:r>
+              <a:rPr b="0" lang="en-US" sz="2000" spc="-1" strike="noStrike">
+                <a:latin typeface="Arial"/>
+              </a:rPr>
+              <a:t>Fifth Outline Level</a:t>
+            </a:r>
+            <a:endParaRPr b="0" lang="en-US" sz="2000" spc="-1" strike="noStrike">
+              <a:latin typeface="Arial"/>
+            </a:endParaRPr>
+          </a:p>
+          <a:p>
+            <a:pPr lvl="5" marL="2592000" indent="-216000">
+              <a:spcBef>
+                <a:spcPts val="283"/>
+              </a:spcBef>
+              <a:buClr>
+                <a:srgbClr val="000000"/>
+              </a:buClr>
+              <a:buSzPct val="45000"/>
+              <a:buFont typeface="Wingdings" charset="2"/>
+              <a:buChar char=""/>
+            </a:pPr>
+            <a:r>
+              <a:rPr b="0" lang="en-US" sz="2000" spc="-1" strike="noStrike">
+                <a:latin typeface="Arial"/>
+              </a:rPr>
+              <a:t>Sixth Outline Level</a:t>
+            </a:r>
+            <a:endParaRPr b="0" lang="en-US" sz="2000" spc="-1" strike="noStrike">
+              <a:latin typeface="Arial"/>
+            </a:endParaRPr>
+          </a:p>
+          <a:p>
+            <a:pPr lvl="6" marL="3024000" indent="-216000">
+              <a:spcBef>
+                <a:spcPts val="283"/>
+              </a:spcBef>
+              <a:buClr>
+                <a:srgbClr val="000000"/>
+              </a:buClr>
+              <a:buSzPct val="45000"/>
+              <a:buFont typeface="Wingdings" charset="2"/>
+              <a:buChar char=""/>
+            </a:pPr>
+            <a:r>
+              <a:rPr b="0" lang="en-US" sz="2000" spc="-1" strike="noStrike">
+                <a:latin typeface="Arial"/>
+              </a:rPr>
+              <a:t>Seventh Outline Level</a:t>
+            </a:r>
+            <a:endParaRPr b="0" lang="en-US" sz="2000" spc="-1" strike="noStrike">
+              <a:latin typeface="Arial"/>
+            </a:endParaRPr>
+          </a:p>
+        </p:txBody>
+      </p:sp>
     </p:spTree>
   </p:cSld>
   <p:clrMap bg1="lt1" bg2="lt2" tx1="dk1" tx2="dk2" accent1="accent1" accent2="accent2" accent3="accent3" accent4="accent4" accent5="accent5" accent6="accent6" hlink="hlink" folHlink="folHlink"/>
@@ -1542,14 +1614,14 @@
       </p:grpSpPr>
       <p:sp>
         <p:nvSpPr>
-          <p:cNvPr id="34" name="CustomShape 1"/>
+          <p:cNvPr id="38" name="CustomShape 1"/>
           <p:cNvSpPr/>
           <p:nvPr/>
         </p:nvSpPr>
         <p:spPr>
           <a:xfrm>
             <a:off x="4195080" y="457200"/>
-            <a:ext cx="924840" cy="315000"/>
+            <a:ext cx="924480" cy="314640"/>
           </a:xfrm>
           <a:prstGeom prst="rect">
             <a:avLst/>
@@ -1568,45 +1640,37 @@
         <p:txBody>
           <a:bodyPr lIns="90000" rIns="90000" tIns="45000" bIns="45000"/>
           <a:p>
+            <a:pPr>
+              <a:lnSpc>
+                <a:spcPct val="100000"/>
+              </a:lnSpc>
+            </a:pPr>
             <a:r>
               <a:rPr b="0" lang="en-US" sz="1400" spc="-1" strike="noStrike">
                 <a:solidFill>
                   <a:srgbClr val="000000"/>
                 </a:solidFill>
-                <a:uFill>
-                  <a:solidFill>
-                    <a:srgbClr val="ffffff"/>
-                  </a:solidFill>
-                </a:uFill>
                 <a:latin typeface="Arial"/>
                 <a:ea typeface="DejaVu Sans"/>
               </a:rPr>
               <a:t>Sensor</a:t>
             </a:r>
-            <a:endParaRPr b="0" lang="en-US" sz="1800" spc="-1" strike="noStrike">
-              <a:solidFill>
-                <a:srgbClr val="000000"/>
-              </a:solidFill>
-              <a:uFill>
-                <a:solidFill>
-                  <a:srgbClr val="ffffff"/>
-                </a:solidFill>
-              </a:uFill>
-              <a:latin typeface="Arial"/>
-            </a:endParaRPr>
-          </a:p>
-        </p:txBody>
-      </p:sp>
-      <p:sp>
-        <p:nvSpPr>
-          <p:cNvPr id="35" name="CustomShape 2"/>
+            <a:endParaRPr b="0" lang="en-US" sz="1400" spc="-1" strike="noStrike">
+              <a:latin typeface="Arial"/>
+            </a:endParaRPr>
+          </a:p>
+        </p:txBody>
+      </p:sp>
+      <p:sp>
+        <p:nvSpPr>
+          <p:cNvPr id="39" name="CustomShape 2"/>
           <p:cNvSpPr/>
           <p:nvPr/>
         </p:nvSpPr>
         <p:spPr>
           <a:xfrm>
             <a:off x="1280160" y="1513080"/>
-            <a:ext cx="1919520" cy="315000"/>
+            <a:ext cx="1919160" cy="314640"/>
           </a:xfrm>
           <a:prstGeom prst="rect">
             <a:avLst/>
@@ -1625,45 +1689,37 @@
         <p:txBody>
           <a:bodyPr lIns="90000" rIns="90000" tIns="45000" bIns="45000"/>
           <a:p>
+            <a:pPr>
+              <a:lnSpc>
+                <a:spcPct val="100000"/>
+              </a:lnSpc>
+            </a:pPr>
             <a:r>
               <a:rPr b="0" lang="en-US" sz="1400" spc="-1" strike="noStrike">
                 <a:solidFill>
                   <a:srgbClr val="000000"/>
                 </a:solidFill>
-                <a:uFill>
-                  <a:solidFill>
-                    <a:srgbClr val="ffffff"/>
-                  </a:solidFill>
-                </a:uFill>
                 <a:latin typeface="Arial"/>
                 <a:ea typeface="DejaVu Sans"/>
               </a:rPr>
               <a:t>SurfaceMountSensor</a:t>
             </a:r>
-            <a:endParaRPr b="0" lang="en-US" sz="1800" spc="-1" strike="noStrike">
-              <a:solidFill>
-                <a:srgbClr val="000000"/>
-              </a:solidFill>
-              <a:uFill>
-                <a:solidFill>
-                  <a:srgbClr val="ffffff"/>
-                </a:solidFill>
-              </a:uFill>
-              <a:latin typeface="Arial"/>
-            </a:endParaRPr>
-          </a:p>
-        </p:txBody>
-      </p:sp>
-      <p:sp>
-        <p:nvSpPr>
-          <p:cNvPr id="36" name="CustomShape 3"/>
+            <a:endParaRPr b="0" lang="en-US" sz="1400" spc="-1" strike="noStrike">
+              <a:latin typeface="Arial"/>
+            </a:endParaRPr>
+          </a:p>
+        </p:txBody>
+      </p:sp>
+      <p:sp>
+        <p:nvSpPr>
+          <p:cNvPr id="40" name="CustomShape 3"/>
           <p:cNvSpPr/>
           <p:nvPr/>
         </p:nvSpPr>
         <p:spPr>
           <a:xfrm>
             <a:off x="113760" y="2286000"/>
-            <a:ext cx="1074240" cy="315000"/>
+            <a:ext cx="1073880" cy="314640"/>
           </a:xfrm>
           <a:prstGeom prst="rect">
             <a:avLst/>
@@ -1682,45 +1738,37 @@
         <p:txBody>
           <a:bodyPr lIns="90000" rIns="90000" tIns="45000" bIns="45000"/>
           <a:p>
+            <a:pPr>
+              <a:lnSpc>
+                <a:spcPct val="100000"/>
+              </a:lnSpc>
+            </a:pPr>
             <a:r>
               <a:rPr b="0" lang="en-US" sz="1400" spc="-1" strike="noStrike">
                 <a:solidFill>
                   <a:srgbClr val="000000"/>
                 </a:solidFill>
-                <a:uFill>
-                  <a:solidFill>
-                    <a:srgbClr val="ffffff"/>
-                  </a:solidFill>
-                </a:uFill>
                 <a:latin typeface="Arial"/>
                 <a:ea typeface="DejaVu Sans"/>
               </a:rPr>
               <a:t>Quaternion</a:t>
             </a:r>
-            <a:endParaRPr b="0" lang="en-US" sz="1800" spc="-1" strike="noStrike">
-              <a:solidFill>
-                <a:srgbClr val="000000"/>
-              </a:solidFill>
-              <a:uFill>
-                <a:solidFill>
-                  <a:srgbClr val="ffffff"/>
-                </a:solidFill>
-              </a:uFill>
-              <a:latin typeface="Arial"/>
-            </a:endParaRPr>
-          </a:p>
-        </p:txBody>
-      </p:sp>
-      <p:sp>
-        <p:nvSpPr>
-          <p:cNvPr id="37" name="CustomShape 4"/>
+            <a:endParaRPr b="0" lang="en-US" sz="1400" spc="-1" strike="noStrike">
+              <a:latin typeface="Arial"/>
+            </a:endParaRPr>
+          </a:p>
+        </p:txBody>
+      </p:sp>
+      <p:sp>
+        <p:nvSpPr>
+          <p:cNvPr id="41" name="CustomShape 4"/>
           <p:cNvSpPr/>
           <p:nvPr/>
         </p:nvSpPr>
         <p:spPr>
           <a:xfrm>
             <a:off x="1121760" y="2286000"/>
-            <a:ext cx="1072080" cy="315000"/>
+            <a:ext cx="1071720" cy="314640"/>
           </a:xfrm>
           <a:prstGeom prst="rect">
             <a:avLst/>
@@ -1739,45 +1787,37 @@
         <p:txBody>
           <a:bodyPr lIns="90000" rIns="90000" tIns="45000" bIns="45000"/>
           <a:p>
+            <a:pPr>
+              <a:lnSpc>
+                <a:spcPct val="100000"/>
+              </a:lnSpc>
+            </a:pPr>
             <a:r>
               <a:rPr b="0" lang="en-US" sz="1400" spc="-1" strike="noStrike">
                 <a:solidFill>
                   <a:srgbClr val="000000"/>
                 </a:solidFill>
-                <a:uFill>
-                  <a:solidFill>
-                    <a:srgbClr val="ffffff"/>
-                  </a:solidFill>
-                </a:uFill>
                 <a:latin typeface="Arial"/>
                 <a:ea typeface="DejaVu Sans"/>
               </a:rPr>
               <a:t>Gyrometer</a:t>
             </a:r>
-            <a:endParaRPr b="0" lang="en-US" sz="1800" spc="-1" strike="noStrike">
-              <a:solidFill>
-                <a:srgbClr val="000000"/>
-              </a:solidFill>
-              <a:uFill>
-                <a:solidFill>
-                  <a:srgbClr val="ffffff"/>
-                </a:solidFill>
-              </a:uFill>
-              <a:latin typeface="Arial"/>
-            </a:endParaRPr>
-          </a:p>
-        </p:txBody>
-      </p:sp>
-      <p:sp>
-        <p:nvSpPr>
-          <p:cNvPr id="38" name="CustomShape 5"/>
+            <a:endParaRPr b="0" lang="en-US" sz="1400" spc="-1" strike="noStrike">
+              <a:latin typeface="Arial"/>
+            </a:endParaRPr>
+          </a:p>
+        </p:txBody>
+      </p:sp>
+      <p:sp>
+        <p:nvSpPr>
+          <p:cNvPr id="42" name="CustomShape 5"/>
           <p:cNvSpPr/>
           <p:nvPr/>
         </p:nvSpPr>
         <p:spPr>
           <a:xfrm>
             <a:off x="2129760" y="2286000"/>
-            <a:ext cx="1344240" cy="315000"/>
+            <a:ext cx="1343880" cy="314640"/>
           </a:xfrm>
           <a:prstGeom prst="rect">
             <a:avLst/>
@@ -1796,45 +1836,37 @@
         <p:txBody>
           <a:bodyPr lIns="90000" rIns="90000" tIns="45000" bIns="45000"/>
           <a:p>
+            <a:pPr>
+              <a:lnSpc>
+                <a:spcPct val="100000"/>
+              </a:lnSpc>
+            </a:pPr>
             <a:r>
               <a:rPr b="0" lang="en-US" sz="1400" spc="-1" strike="noStrike">
                 <a:solidFill>
                   <a:srgbClr val="000000"/>
                 </a:solidFill>
-                <a:uFill>
-                  <a:solidFill>
-                    <a:srgbClr val="ffffff"/>
-                  </a:solidFill>
-                </a:uFill>
                 <a:latin typeface="Arial"/>
                 <a:ea typeface="DejaVu Sans"/>
               </a:rPr>
               <a:t>Accelerometer</a:t>
             </a:r>
-            <a:endParaRPr b="0" lang="en-US" sz="1800" spc="-1" strike="noStrike">
-              <a:solidFill>
-                <a:srgbClr val="000000"/>
-              </a:solidFill>
-              <a:uFill>
-                <a:solidFill>
-                  <a:srgbClr val="ffffff"/>
-                </a:solidFill>
-              </a:uFill>
-              <a:latin typeface="Arial"/>
-            </a:endParaRPr>
-          </a:p>
-        </p:txBody>
-      </p:sp>
-      <p:sp>
-        <p:nvSpPr>
-          <p:cNvPr id="39" name="CustomShape 6"/>
+            <a:endParaRPr b="0" lang="en-US" sz="1400" spc="-1" strike="noStrike">
+              <a:latin typeface="Arial"/>
+            </a:endParaRPr>
+          </a:p>
+        </p:txBody>
+      </p:sp>
+      <p:sp>
+        <p:nvSpPr>
+          <p:cNvPr id="43" name="CustomShape 6"/>
           <p:cNvSpPr/>
           <p:nvPr/>
         </p:nvSpPr>
         <p:spPr>
           <a:xfrm>
             <a:off x="3389760" y="2286000"/>
-            <a:ext cx="1331280" cy="315000"/>
+            <a:ext cx="1330920" cy="314640"/>
           </a:xfrm>
           <a:prstGeom prst="rect">
             <a:avLst/>
@@ -1853,45 +1885,37 @@
         <p:txBody>
           <a:bodyPr lIns="90000" rIns="90000" tIns="45000" bIns="45000"/>
           <a:p>
+            <a:pPr>
+              <a:lnSpc>
+                <a:spcPct val="100000"/>
+              </a:lnSpc>
+            </a:pPr>
             <a:r>
               <a:rPr b="0" lang="en-US" sz="1400" spc="-1" strike="noStrike">
                 <a:solidFill>
                   <a:srgbClr val="000000"/>
                 </a:solidFill>
-                <a:uFill>
-                  <a:solidFill>
-                    <a:srgbClr val="ffffff"/>
-                  </a:solidFill>
-                </a:uFill>
                 <a:latin typeface="Arial"/>
                 <a:ea typeface="DejaVu Sans"/>
               </a:rPr>
               <a:t>Magnetometer</a:t>
             </a:r>
-            <a:endParaRPr b="0" lang="en-US" sz="1800" spc="-1" strike="noStrike">
-              <a:solidFill>
-                <a:srgbClr val="000000"/>
-              </a:solidFill>
-              <a:uFill>
-                <a:solidFill>
-                  <a:srgbClr val="ffffff"/>
-                </a:solidFill>
-              </a:uFill>
-              <a:latin typeface="Arial"/>
-            </a:endParaRPr>
-          </a:p>
-        </p:txBody>
-      </p:sp>
-      <p:sp>
-        <p:nvSpPr>
-          <p:cNvPr id="40" name="CustomShape 7"/>
+            <a:endParaRPr b="0" lang="en-US" sz="1400" spc="-1" strike="noStrike">
+              <a:latin typeface="Arial"/>
+            </a:endParaRPr>
+          </a:p>
+        </p:txBody>
+      </p:sp>
+      <p:sp>
+        <p:nvSpPr>
+          <p:cNvPr id="44" name="CustomShape 7"/>
           <p:cNvSpPr/>
           <p:nvPr/>
         </p:nvSpPr>
         <p:spPr>
           <a:xfrm>
             <a:off x="4721760" y="2286000"/>
-            <a:ext cx="1038240" cy="315000"/>
+            <a:ext cx="1037880" cy="314640"/>
           </a:xfrm>
           <a:prstGeom prst="rect">
             <a:avLst/>
@@ -1910,45 +1934,37 @@
         <p:txBody>
           <a:bodyPr lIns="90000" rIns="90000" tIns="45000" bIns="45000"/>
           <a:p>
+            <a:pPr>
+              <a:lnSpc>
+                <a:spcPct val="100000"/>
+              </a:lnSpc>
+            </a:pPr>
             <a:r>
               <a:rPr b="0" lang="en-US" sz="1400" spc="-1" strike="noStrike">
                 <a:solidFill>
                   <a:srgbClr val="000000"/>
                 </a:solidFill>
-                <a:uFill>
-                  <a:solidFill>
-                    <a:srgbClr val="ffffff"/>
-                  </a:solidFill>
-                </a:uFill>
                 <a:latin typeface="Arial"/>
                 <a:ea typeface="DejaVu Sans"/>
               </a:rPr>
               <a:t>Barometer</a:t>
             </a:r>
-            <a:endParaRPr b="0" lang="en-US" sz="1800" spc="-1" strike="noStrike">
-              <a:solidFill>
-                <a:srgbClr val="000000"/>
-              </a:solidFill>
-              <a:uFill>
-                <a:solidFill>
-                  <a:srgbClr val="ffffff"/>
-                </a:solidFill>
-              </a:uFill>
-              <a:latin typeface="Arial"/>
-            </a:endParaRPr>
-          </a:p>
-        </p:txBody>
-      </p:sp>
-      <p:sp>
-        <p:nvSpPr>
-          <p:cNvPr id="41" name="CustomShape 8"/>
+            <a:endParaRPr b="0" lang="en-US" sz="1400" spc="-1" strike="noStrike">
+              <a:latin typeface="Arial"/>
+            </a:endParaRPr>
+          </a:p>
+        </p:txBody>
+      </p:sp>
+      <p:sp>
+        <p:nvSpPr>
+          <p:cNvPr id="45" name="CustomShape 8"/>
           <p:cNvSpPr/>
           <p:nvPr/>
         </p:nvSpPr>
         <p:spPr>
           <a:xfrm>
-            <a:off x="6572520" y="1508760"/>
-            <a:ext cx="1473480" cy="315000"/>
+            <a:off x="7868520" y="1508760"/>
+            <a:ext cx="1473120" cy="314640"/>
           </a:xfrm>
           <a:prstGeom prst="rect">
             <a:avLst/>
@@ -1967,45 +1983,37 @@
         <p:txBody>
           <a:bodyPr lIns="90000" rIns="90000" tIns="45000" bIns="45000"/>
           <a:p>
+            <a:pPr>
+              <a:lnSpc>
+                <a:spcPct val="100000"/>
+              </a:lnSpc>
+            </a:pPr>
             <a:r>
               <a:rPr b="0" lang="en-US" sz="1400" spc="-1" strike="noStrike">
                 <a:solidFill>
                   <a:srgbClr val="000000"/>
                 </a:solidFill>
-                <a:uFill>
-                  <a:solidFill>
-                    <a:srgbClr val="ffffff"/>
-                  </a:solidFill>
-                </a:uFill>
                 <a:latin typeface="Arial"/>
                 <a:ea typeface="DejaVu Sans"/>
               </a:rPr>
               <a:t>Rangefinder</a:t>
             </a:r>
-            <a:endParaRPr b="0" lang="en-US" sz="1800" spc="-1" strike="noStrike">
-              <a:solidFill>
-                <a:srgbClr val="000000"/>
-              </a:solidFill>
-              <a:uFill>
-                <a:solidFill>
-                  <a:srgbClr val="ffffff"/>
-                </a:solidFill>
-              </a:uFill>
-              <a:latin typeface="Arial"/>
-            </a:endParaRPr>
-          </a:p>
-        </p:txBody>
-      </p:sp>
-      <p:sp>
-        <p:nvSpPr>
-          <p:cNvPr id="42" name="CustomShape 9"/>
+            <a:endParaRPr b="0" lang="en-US" sz="1400" spc="-1" strike="noStrike">
+              <a:latin typeface="Arial"/>
+            </a:endParaRPr>
+          </a:p>
+        </p:txBody>
+      </p:sp>
+      <p:sp>
+        <p:nvSpPr>
+          <p:cNvPr id="46" name="CustomShape 9"/>
           <p:cNvSpPr/>
           <p:nvPr/>
         </p:nvSpPr>
         <p:spPr>
           <a:xfrm>
             <a:off x="3937680" y="1513080"/>
-            <a:ext cx="725040" cy="315000"/>
+            <a:ext cx="724680" cy="314640"/>
           </a:xfrm>
           <a:prstGeom prst="rect">
             <a:avLst/>
@@ -2024,45 +2032,37 @@
         <p:txBody>
           <a:bodyPr lIns="90000" rIns="90000" tIns="45000" bIns="45000"/>
           <a:p>
+            <a:pPr>
+              <a:lnSpc>
+                <a:spcPct val="100000"/>
+              </a:lnSpc>
+            </a:pPr>
             <a:r>
               <a:rPr b="0" lang="en-US" sz="1400" spc="-1" strike="noStrike">
                 <a:solidFill>
                   <a:srgbClr val="000000"/>
                 </a:solidFill>
-                <a:uFill>
-                  <a:solidFill>
-                    <a:srgbClr val="ffffff"/>
-                  </a:solidFill>
-                </a:uFill>
                 <a:latin typeface="Arial"/>
                 <a:ea typeface="DejaVu Sans"/>
               </a:rPr>
               <a:t>Board</a:t>
             </a:r>
-            <a:endParaRPr b="0" lang="en-US" sz="1800" spc="-1" strike="noStrike">
-              <a:solidFill>
-                <a:srgbClr val="000000"/>
-              </a:solidFill>
-              <a:uFill>
-                <a:solidFill>
-                  <a:srgbClr val="ffffff"/>
-                </a:solidFill>
-              </a:uFill>
-              <a:latin typeface="Arial"/>
-            </a:endParaRPr>
-          </a:p>
-        </p:txBody>
-      </p:sp>
-      <p:sp>
-        <p:nvSpPr>
-          <p:cNvPr id="43" name="CustomShape 10"/>
+            <a:endParaRPr b="0" lang="en-US" sz="1400" spc="-1" strike="noStrike">
+              <a:latin typeface="Arial"/>
+            </a:endParaRPr>
+          </a:p>
+        </p:txBody>
+      </p:sp>
+      <p:sp>
+        <p:nvSpPr>
+          <p:cNvPr id="47" name="CustomShape 10"/>
           <p:cNvSpPr/>
           <p:nvPr/>
         </p:nvSpPr>
         <p:spPr>
           <a:xfrm>
             <a:off x="3200040" y="1670760"/>
-            <a:ext cx="737640" cy="360"/>
+            <a:ext cx="737280" cy="360"/>
           </a:xfrm>
           <a:custGeom>
             <a:avLst/>
@@ -2096,169 +2096,516 @@
           <a:fontRef idx="minor"/>
         </p:style>
       </p:sp>
-      <p:cxnSp>
-        <p:nvCxnSpPr>
-          <p:cNvPr id="44" name="Line 11"/>
-          <p:cNvCxnSpPr>
-            <a:stCxn id="34" idx="2"/>
-            <a:endCxn id="35" idx="0"/>
-          </p:cNvCxnSpPr>
+      <p:sp>
+        <p:nvSpPr>
+          <p:cNvPr id="48" name="CustomShape 11"/>
+          <p:cNvSpPr/>
           <p:nvPr/>
-        </p:nvCxnSpPr>
+        </p:nvSpPr>
         <p:spPr>
           <a:xfrm flipH="1">
-            <a:off x="2239920" y="772200"/>
-            <a:ext cx="2417760" cy="741240"/>
-          </a:xfrm>
-          <a:prstGeom prst="straightConnector1">
-            <a:avLst/>
-          </a:prstGeom>
+            <a:off x="2239200" y="772200"/>
+            <a:ext cx="2417400" cy="740880"/>
+          </a:xfrm>
+          <a:custGeom>
+            <a:avLst/>
+            <a:gdLst/>
+            <a:ahLst/>
+            <a:rect l="l" t="t" r="r" b="b"/>
+            <a:pathLst>
+              <a:path w="21600" h="21600">
+                <a:moveTo>
+                  <a:pt x="0" y="0"/>
+                </a:moveTo>
+                <a:lnTo>
+                  <a:pt x="21600" y="21600"/>
+                </a:lnTo>
+              </a:path>
+            </a:pathLst>
+          </a:custGeom>
+          <a:noFill/>
           <a:ln>
             <a:solidFill>
               <a:srgbClr val="000000"/>
             </a:solidFill>
           </a:ln>
         </p:spPr>
-      </p:cxnSp>
-      <p:cxnSp>
-        <p:nvCxnSpPr>
-          <p:cNvPr id="45" name="Line 12"/>
-          <p:cNvCxnSpPr>
-            <a:endCxn id="41" idx="0"/>
-          </p:cNvCxnSpPr>
+        <p:style>
+          <a:lnRef idx="0"/>
+          <a:fillRef idx="0"/>
+          <a:effectRef idx="0"/>
+          <a:fontRef idx="minor"/>
+        </p:style>
+      </p:sp>
+      <p:sp>
+        <p:nvSpPr>
+          <p:cNvPr id="49" name="CustomShape 12"/>
+          <p:cNvSpPr/>
           <p:nvPr/>
-        </p:nvCxnSpPr>
+        </p:nvSpPr>
         <p:spPr>
           <a:xfrm>
             <a:off x="4657680" y="772200"/>
-            <a:ext cx="2651760" cy="736920"/>
-          </a:xfrm>
-          <a:prstGeom prst="straightConnector1">
-            <a:avLst/>
-          </a:prstGeom>
+            <a:ext cx="3846240" cy="782280"/>
+          </a:xfrm>
+          <a:custGeom>
+            <a:avLst/>
+            <a:gdLst/>
+            <a:ahLst/>
+            <a:rect l="l" t="t" r="r" b="b"/>
+            <a:pathLst>
+              <a:path w="21600" h="21600">
+                <a:moveTo>
+                  <a:pt x="0" y="0"/>
+                </a:moveTo>
+                <a:lnTo>
+                  <a:pt x="21600" y="21600"/>
+                </a:lnTo>
+              </a:path>
+            </a:pathLst>
+          </a:custGeom>
+          <a:noFill/>
           <a:ln>
             <a:solidFill>
               <a:srgbClr val="000000"/>
             </a:solidFill>
           </a:ln>
         </p:spPr>
-      </p:cxnSp>
-      <p:cxnSp>
-        <p:nvCxnSpPr>
-          <p:cNvPr id="46" name="Line 13"/>
-          <p:cNvCxnSpPr>
-            <a:stCxn id="35" idx="2"/>
-            <a:endCxn id="36" idx="0"/>
-          </p:cNvCxnSpPr>
+        <p:style>
+          <a:lnRef idx="0"/>
+          <a:fillRef idx="0"/>
+          <a:effectRef idx="0"/>
+          <a:fontRef idx="minor"/>
+        </p:style>
+      </p:sp>
+      <p:sp>
+        <p:nvSpPr>
+          <p:cNvPr id="50" name="CustomShape 13"/>
+          <p:cNvSpPr/>
           <p:nvPr/>
-        </p:nvCxnSpPr>
+        </p:nvSpPr>
         <p:spPr>
           <a:xfrm flipH="1">
             <a:off x="650880" y="1828080"/>
-            <a:ext cx="1589400" cy="458280"/>
-          </a:xfrm>
-          <a:prstGeom prst="straightConnector1">
-            <a:avLst/>
-          </a:prstGeom>
+            <a:ext cx="1589040" cy="457920"/>
+          </a:xfrm>
+          <a:custGeom>
+            <a:avLst/>
+            <a:gdLst/>
+            <a:ahLst/>
+            <a:rect l="l" t="t" r="r" b="b"/>
+            <a:pathLst>
+              <a:path w="21600" h="21600">
+                <a:moveTo>
+                  <a:pt x="0" y="0"/>
+                </a:moveTo>
+                <a:lnTo>
+                  <a:pt x="21600" y="21600"/>
+                </a:lnTo>
+              </a:path>
+            </a:pathLst>
+          </a:custGeom>
+          <a:noFill/>
           <a:ln>
             <a:solidFill>
               <a:srgbClr val="000000"/>
             </a:solidFill>
           </a:ln>
         </p:spPr>
-      </p:cxnSp>
-      <p:cxnSp>
-        <p:nvCxnSpPr>
-          <p:cNvPr id="47" name="Line 14"/>
-          <p:cNvCxnSpPr>
-            <a:endCxn id="37" idx="0"/>
-          </p:cNvCxnSpPr>
+        <p:style>
+          <a:lnRef idx="0"/>
+          <a:fillRef idx="0"/>
+          <a:effectRef idx="0"/>
+          <a:fontRef idx="minor"/>
+        </p:style>
+      </p:sp>
+      <p:sp>
+        <p:nvSpPr>
+          <p:cNvPr id="51" name="CustomShape 14"/>
+          <p:cNvSpPr/>
           <p:nvPr/>
-        </p:nvCxnSpPr>
+        </p:nvSpPr>
         <p:spPr>
           <a:xfrm flipH="1">
-            <a:off x="1657800" y="1828080"/>
-            <a:ext cx="582480" cy="458280"/>
-          </a:xfrm>
-          <a:prstGeom prst="straightConnector1">
-            <a:avLst/>
-          </a:prstGeom>
+            <a:off x="1657080" y="1828080"/>
+            <a:ext cx="582120" cy="457920"/>
+          </a:xfrm>
+          <a:custGeom>
+            <a:avLst/>
+            <a:gdLst/>
+            <a:ahLst/>
+            <a:rect l="l" t="t" r="r" b="b"/>
+            <a:pathLst>
+              <a:path w="21600" h="21600">
+                <a:moveTo>
+                  <a:pt x="0" y="0"/>
+                </a:moveTo>
+                <a:lnTo>
+                  <a:pt x="21600" y="21600"/>
+                </a:lnTo>
+              </a:path>
+            </a:pathLst>
+          </a:custGeom>
+          <a:noFill/>
           <a:ln>
             <a:solidFill>
               <a:srgbClr val="000000"/>
             </a:solidFill>
           </a:ln>
         </p:spPr>
-      </p:cxnSp>
-      <p:cxnSp>
-        <p:nvCxnSpPr>
-          <p:cNvPr id="48" name="Line 15"/>
-          <p:cNvCxnSpPr>
-            <a:endCxn id="38" idx="0"/>
-          </p:cNvCxnSpPr>
+        <p:style>
+          <a:lnRef idx="0"/>
+          <a:fillRef idx="0"/>
+          <a:effectRef idx="0"/>
+          <a:fontRef idx="minor"/>
+        </p:style>
+      </p:sp>
+      <p:sp>
+        <p:nvSpPr>
+          <p:cNvPr id="52" name="CustomShape 15"/>
+          <p:cNvSpPr/>
           <p:nvPr/>
-        </p:nvCxnSpPr>
+        </p:nvSpPr>
         <p:spPr>
           <a:xfrm>
             <a:off x="2240280" y="1828080"/>
-            <a:ext cx="561960" cy="458280"/>
-          </a:xfrm>
-          <a:prstGeom prst="straightConnector1">
-            <a:avLst/>
-          </a:prstGeom>
+            <a:ext cx="561600" cy="457920"/>
+          </a:xfrm>
+          <a:custGeom>
+            <a:avLst/>
+            <a:gdLst/>
+            <a:ahLst/>
+            <a:rect l="l" t="t" r="r" b="b"/>
+            <a:pathLst>
+              <a:path w="21600" h="21600">
+                <a:moveTo>
+                  <a:pt x="0" y="0"/>
+                </a:moveTo>
+                <a:lnTo>
+                  <a:pt x="21600" y="21600"/>
+                </a:lnTo>
+              </a:path>
+            </a:pathLst>
+          </a:custGeom>
+          <a:noFill/>
           <a:ln>
             <a:solidFill>
               <a:srgbClr val="000000"/>
             </a:solidFill>
           </a:ln>
         </p:spPr>
-      </p:cxnSp>
-      <p:cxnSp>
-        <p:nvCxnSpPr>
-          <p:cNvPr id="49" name="Line 16"/>
-          <p:cNvCxnSpPr>
-            <a:endCxn id="39" idx="0"/>
-          </p:cNvCxnSpPr>
+        <p:style>
+          <a:lnRef idx="0"/>
+          <a:fillRef idx="0"/>
+          <a:effectRef idx="0"/>
+          <a:fontRef idx="minor"/>
+        </p:style>
+      </p:sp>
+      <p:sp>
+        <p:nvSpPr>
+          <p:cNvPr id="53" name="CustomShape 16"/>
+          <p:cNvSpPr/>
           <p:nvPr/>
-        </p:nvCxnSpPr>
+        </p:nvSpPr>
         <p:spPr>
           <a:xfrm>
             <a:off x="2240280" y="1828080"/>
-            <a:ext cx="1815480" cy="458280"/>
-          </a:xfrm>
-          <a:prstGeom prst="straightConnector1">
-            <a:avLst/>
-          </a:prstGeom>
+            <a:ext cx="1815120" cy="457920"/>
+          </a:xfrm>
+          <a:custGeom>
+            <a:avLst/>
+            <a:gdLst/>
+            <a:ahLst/>
+            <a:rect l="l" t="t" r="r" b="b"/>
+            <a:pathLst>
+              <a:path w="21600" h="21600">
+                <a:moveTo>
+                  <a:pt x="0" y="0"/>
+                </a:moveTo>
+                <a:lnTo>
+                  <a:pt x="21600" y="21600"/>
+                </a:lnTo>
+              </a:path>
+            </a:pathLst>
+          </a:custGeom>
+          <a:noFill/>
           <a:ln>
             <a:solidFill>
               <a:srgbClr val="000000"/>
             </a:solidFill>
           </a:ln>
         </p:spPr>
-      </p:cxnSp>
-      <p:cxnSp>
-        <p:nvCxnSpPr>
-          <p:cNvPr id="50" name="Line 17"/>
-          <p:cNvCxnSpPr>
-            <a:endCxn id="40" idx="0"/>
-          </p:cNvCxnSpPr>
+        <p:style>
+          <a:lnRef idx="0"/>
+          <a:fillRef idx="0"/>
+          <a:effectRef idx="0"/>
+          <a:fontRef idx="minor"/>
+        </p:style>
+      </p:sp>
+      <p:sp>
+        <p:nvSpPr>
+          <p:cNvPr id="54" name="CustomShape 17"/>
+          <p:cNvSpPr/>
           <p:nvPr/>
-        </p:nvCxnSpPr>
+        </p:nvSpPr>
         <p:spPr>
           <a:xfrm>
             <a:off x="2240280" y="1828080"/>
-            <a:ext cx="3000960" cy="458280"/>
-          </a:xfrm>
-          <a:prstGeom prst="straightConnector1">
-            <a:avLst/>
-          </a:prstGeom>
+            <a:ext cx="3000600" cy="457920"/>
+          </a:xfrm>
+          <a:custGeom>
+            <a:avLst/>
+            <a:gdLst/>
+            <a:ahLst/>
+            <a:rect l="l" t="t" r="r" b="b"/>
+            <a:pathLst>
+              <a:path w="21600" h="21600">
+                <a:moveTo>
+                  <a:pt x="0" y="0"/>
+                </a:moveTo>
+                <a:lnTo>
+                  <a:pt x="21600" y="21600"/>
+                </a:lnTo>
+              </a:path>
+            </a:pathLst>
+          </a:custGeom>
+          <a:noFill/>
           <a:ln>
             <a:solidFill>
               <a:srgbClr val="000000"/>
             </a:solidFill>
           </a:ln>
         </p:spPr>
-      </p:cxnSp>
+        <p:style>
+          <a:lnRef idx="0"/>
+          <a:fillRef idx="0"/>
+          <a:effectRef idx="0"/>
+          <a:fontRef idx="minor"/>
+        </p:style>
+      </p:sp>
+      <p:sp>
+        <p:nvSpPr>
+          <p:cNvPr id="55" name="CustomShape 18"/>
+          <p:cNvSpPr/>
+          <p:nvPr/>
+        </p:nvSpPr>
+        <p:spPr>
+          <a:xfrm>
+            <a:off x="5852160" y="1513080"/>
+            <a:ext cx="1919160" cy="314640"/>
+          </a:xfrm>
+          <a:prstGeom prst="rect">
+            <a:avLst/>
+          </a:prstGeom>
+          <a:noFill/>
+          <a:ln>
+            <a:noFill/>
+          </a:ln>
+        </p:spPr>
+        <p:style>
+          <a:lnRef idx="0"/>
+          <a:fillRef idx="0"/>
+          <a:effectRef idx="0"/>
+          <a:fontRef idx="minor"/>
+        </p:style>
+        <p:txBody>
+          <a:bodyPr lIns="90000" rIns="90000" tIns="45000" bIns="45000"/>
+          <a:p>
+            <a:pPr>
+              <a:lnSpc>
+                <a:spcPct val="100000"/>
+              </a:lnSpc>
+            </a:pPr>
+            <a:r>
+              <a:rPr b="0" lang="en-US" sz="1400" spc="-1" strike="noStrike">
+                <a:solidFill>
+                  <a:srgbClr val="000000"/>
+                </a:solidFill>
+                <a:latin typeface="Arial"/>
+                <a:ea typeface="DejaVu Sans"/>
+              </a:rPr>
+              <a:t>MspSensor</a:t>
+            </a:r>
+            <a:endParaRPr b="0" lang="en-US" sz="1400" spc="-1" strike="noStrike">
+              <a:latin typeface="Arial"/>
+            </a:endParaRPr>
+          </a:p>
+        </p:txBody>
+      </p:sp>
+      <p:sp>
+        <p:nvSpPr>
+          <p:cNvPr id="56" name="CustomShape 19"/>
+          <p:cNvSpPr/>
+          <p:nvPr/>
+        </p:nvSpPr>
+        <p:spPr>
+          <a:xfrm>
+            <a:off x="4656960" y="772560"/>
+            <a:ext cx="2018160" cy="781920"/>
+          </a:xfrm>
+          <a:custGeom>
+            <a:avLst/>
+            <a:gdLst/>
+            <a:ahLst/>
+            <a:rect l="l" t="t" r="r" b="b"/>
+            <a:pathLst>
+              <a:path w="21600" h="21600">
+                <a:moveTo>
+                  <a:pt x="0" y="0"/>
+                </a:moveTo>
+                <a:lnTo>
+                  <a:pt x="21600" y="21600"/>
+                </a:lnTo>
+              </a:path>
+            </a:pathLst>
+          </a:custGeom>
+          <a:noFill/>
+          <a:ln>
+            <a:solidFill>
+              <a:srgbClr val="000000"/>
+            </a:solidFill>
+          </a:ln>
+        </p:spPr>
+        <p:style>
+          <a:lnRef idx="0"/>
+          <a:fillRef idx="0"/>
+          <a:effectRef idx="0"/>
+          <a:fontRef idx="minor"/>
+        </p:style>
+      </p:sp>
+      <p:sp>
+        <p:nvSpPr>
+          <p:cNvPr id="57" name="CustomShape 20"/>
+          <p:cNvSpPr/>
+          <p:nvPr/>
+        </p:nvSpPr>
+        <p:spPr>
+          <a:xfrm>
+            <a:off x="4784400" y="1670760"/>
+            <a:ext cx="737280" cy="360"/>
+          </a:xfrm>
+          <a:custGeom>
+            <a:avLst/>
+            <a:gdLst/>
+            <a:ahLst/>
+            <a:rect l="l" t="t" r="r" b="b"/>
+            <a:pathLst>
+              <a:path w="21600" h="21600">
+                <a:moveTo>
+                  <a:pt x="0" y="0"/>
+                </a:moveTo>
+                <a:lnTo>
+                  <a:pt x="21600" y="21600"/>
+                </a:lnTo>
+              </a:path>
+            </a:pathLst>
+          </a:custGeom>
+          <a:noFill/>
+          <a:ln>
+            <a:solidFill>
+              <a:srgbClr val="000000"/>
+            </a:solidFill>
+            <a:headEnd len="med" type="triangle" w="med"/>
+            <a:tailEnd len="med" type="triangle" w="med"/>
+          </a:ln>
+        </p:spPr>
+        <p:style>
+          <a:lnRef idx="0"/>
+          <a:fillRef idx="0"/>
+          <a:effectRef idx="0"/>
+          <a:fontRef idx="minor"/>
+        </p:style>
+      </p:sp>
+      <p:sp>
+        <p:nvSpPr>
+          <p:cNvPr id="58" name="CustomShape 21"/>
+          <p:cNvSpPr/>
+          <p:nvPr/>
+        </p:nvSpPr>
+        <p:spPr>
+          <a:xfrm flipH="1">
+            <a:off x="6417000" y="1827720"/>
+            <a:ext cx="360" cy="458640"/>
+          </a:xfrm>
+          <a:custGeom>
+            <a:avLst/>
+            <a:gdLst/>
+            <a:ahLst/>
+            <a:rect l="l" t="t" r="r" b="b"/>
+            <a:pathLst>
+              <a:path w="21600" h="21600">
+                <a:moveTo>
+                  <a:pt x="0" y="0"/>
+                </a:moveTo>
+                <a:lnTo>
+                  <a:pt x="21600" y="21600"/>
+                </a:lnTo>
+              </a:path>
+            </a:pathLst>
+          </a:custGeom>
+          <a:noFill/>
+          <a:ln>
+            <a:solidFill>
+              <a:srgbClr val="000000"/>
+            </a:solidFill>
+          </a:ln>
+        </p:spPr>
+        <p:style>
+          <a:lnRef idx="0"/>
+          <a:fillRef idx="0"/>
+          <a:effectRef idx="0"/>
+          <a:fontRef idx="minor"/>
+        </p:style>
+      </p:sp>
+      <p:sp>
+        <p:nvSpPr>
+          <p:cNvPr id="59" name="CustomShape 22"/>
+          <p:cNvSpPr/>
+          <p:nvPr/>
+        </p:nvSpPr>
+        <p:spPr>
+          <a:xfrm>
+            <a:off x="5801760" y="2286000"/>
+            <a:ext cx="1513440" cy="314640"/>
+          </a:xfrm>
+          <a:prstGeom prst="rect">
+            <a:avLst/>
+          </a:prstGeom>
+          <a:noFill/>
+          <a:ln>
+            <a:noFill/>
+          </a:ln>
+        </p:spPr>
+        <p:style>
+          <a:lnRef idx="0"/>
+          <a:fillRef idx="0"/>
+          <a:effectRef idx="0"/>
+          <a:fontRef idx="minor"/>
+        </p:style>
+        <p:txBody>
+          <a:bodyPr lIns="90000" rIns="90000" tIns="45000" bIns="45000"/>
+          <a:p>
+            <a:pPr>
+              <a:lnSpc>
+                <a:spcPct val="100000"/>
+              </a:lnSpc>
+            </a:pPr>
+            <a:r>
+              <a:rPr b="0" lang="en-US" sz="1400" spc="-1" strike="noStrike">
+                <a:solidFill>
+                  <a:srgbClr val="000000"/>
+                </a:solidFill>
+                <a:latin typeface="Arial"/>
+                <a:ea typeface="DejaVu Sans"/>
+              </a:rPr>
+              <a:t>RangeAndFlow</a:t>
+            </a:r>
+            <a:endParaRPr b="0" lang="en-US" sz="1400" spc="-1" strike="noStrike">
+              <a:latin typeface="Arial"/>
+            </a:endParaRPr>
+          </a:p>
+        </p:txBody>
+      </p:sp>
     </p:spTree>
   </p:cSld>
   <p:timing>
@@ -2267,7 +2614,7 @@
         <p:cTn id="1" dur="indefinite" restart="never" nodeType="tmRoot">
           <p:childTnLst>
             <p:seq>
-              <p:cTn id="2" nodeType="mainSeq"/>
+              <p:cTn id="2" dur="indefinite" nodeType="mainSeq"/>
               <p:prevCondLst>
                 <p:cond delay="0" evt="onPrev">
                   <p:tgtEl>
@@ -2302,31 +2649,31 @@
         <a:sysClr val="window" lastClr="FFFFFF"/>
       </a:lt1>
       <a:dk2>
-        <a:srgbClr val="1F497D"/>
+        <a:srgbClr val="1f497d"/>
       </a:dk2>
       <a:lt2>
-        <a:srgbClr val="EEECE1"/>
+        <a:srgbClr val="eeece1"/>
       </a:lt2>
       <a:accent1>
-        <a:srgbClr val="4F81BD"/>
+        <a:srgbClr val="4f81bd"/>
       </a:accent1>
       <a:accent2>
-        <a:srgbClr val="C0504D"/>
+        <a:srgbClr val="c0504d"/>
       </a:accent2>
       <a:accent3>
-        <a:srgbClr val="9BBB59"/>
+        <a:srgbClr val="9bbb59"/>
       </a:accent3>
       <a:accent4>
-        <a:srgbClr val="8064A2"/>
+        <a:srgbClr val="8064a2"/>
       </a:accent4>
       <a:accent5>
-        <a:srgbClr val="4BACC6"/>
+        <a:srgbClr val="4bacc6"/>
       </a:accent5>
       <a:accent6>
-        <a:srgbClr val="F79646"/>
+        <a:srgbClr val="f79646"/>
       </a:accent6>
       <a:hlink>
-        <a:srgbClr val="0000FF"/>
+        <a:srgbClr val="0000ff"/>
       </a:hlink>
       <a:folHlink>
         <a:srgbClr val="800080"/>

--- a/extras/media/sensors.pptx
+++ b/extras/media/sensors.pptx
@@ -53,7 +53,7 @@
       </p:grpSpPr>
       <p:sp>
         <p:nvSpPr>
-          <p:cNvPr id="23" name="PlaceHolder 1"/>
+          <p:cNvPr id="21" name="PlaceHolder 1"/>
           <p:cNvSpPr>
             <a:spLocks noGrp="1"/>
           </p:cNvSpPr>
@@ -82,7 +82,7 @@
       </p:sp>
       <p:sp>
         <p:nvSpPr>
-          <p:cNvPr id="24" name="PlaceHolder 2"/>
+          <p:cNvPr id="22" name="PlaceHolder 2"/>
           <p:cNvSpPr>
             <a:spLocks noGrp="1"/>
           </p:cNvSpPr>
@@ -112,7 +112,7 @@
       </p:sp>
       <p:sp>
         <p:nvSpPr>
-          <p:cNvPr id="25" name="PlaceHolder 3"/>
+          <p:cNvPr id="23" name="PlaceHolder 3"/>
           <p:cNvSpPr>
             <a:spLocks noGrp="1"/>
           </p:cNvSpPr>
@@ -164,7 +164,7 @@
       </p:grpSpPr>
       <p:sp>
         <p:nvSpPr>
-          <p:cNvPr id="26" name="PlaceHolder 1"/>
+          <p:cNvPr id="24" name="PlaceHolder 1"/>
           <p:cNvSpPr>
             <a:spLocks noGrp="1"/>
           </p:cNvSpPr>
@@ -193,7 +193,7 @@
       </p:sp>
       <p:sp>
         <p:nvSpPr>
-          <p:cNvPr id="27" name="PlaceHolder 2"/>
+          <p:cNvPr id="25" name="PlaceHolder 2"/>
           <p:cNvSpPr>
             <a:spLocks noGrp="1"/>
           </p:cNvSpPr>
@@ -223,7 +223,7 @@
       </p:sp>
       <p:sp>
         <p:nvSpPr>
-          <p:cNvPr id="28" name="PlaceHolder 3"/>
+          <p:cNvPr id="26" name="PlaceHolder 3"/>
           <p:cNvSpPr>
             <a:spLocks noGrp="1"/>
           </p:cNvSpPr>
@@ -253,7 +253,7 @@
       </p:sp>
       <p:sp>
         <p:nvSpPr>
-          <p:cNvPr id="29" name="PlaceHolder 4"/>
+          <p:cNvPr id="27" name="PlaceHolder 4"/>
           <p:cNvSpPr>
             <a:spLocks noGrp="1"/>
           </p:cNvSpPr>
@@ -283,7 +283,7 @@
       </p:sp>
       <p:sp>
         <p:nvSpPr>
-          <p:cNvPr id="30" name="PlaceHolder 5"/>
+          <p:cNvPr id="28" name="PlaceHolder 5"/>
           <p:cNvSpPr>
             <a:spLocks noGrp="1"/>
           </p:cNvSpPr>
@@ -335,7 +335,7 @@
       </p:grpSpPr>
       <p:sp>
         <p:nvSpPr>
-          <p:cNvPr id="31" name="PlaceHolder 1"/>
+          <p:cNvPr id="29" name="PlaceHolder 1"/>
           <p:cNvSpPr>
             <a:spLocks noGrp="1"/>
           </p:cNvSpPr>
@@ -364,7 +364,7 @@
       </p:sp>
       <p:sp>
         <p:nvSpPr>
-          <p:cNvPr id="32" name="PlaceHolder 2"/>
+          <p:cNvPr id="30" name="PlaceHolder 2"/>
           <p:cNvSpPr>
             <a:spLocks noGrp="1"/>
           </p:cNvSpPr>
@@ -394,7 +394,7 @@
       </p:sp>
       <p:sp>
         <p:nvSpPr>
-          <p:cNvPr id="33" name="PlaceHolder 3"/>
+          <p:cNvPr id="31" name="PlaceHolder 3"/>
           <p:cNvSpPr>
             <a:spLocks noGrp="1"/>
           </p:cNvSpPr>
@@ -424,7 +424,7 @@
       </p:sp>
       <p:sp>
         <p:nvSpPr>
-          <p:cNvPr id="34" name="PlaceHolder 4"/>
+          <p:cNvPr id="32" name="PlaceHolder 4"/>
           <p:cNvSpPr>
             <a:spLocks noGrp="1"/>
           </p:cNvSpPr>
@@ -454,7 +454,7 @@
       </p:sp>
       <p:sp>
         <p:nvSpPr>
-          <p:cNvPr id="35" name="PlaceHolder 5"/>
+          <p:cNvPr id="33" name="PlaceHolder 5"/>
           <p:cNvSpPr>
             <a:spLocks noGrp="1"/>
           </p:cNvSpPr>
@@ -484,7 +484,7 @@
       </p:sp>
       <p:sp>
         <p:nvSpPr>
-          <p:cNvPr id="36" name="PlaceHolder 6"/>
+          <p:cNvPr id="34" name="PlaceHolder 6"/>
           <p:cNvSpPr>
             <a:spLocks noGrp="1"/>
           </p:cNvSpPr>
@@ -514,7 +514,7 @@
       </p:sp>
       <p:sp>
         <p:nvSpPr>
-          <p:cNvPr id="37" name="PlaceHolder 7"/>
+          <p:cNvPr id="35" name="PlaceHolder 7"/>
           <p:cNvSpPr>
             <a:spLocks noGrp="1"/>
           </p:cNvSpPr>
@@ -566,7 +566,7 @@
       </p:grpSpPr>
       <p:sp>
         <p:nvSpPr>
-          <p:cNvPr id="2" name="PlaceHolder 1"/>
+          <p:cNvPr id="0" name="PlaceHolder 1"/>
           <p:cNvSpPr>
             <a:spLocks noGrp="1"/>
           </p:cNvSpPr>
@@ -595,7 +595,7 @@
       </p:sp>
       <p:sp>
         <p:nvSpPr>
-          <p:cNvPr id="3" name="PlaceHolder 2"/>
+          <p:cNvPr id="1" name="PlaceHolder 2"/>
           <p:cNvSpPr>
             <a:spLocks noGrp="1"/>
           </p:cNvSpPr>
@@ -646,7 +646,7 @@
       </p:grpSpPr>
       <p:sp>
         <p:nvSpPr>
-          <p:cNvPr id="4" name="PlaceHolder 1"/>
+          <p:cNvPr id="2" name="PlaceHolder 1"/>
           <p:cNvSpPr>
             <a:spLocks noGrp="1"/>
           </p:cNvSpPr>
@@ -675,7 +675,7 @@
       </p:sp>
       <p:sp>
         <p:nvSpPr>
-          <p:cNvPr id="5" name="PlaceHolder 2"/>
+          <p:cNvPr id="3" name="PlaceHolder 2"/>
           <p:cNvSpPr>
             <a:spLocks noGrp="1"/>
           </p:cNvSpPr>
@@ -727,7 +727,7 @@
       </p:grpSpPr>
       <p:sp>
         <p:nvSpPr>
-          <p:cNvPr id="6" name="PlaceHolder 1"/>
+          <p:cNvPr id="4" name="PlaceHolder 1"/>
           <p:cNvSpPr>
             <a:spLocks noGrp="1"/>
           </p:cNvSpPr>
@@ -756,7 +756,7 @@
       </p:sp>
       <p:sp>
         <p:nvSpPr>
-          <p:cNvPr id="7" name="PlaceHolder 2"/>
+          <p:cNvPr id="5" name="PlaceHolder 2"/>
           <p:cNvSpPr>
             <a:spLocks noGrp="1"/>
           </p:cNvSpPr>
@@ -786,7 +786,7 @@
       </p:sp>
       <p:sp>
         <p:nvSpPr>
-          <p:cNvPr id="8" name="PlaceHolder 3"/>
+          <p:cNvPr id="6" name="PlaceHolder 3"/>
           <p:cNvSpPr>
             <a:spLocks noGrp="1"/>
           </p:cNvSpPr>
@@ -838,7 +838,7 @@
       </p:grpSpPr>
       <p:sp>
         <p:nvSpPr>
-          <p:cNvPr id="9" name="PlaceHolder 1"/>
+          <p:cNvPr id="7" name="PlaceHolder 1"/>
           <p:cNvSpPr>
             <a:spLocks noGrp="1"/>
           </p:cNvSpPr>
@@ -889,7 +889,7 @@
       </p:grpSpPr>
       <p:sp>
         <p:nvSpPr>
-          <p:cNvPr id="10" name="PlaceHolder 1"/>
+          <p:cNvPr id="8" name="PlaceHolder 1"/>
           <p:cNvSpPr>
             <a:spLocks noGrp="1"/>
           </p:cNvSpPr>
@@ -940,7 +940,7 @@
       </p:grpSpPr>
       <p:sp>
         <p:nvSpPr>
-          <p:cNvPr id="11" name="PlaceHolder 1"/>
+          <p:cNvPr id="9" name="PlaceHolder 1"/>
           <p:cNvSpPr>
             <a:spLocks noGrp="1"/>
           </p:cNvSpPr>
@@ -969,7 +969,7 @@
       </p:sp>
       <p:sp>
         <p:nvSpPr>
-          <p:cNvPr id="12" name="PlaceHolder 2"/>
+          <p:cNvPr id="10" name="PlaceHolder 2"/>
           <p:cNvSpPr>
             <a:spLocks noGrp="1"/>
           </p:cNvSpPr>
@@ -999,7 +999,7 @@
       </p:sp>
       <p:sp>
         <p:nvSpPr>
-          <p:cNvPr id="13" name="PlaceHolder 3"/>
+          <p:cNvPr id="11" name="PlaceHolder 3"/>
           <p:cNvSpPr>
             <a:spLocks noGrp="1"/>
           </p:cNvSpPr>
@@ -1029,7 +1029,7 @@
       </p:sp>
       <p:sp>
         <p:nvSpPr>
-          <p:cNvPr id="14" name="PlaceHolder 4"/>
+          <p:cNvPr id="12" name="PlaceHolder 4"/>
           <p:cNvSpPr>
             <a:spLocks noGrp="1"/>
           </p:cNvSpPr>
@@ -1081,7 +1081,7 @@
       </p:grpSpPr>
       <p:sp>
         <p:nvSpPr>
-          <p:cNvPr id="15" name="PlaceHolder 1"/>
+          <p:cNvPr id="13" name="PlaceHolder 1"/>
           <p:cNvSpPr>
             <a:spLocks noGrp="1"/>
           </p:cNvSpPr>
@@ -1110,7 +1110,7 @@
       </p:sp>
       <p:sp>
         <p:nvSpPr>
-          <p:cNvPr id="16" name="PlaceHolder 2"/>
+          <p:cNvPr id="14" name="PlaceHolder 2"/>
           <p:cNvSpPr>
             <a:spLocks noGrp="1"/>
           </p:cNvSpPr>
@@ -1140,7 +1140,7 @@
       </p:sp>
       <p:sp>
         <p:nvSpPr>
-          <p:cNvPr id="17" name="PlaceHolder 3"/>
+          <p:cNvPr id="15" name="PlaceHolder 3"/>
           <p:cNvSpPr>
             <a:spLocks noGrp="1"/>
           </p:cNvSpPr>
@@ -1170,7 +1170,7 @@
       </p:sp>
       <p:sp>
         <p:nvSpPr>
-          <p:cNvPr id="18" name="PlaceHolder 4"/>
+          <p:cNvPr id="16" name="PlaceHolder 4"/>
           <p:cNvSpPr>
             <a:spLocks noGrp="1"/>
           </p:cNvSpPr>
@@ -1222,7 +1222,7 @@
       </p:grpSpPr>
       <p:sp>
         <p:nvSpPr>
-          <p:cNvPr id="19" name="PlaceHolder 1"/>
+          <p:cNvPr id="17" name="PlaceHolder 1"/>
           <p:cNvSpPr>
             <a:spLocks noGrp="1"/>
           </p:cNvSpPr>
@@ -1251,7 +1251,7 @@
       </p:sp>
       <p:sp>
         <p:nvSpPr>
-          <p:cNvPr id="20" name="PlaceHolder 2"/>
+          <p:cNvPr id="18" name="PlaceHolder 2"/>
           <p:cNvSpPr>
             <a:spLocks noGrp="1"/>
           </p:cNvSpPr>
@@ -1281,7 +1281,7 @@
       </p:sp>
       <p:sp>
         <p:nvSpPr>
-          <p:cNvPr id="21" name="PlaceHolder 3"/>
+          <p:cNvPr id="19" name="PlaceHolder 3"/>
           <p:cNvSpPr>
             <a:spLocks noGrp="1"/>
           </p:cNvSpPr>
@@ -1311,7 +1311,7 @@
       </p:sp>
       <p:sp>
         <p:nvSpPr>
-          <p:cNvPr id="22" name="PlaceHolder 4"/>
+          <p:cNvPr id="20" name="PlaceHolder 4"/>
           <p:cNvSpPr>
             <a:spLocks noGrp="1"/>
           </p:cNvSpPr>
@@ -1361,220 +1361,6 @@
           <a:chExt cx="0" cy="0"/>
         </a:xfrm>
       </p:grpSpPr>
-      <p:sp>
-        <p:nvSpPr>
-          <p:cNvPr id="0" name="PlaceHolder 1"/>
-          <p:cNvSpPr>
-            <a:spLocks noGrp="1"/>
-          </p:cNvSpPr>
-          <p:nvPr>
-            <p:ph type="title"/>
-          </p:nvPr>
-        </p:nvSpPr>
-        <p:spPr>
-          <a:xfrm>
-            <a:off x="504000" y="301320"/>
-            <a:ext cx="9072000" cy="1261800"/>
-          </a:xfrm>
-          <a:prstGeom prst="rect">
-            <a:avLst/>
-          </a:prstGeom>
-        </p:spPr>
-        <p:txBody>
-          <a:bodyPr lIns="0" rIns="0" tIns="0" bIns="0" anchor="ctr"/>
-          <a:p>
-            <a:pPr algn="ctr"/>
-            <a:r>
-              <a:rPr b="0" lang="en-US" sz="4400" spc="-1" strike="noStrike">
-                <a:latin typeface="Arial"/>
-              </a:rPr>
-              <a:t>Click to edit the title text format</a:t>
-            </a:r>
-            <a:endParaRPr b="0" lang="en-US" sz="4400" spc="-1" strike="noStrike">
-              <a:latin typeface="Arial"/>
-            </a:endParaRPr>
-          </a:p>
-        </p:txBody>
-      </p:sp>
-      <p:sp>
-        <p:nvSpPr>
-          <p:cNvPr id="1" name="PlaceHolder 2"/>
-          <p:cNvSpPr>
-            <a:spLocks noGrp="1"/>
-          </p:cNvSpPr>
-          <p:nvPr>
-            <p:ph type="body"/>
-          </p:nvPr>
-        </p:nvSpPr>
-        <p:spPr>
-          <a:xfrm>
-            <a:off x="504000" y="1768680"/>
-            <a:ext cx="9072000" cy="4384080"/>
-          </a:xfrm>
-          <a:prstGeom prst="rect">
-            <a:avLst/>
-          </a:prstGeom>
-        </p:spPr>
-        <p:txBody>
-          <a:bodyPr lIns="0" rIns="0" tIns="0" bIns="0">
-            <a:normAutofit/>
-          </a:bodyPr>
-          <a:p>
-            <a:pPr marL="432000" indent="-324000">
-              <a:spcBef>
-                <a:spcPts val="1417"/>
-              </a:spcBef>
-              <a:buClr>
-                <a:srgbClr val="000000"/>
-              </a:buClr>
-              <a:buSzPct val="45000"/>
-              <a:buFont typeface="Wingdings" charset="2"/>
-              <a:buChar char=""/>
-            </a:pPr>
-            <a:r>
-              <a:rPr b="0" lang="en-US" sz="3200" spc="-1" strike="noStrike">
-                <a:latin typeface="Arial"/>
-              </a:rPr>
-              <a:t>Click to edit the outline text format</a:t>
-            </a:r>
-            <a:endParaRPr b="0" lang="en-US" sz="3200" spc="-1" strike="noStrike">
-              <a:latin typeface="Arial"/>
-            </a:endParaRPr>
-          </a:p>
-          <a:p>
-            <a:pPr lvl="1" marL="864000" indent="-324000">
-              <a:spcBef>
-                <a:spcPts val="1134"/>
-              </a:spcBef>
-              <a:buClr>
-                <a:srgbClr val="000000"/>
-              </a:buClr>
-              <a:buSzPct val="75000"/>
-              <a:buFont typeface="Symbol" charset="2"/>
-              <a:buChar char=""/>
-            </a:pPr>
-            <a:r>
-              <a:rPr b="0" lang="en-US" sz="2800" spc="-1" strike="noStrike">
-                <a:latin typeface="Arial"/>
-              </a:rPr>
-              <a:t>Second Outline Level</a:t>
-            </a:r>
-            <a:endParaRPr b="0" lang="en-US" sz="2800" spc="-1" strike="noStrike">
-              <a:latin typeface="Arial"/>
-            </a:endParaRPr>
-          </a:p>
-          <a:p>
-            <a:pPr lvl="2" marL="1296000" indent="-288000">
-              <a:spcBef>
-                <a:spcPts val="850"/>
-              </a:spcBef>
-              <a:buClr>
-                <a:srgbClr val="000000"/>
-              </a:buClr>
-              <a:buSzPct val="45000"/>
-              <a:buFont typeface="Wingdings" charset="2"/>
-              <a:buChar char=""/>
-            </a:pPr>
-            <a:r>
-              <a:rPr b="0" lang="en-US" sz="2400" spc="-1" strike="noStrike">
-                <a:latin typeface="Arial"/>
-              </a:rPr>
-              <a:t>Third Outline Level</a:t>
-            </a:r>
-            <a:endParaRPr b="0" lang="en-US" sz="2400" spc="-1" strike="noStrike">
-              <a:latin typeface="Arial"/>
-            </a:endParaRPr>
-          </a:p>
-          <a:p>
-            <a:pPr lvl="3" marL="1728000" indent="-216000">
-              <a:spcBef>
-                <a:spcPts val="567"/>
-              </a:spcBef>
-              <a:buClr>
-                <a:srgbClr val="000000"/>
-              </a:buClr>
-              <a:buSzPct val="75000"/>
-              <a:buFont typeface="Symbol" charset="2"/>
-              <a:buChar char=""/>
-            </a:pPr>
-            <a:r>
-              <a:rPr b="0" lang="en-US" sz="2000" spc="-1" strike="noStrike">
-                <a:latin typeface="Arial"/>
-              </a:rPr>
-              <a:t>Fourth Outline Level</a:t>
-            </a:r>
-            <a:endParaRPr b="0" lang="en-US" sz="2000" spc="-1" strike="noStrike">
-              <a:latin typeface="Arial"/>
-            </a:endParaRPr>
-          </a:p>
-          <a:p>
-            <a:pPr lvl="4" marL="2160000" indent="-216000">
-              <a:spcBef>
-                <a:spcPts val="283"/>
-              </a:spcBef>
-              <a:buClr>
-                <a:srgbClr val="000000"/>
-              </a:buClr>
-              <a:buSzPct val="45000"/>
-              <a:buFont typeface="Wingdings" charset="2"/>
-              <a:buChar char=""/>
-            </a:pPr>
-            <a:r>
-              <a:rPr b="0" lang="en-US" sz="2000" spc="-1" strike="noStrike">
-                <a:latin typeface="Arial"/>
-              </a:rPr>
-              <a:t>Fifth Outline Level</a:t>
-            </a:r>
-            <a:endParaRPr b="0" lang="en-US" sz="2000" spc="-1" strike="noStrike">
-              <a:latin typeface="Arial"/>
-            </a:endParaRPr>
-          </a:p>
-          <a:p>
-            <a:pPr lvl="5" marL="2592000" indent="-216000">
-              <a:spcBef>
-                <a:spcPts val="283"/>
-              </a:spcBef>
-              <a:buClr>
-                <a:srgbClr val="000000"/>
-              </a:buClr>
-              <a:buSzPct val="45000"/>
-              <a:buFont typeface="Wingdings" charset="2"/>
-              <a:buChar char=""/>
-            </a:pPr>
-            <a:r>
-              <a:rPr b="0" lang="en-US" sz="2000" spc="-1" strike="noStrike">
-                <a:latin typeface="Arial"/>
-              </a:rPr>
-              <a:t>Sixth Outline Level</a:t>
-            </a:r>
-            <a:endParaRPr b="0" lang="en-US" sz="2000" spc="-1" strike="noStrike">
-              <a:latin typeface="Arial"/>
-            </a:endParaRPr>
-          </a:p>
-          <a:p>
-            <a:pPr lvl="6" marL="3024000" indent="-216000">
-              <a:spcBef>
-                <a:spcPts val="283"/>
-              </a:spcBef>
-              <a:buClr>
-                <a:srgbClr val="000000"/>
-              </a:buClr>
-              <a:buSzPct val="45000"/>
-              <a:buFont typeface="Wingdings" charset="2"/>
-              <a:buChar char=""/>
-            </a:pPr>
-            <a:r>
-              <a:rPr b="0" lang="en-US" sz="2000" spc="-1" strike="noStrike">
-                <a:latin typeface="Arial"/>
-              </a:rPr>
-              <a:t>Seventh Outline Level</a:t>
-            </a:r>
-            <a:endParaRPr b="0" lang="en-US" sz="2000" spc="-1" strike="noStrike">
-              <a:latin typeface="Arial"/>
-            </a:endParaRPr>
-          </a:p>
-        </p:txBody>
-      </p:sp>
     </p:spTree>
   </p:cSld>
   <p:clrMap bg1="lt1" bg2="lt2" tx1="dk1" tx2="dk2" accent1="accent1" accent2="accent2" accent3="accent3" accent4="accent4" accent5="accent5" accent6="accent6" hlink="hlink" folHlink="folHlink"/>
@@ -1614,14 +1400,14 @@
       </p:grpSpPr>
       <p:sp>
         <p:nvSpPr>
-          <p:cNvPr id="38" name="CustomShape 1"/>
+          <p:cNvPr id="36" name="CustomShape 1"/>
           <p:cNvSpPr/>
           <p:nvPr/>
         </p:nvSpPr>
         <p:spPr>
           <a:xfrm>
             <a:off x="4195080" y="457200"/>
-            <a:ext cx="924480" cy="314640"/>
+            <a:ext cx="924120" cy="314280"/>
           </a:xfrm>
           <a:prstGeom prst="rect">
             <a:avLst/>
@@ -1663,14 +1449,14 @@
       </p:sp>
       <p:sp>
         <p:nvSpPr>
-          <p:cNvPr id="39" name="CustomShape 2"/>
+          <p:cNvPr id="37" name="CustomShape 2"/>
           <p:cNvSpPr/>
           <p:nvPr/>
         </p:nvSpPr>
         <p:spPr>
           <a:xfrm>
             <a:off x="1280160" y="1513080"/>
-            <a:ext cx="1919160" cy="314640"/>
+            <a:ext cx="1918800" cy="314280"/>
           </a:xfrm>
           <a:prstGeom prst="rect">
             <a:avLst/>
@@ -1712,14 +1498,14 @@
       </p:sp>
       <p:sp>
         <p:nvSpPr>
-          <p:cNvPr id="40" name="CustomShape 3"/>
+          <p:cNvPr id="38" name="CustomShape 3"/>
           <p:cNvSpPr/>
           <p:nvPr/>
         </p:nvSpPr>
         <p:spPr>
           <a:xfrm>
             <a:off x="113760" y="2286000"/>
-            <a:ext cx="1073880" cy="314640"/>
+            <a:ext cx="1073520" cy="314280"/>
           </a:xfrm>
           <a:prstGeom prst="rect">
             <a:avLst/>
@@ -1761,14 +1547,14 @@
       </p:sp>
       <p:sp>
         <p:nvSpPr>
-          <p:cNvPr id="41" name="CustomShape 4"/>
+          <p:cNvPr id="39" name="CustomShape 4"/>
           <p:cNvSpPr/>
           <p:nvPr/>
         </p:nvSpPr>
         <p:spPr>
           <a:xfrm>
             <a:off x="1121760" y="2286000"/>
-            <a:ext cx="1071720" cy="314640"/>
+            <a:ext cx="1071360" cy="314280"/>
           </a:xfrm>
           <a:prstGeom prst="rect">
             <a:avLst/>
@@ -1810,14 +1596,14 @@
       </p:sp>
       <p:sp>
         <p:nvSpPr>
-          <p:cNvPr id="42" name="CustomShape 5"/>
+          <p:cNvPr id="40" name="CustomShape 5"/>
           <p:cNvSpPr/>
           <p:nvPr/>
         </p:nvSpPr>
         <p:spPr>
           <a:xfrm>
             <a:off x="2129760" y="2286000"/>
-            <a:ext cx="1343880" cy="314640"/>
+            <a:ext cx="1343520" cy="314280"/>
           </a:xfrm>
           <a:prstGeom prst="rect">
             <a:avLst/>
@@ -1859,14 +1645,14 @@
       </p:sp>
       <p:sp>
         <p:nvSpPr>
-          <p:cNvPr id="43" name="CustomShape 6"/>
+          <p:cNvPr id="41" name="CustomShape 6"/>
           <p:cNvSpPr/>
           <p:nvPr/>
         </p:nvSpPr>
         <p:spPr>
           <a:xfrm>
             <a:off x="3389760" y="2286000"/>
-            <a:ext cx="1330920" cy="314640"/>
+            <a:ext cx="1330560" cy="314280"/>
           </a:xfrm>
           <a:prstGeom prst="rect">
             <a:avLst/>
@@ -1908,14 +1694,14 @@
       </p:sp>
       <p:sp>
         <p:nvSpPr>
-          <p:cNvPr id="44" name="CustomShape 7"/>
+          <p:cNvPr id="42" name="CustomShape 7"/>
           <p:cNvSpPr/>
           <p:nvPr/>
         </p:nvSpPr>
         <p:spPr>
           <a:xfrm>
             <a:off x="4721760" y="2286000"/>
-            <a:ext cx="1037880" cy="314640"/>
+            <a:ext cx="1037520" cy="314280"/>
           </a:xfrm>
           <a:prstGeom prst="rect">
             <a:avLst/>
@@ -1957,14 +1743,14 @@
       </p:sp>
       <p:sp>
         <p:nvSpPr>
-          <p:cNvPr id="45" name="CustomShape 8"/>
+          <p:cNvPr id="43" name="CustomShape 8"/>
           <p:cNvSpPr/>
           <p:nvPr/>
         </p:nvSpPr>
         <p:spPr>
           <a:xfrm>
-            <a:off x="7868520" y="1508760"/>
-            <a:ext cx="1473120" cy="314640"/>
+            <a:off x="6284520" y="1508760"/>
+            <a:ext cx="1472760" cy="314280"/>
           </a:xfrm>
           <a:prstGeom prst="rect">
             <a:avLst/>
@@ -2006,106 +1792,14 @@
       </p:sp>
       <p:sp>
         <p:nvSpPr>
-          <p:cNvPr id="46" name="CustomShape 9"/>
+          <p:cNvPr id="44" name="CustomShape 9"/>
           <p:cNvSpPr/>
           <p:nvPr/>
         </p:nvSpPr>
         <p:spPr>
-          <a:xfrm>
-            <a:off x="3937680" y="1513080"/>
-            <a:ext cx="724680" cy="314640"/>
-          </a:xfrm>
-          <a:prstGeom prst="rect">
-            <a:avLst/>
-          </a:prstGeom>
-          <a:noFill/>
-          <a:ln>
-            <a:noFill/>
-          </a:ln>
-        </p:spPr>
-        <p:style>
-          <a:lnRef idx="0"/>
-          <a:fillRef idx="0"/>
-          <a:effectRef idx="0"/>
-          <a:fontRef idx="minor"/>
-        </p:style>
-        <p:txBody>
-          <a:bodyPr lIns="90000" rIns="90000" tIns="45000" bIns="45000"/>
-          <a:p>
-            <a:pPr>
-              <a:lnSpc>
-                <a:spcPct val="100000"/>
-              </a:lnSpc>
-            </a:pPr>
-            <a:r>
-              <a:rPr b="0" lang="en-US" sz="1400" spc="-1" strike="noStrike">
-                <a:solidFill>
-                  <a:srgbClr val="000000"/>
-                </a:solidFill>
-                <a:latin typeface="Arial"/>
-                <a:ea typeface="DejaVu Sans"/>
-              </a:rPr>
-              <a:t>Board</a:t>
-            </a:r>
-            <a:endParaRPr b="0" lang="en-US" sz="1400" spc="-1" strike="noStrike">
-              <a:latin typeface="Arial"/>
-            </a:endParaRPr>
-          </a:p>
-        </p:txBody>
-      </p:sp>
-      <p:sp>
-        <p:nvSpPr>
-          <p:cNvPr id="47" name="CustomShape 10"/>
-          <p:cNvSpPr/>
-          <p:nvPr/>
-        </p:nvSpPr>
-        <p:spPr>
-          <a:xfrm>
-            <a:off x="3200040" y="1670760"/>
-            <a:ext cx="737280" cy="360"/>
-          </a:xfrm>
-          <a:custGeom>
-            <a:avLst/>
-            <a:gdLst/>
-            <a:ahLst/>
-            <a:rect l="l" t="t" r="r" b="b"/>
-            <a:pathLst>
-              <a:path w="21600" h="21600">
-                <a:moveTo>
-                  <a:pt x="0" y="0"/>
-                </a:moveTo>
-                <a:lnTo>
-                  <a:pt x="21600" y="21600"/>
-                </a:lnTo>
-              </a:path>
-            </a:pathLst>
-          </a:custGeom>
-          <a:noFill/>
-          <a:ln>
-            <a:solidFill>
-              <a:srgbClr val="000000"/>
-            </a:solidFill>
-            <a:headEnd len="med" type="triangle" w="med"/>
-            <a:tailEnd len="med" type="triangle" w="med"/>
-          </a:ln>
-        </p:spPr>
-        <p:style>
-          <a:lnRef idx="0"/>
-          <a:fillRef idx="0"/>
-          <a:effectRef idx="0"/>
-          <a:fontRef idx="minor"/>
-        </p:style>
-      </p:sp>
-      <p:sp>
-        <p:nvSpPr>
-          <p:cNvPr id="48" name="CustomShape 11"/>
-          <p:cNvSpPr/>
-          <p:nvPr/>
-        </p:nvSpPr>
-        <p:spPr>
           <a:xfrm flipH="1">
             <a:off x="2239200" y="772200"/>
-            <a:ext cx="2417400" cy="740880"/>
+            <a:ext cx="2417040" cy="740520"/>
           </a:xfrm>
           <a:custGeom>
             <a:avLst/>
@@ -2139,14 +1833,14 @@
       </p:sp>
       <p:sp>
         <p:nvSpPr>
-          <p:cNvPr id="49" name="CustomShape 12"/>
+          <p:cNvPr id="45" name="CustomShape 10"/>
           <p:cNvSpPr/>
           <p:nvPr/>
         </p:nvSpPr>
         <p:spPr>
-          <a:xfrm>
-            <a:off x="4657680" y="772200"/>
-            <a:ext cx="3846240" cy="782280"/>
+          <a:xfrm flipH="1">
+            <a:off x="650160" y="1828080"/>
+            <a:ext cx="1588680" cy="457560"/>
           </a:xfrm>
           <a:custGeom>
             <a:avLst/>
@@ -2180,14 +1874,14 @@
       </p:sp>
       <p:sp>
         <p:nvSpPr>
-          <p:cNvPr id="50" name="CustomShape 13"/>
+          <p:cNvPr id="46" name="CustomShape 11"/>
           <p:cNvSpPr/>
           <p:nvPr/>
         </p:nvSpPr>
         <p:spPr>
           <a:xfrm flipH="1">
-            <a:off x="650880" y="1828080"/>
-            <a:ext cx="1589040" cy="457920"/>
+            <a:off x="1657080" y="1828080"/>
+            <a:ext cx="581760" cy="457560"/>
           </a:xfrm>
           <a:custGeom>
             <a:avLst/>
@@ -2221,14 +1915,14 @@
       </p:sp>
       <p:sp>
         <p:nvSpPr>
-          <p:cNvPr id="51" name="CustomShape 14"/>
+          <p:cNvPr id="47" name="CustomShape 12"/>
           <p:cNvSpPr/>
           <p:nvPr/>
         </p:nvSpPr>
         <p:spPr>
-          <a:xfrm flipH="1">
-            <a:off x="1657080" y="1828080"/>
-            <a:ext cx="582120" cy="457920"/>
+          <a:xfrm>
+            <a:off x="2240280" y="1828080"/>
+            <a:ext cx="561240" cy="457560"/>
           </a:xfrm>
           <a:custGeom>
             <a:avLst/>
@@ -2262,14 +1956,14 @@
       </p:sp>
       <p:sp>
         <p:nvSpPr>
-          <p:cNvPr id="52" name="CustomShape 15"/>
+          <p:cNvPr id="48" name="CustomShape 13"/>
           <p:cNvSpPr/>
           <p:nvPr/>
         </p:nvSpPr>
         <p:spPr>
           <a:xfrm>
             <a:off x="2240280" y="1828080"/>
-            <a:ext cx="561600" cy="457920"/>
+            <a:ext cx="1814760" cy="457560"/>
           </a:xfrm>
           <a:custGeom>
             <a:avLst/>
@@ -2303,14 +1997,14 @@
       </p:sp>
       <p:sp>
         <p:nvSpPr>
-          <p:cNvPr id="53" name="CustomShape 16"/>
+          <p:cNvPr id="49" name="CustomShape 14"/>
           <p:cNvSpPr/>
           <p:nvPr/>
         </p:nvSpPr>
         <p:spPr>
           <a:xfrm>
             <a:off x="2240280" y="1828080"/>
-            <a:ext cx="1815120" cy="457920"/>
+            <a:ext cx="3000240" cy="457560"/>
           </a:xfrm>
           <a:custGeom>
             <a:avLst/>
@@ -2342,270 +2036,30 @@
           <a:fontRef idx="minor"/>
         </p:style>
       </p:sp>
-      <p:sp>
-        <p:nvSpPr>
-          <p:cNvPr id="54" name="CustomShape 17"/>
-          <p:cNvSpPr/>
+      <p:cxnSp>
+        <p:nvCxnSpPr>
+          <p:cNvPr id="50" name="Line 15"/>
+          <p:cNvCxnSpPr>
+            <a:stCxn id="36" idx="2"/>
+            <a:endCxn id="43" idx="0"/>
+          </p:cNvCxnSpPr>
           <p:nvPr/>
-        </p:nvSpPr>
-        <p:spPr>
-          <a:xfrm>
-            <a:off x="2240280" y="1828080"/>
-            <a:ext cx="3000600" cy="457920"/>
-          </a:xfrm>
-          <a:custGeom>
-            <a:avLst/>
-            <a:gdLst/>
-            <a:ahLst/>
-            <a:rect l="l" t="t" r="r" b="b"/>
-            <a:pathLst>
-              <a:path w="21600" h="21600">
-                <a:moveTo>
-                  <a:pt x="0" y="0"/>
-                </a:moveTo>
-                <a:lnTo>
-                  <a:pt x="21600" y="21600"/>
-                </a:lnTo>
-              </a:path>
-            </a:pathLst>
-          </a:custGeom>
-          <a:noFill/>
+        </p:nvCxnSpPr>
+        <p:spPr>
+          <a:xfrm>
+            <a:off x="4656960" y="771480"/>
+            <a:ext cx="2364120" cy="737640"/>
+          </a:xfrm>
+          <a:prstGeom prst="straightConnector1">
+            <a:avLst/>
+          </a:prstGeom>
           <a:ln>
             <a:solidFill>
               <a:srgbClr val="000000"/>
             </a:solidFill>
           </a:ln>
         </p:spPr>
-        <p:style>
-          <a:lnRef idx="0"/>
-          <a:fillRef idx="0"/>
-          <a:effectRef idx="0"/>
-          <a:fontRef idx="minor"/>
-        </p:style>
-      </p:sp>
-      <p:sp>
-        <p:nvSpPr>
-          <p:cNvPr id="55" name="CustomShape 18"/>
-          <p:cNvSpPr/>
-          <p:nvPr/>
-        </p:nvSpPr>
-        <p:spPr>
-          <a:xfrm>
-            <a:off x="5852160" y="1513080"/>
-            <a:ext cx="1919160" cy="314640"/>
-          </a:xfrm>
-          <a:prstGeom prst="rect">
-            <a:avLst/>
-          </a:prstGeom>
-          <a:noFill/>
-          <a:ln>
-            <a:noFill/>
-          </a:ln>
-        </p:spPr>
-        <p:style>
-          <a:lnRef idx="0"/>
-          <a:fillRef idx="0"/>
-          <a:effectRef idx="0"/>
-          <a:fontRef idx="minor"/>
-        </p:style>
-        <p:txBody>
-          <a:bodyPr lIns="90000" rIns="90000" tIns="45000" bIns="45000"/>
-          <a:p>
-            <a:pPr>
-              <a:lnSpc>
-                <a:spcPct val="100000"/>
-              </a:lnSpc>
-            </a:pPr>
-            <a:r>
-              <a:rPr b="0" lang="en-US" sz="1400" spc="-1" strike="noStrike">
-                <a:solidFill>
-                  <a:srgbClr val="000000"/>
-                </a:solidFill>
-                <a:latin typeface="Arial"/>
-                <a:ea typeface="DejaVu Sans"/>
-              </a:rPr>
-              <a:t>MspSensor</a:t>
-            </a:r>
-            <a:endParaRPr b="0" lang="en-US" sz="1400" spc="-1" strike="noStrike">
-              <a:latin typeface="Arial"/>
-            </a:endParaRPr>
-          </a:p>
-        </p:txBody>
-      </p:sp>
-      <p:sp>
-        <p:nvSpPr>
-          <p:cNvPr id="56" name="CustomShape 19"/>
-          <p:cNvSpPr/>
-          <p:nvPr/>
-        </p:nvSpPr>
-        <p:spPr>
-          <a:xfrm>
-            <a:off x="4656960" y="772560"/>
-            <a:ext cx="2018160" cy="781920"/>
-          </a:xfrm>
-          <a:custGeom>
-            <a:avLst/>
-            <a:gdLst/>
-            <a:ahLst/>
-            <a:rect l="l" t="t" r="r" b="b"/>
-            <a:pathLst>
-              <a:path w="21600" h="21600">
-                <a:moveTo>
-                  <a:pt x="0" y="0"/>
-                </a:moveTo>
-                <a:lnTo>
-                  <a:pt x="21600" y="21600"/>
-                </a:lnTo>
-              </a:path>
-            </a:pathLst>
-          </a:custGeom>
-          <a:noFill/>
-          <a:ln>
-            <a:solidFill>
-              <a:srgbClr val="000000"/>
-            </a:solidFill>
-          </a:ln>
-        </p:spPr>
-        <p:style>
-          <a:lnRef idx="0"/>
-          <a:fillRef idx="0"/>
-          <a:effectRef idx="0"/>
-          <a:fontRef idx="minor"/>
-        </p:style>
-      </p:sp>
-      <p:sp>
-        <p:nvSpPr>
-          <p:cNvPr id="57" name="CustomShape 20"/>
-          <p:cNvSpPr/>
-          <p:nvPr/>
-        </p:nvSpPr>
-        <p:spPr>
-          <a:xfrm>
-            <a:off x="4784400" y="1670760"/>
-            <a:ext cx="737280" cy="360"/>
-          </a:xfrm>
-          <a:custGeom>
-            <a:avLst/>
-            <a:gdLst/>
-            <a:ahLst/>
-            <a:rect l="l" t="t" r="r" b="b"/>
-            <a:pathLst>
-              <a:path w="21600" h="21600">
-                <a:moveTo>
-                  <a:pt x="0" y="0"/>
-                </a:moveTo>
-                <a:lnTo>
-                  <a:pt x="21600" y="21600"/>
-                </a:lnTo>
-              </a:path>
-            </a:pathLst>
-          </a:custGeom>
-          <a:noFill/>
-          <a:ln>
-            <a:solidFill>
-              <a:srgbClr val="000000"/>
-            </a:solidFill>
-            <a:headEnd len="med" type="triangle" w="med"/>
-            <a:tailEnd len="med" type="triangle" w="med"/>
-          </a:ln>
-        </p:spPr>
-        <p:style>
-          <a:lnRef idx="0"/>
-          <a:fillRef idx="0"/>
-          <a:effectRef idx="0"/>
-          <a:fontRef idx="minor"/>
-        </p:style>
-      </p:sp>
-      <p:sp>
-        <p:nvSpPr>
-          <p:cNvPr id="58" name="CustomShape 21"/>
-          <p:cNvSpPr/>
-          <p:nvPr/>
-        </p:nvSpPr>
-        <p:spPr>
-          <a:xfrm flipH="1">
-            <a:off x="6417000" y="1827720"/>
-            <a:ext cx="360" cy="458640"/>
-          </a:xfrm>
-          <a:custGeom>
-            <a:avLst/>
-            <a:gdLst/>
-            <a:ahLst/>
-            <a:rect l="l" t="t" r="r" b="b"/>
-            <a:pathLst>
-              <a:path w="21600" h="21600">
-                <a:moveTo>
-                  <a:pt x="0" y="0"/>
-                </a:moveTo>
-                <a:lnTo>
-                  <a:pt x="21600" y="21600"/>
-                </a:lnTo>
-              </a:path>
-            </a:pathLst>
-          </a:custGeom>
-          <a:noFill/>
-          <a:ln>
-            <a:solidFill>
-              <a:srgbClr val="000000"/>
-            </a:solidFill>
-          </a:ln>
-        </p:spPr>
-        <p:style>
-          <a:lnRef idx="0"/>
-          <a:fillRef idx="0"/>
-          <a:effectRef idx="0"/>
-          <a:fontRef idx="minor"/>
-        </p:style>
-      </p:sp>
-      <p:sp>
-        <p:nvSpPr>
-          <p:cNvPr id="59" name="CustomShape 22"/>
-          <p:cNvSpPr/>
-          <p:nvPr/>
-        </p:nvSpPr>
-        <p:spPr>
-          <a:xfrm>
-            <a:off x="5801760" y="2286000"/>
-            <a:ext cx="1513440" cy="314640"/>
-          </a:xfrm>
-          <a:prstGeom prst="rect">
-            <a:avLst/>
-          </a:prstGeom>
-          <a:noFill/>
-          <a:ln>
-            <a:noFill/>
-          </a:ln>
-        </p:spPr>
-        <p:style>
-          <a:lnRef idx="0"/>
-          <a:fillRef idx="0"/>
-          <a:effectRef idx="0"/>
-          <a:fontRef idx="minor"/>
-        </p:style>
-        <p:txBody>
-          <a:bodyPr lIns="90000" rIns="90000" tIns="45000" bIns="45000"/>
-          <a:p>
-            <a:pPr>
-              <a:lnSpc>
-                <a:spcPct val="100000"/>
-              </a:lnSpc>
-            </a:pPr>
-            <a:r>
-              <a:rPr b="0" lang="en-US" sz="1400" spc="-1" strike="noStrike">
-                <a:solidFill>
-                  <a:srgbClr val="000000"/>
-                </a:solidFill>
-                <a:latin typeface="Arial"/>
-                <a:ea typeface="DejaVu Sans"/>
-              </a:rPr>
-              <a:t>RangeAndFlow</a:t>
-            </a:r>
-            <a:endParaRPr b="0" lang="en-US" sz="1400" spc="-1" strike="noStrike">
-              <a:latin typeface="Arial"/>
-            </a:endParaRPr>
-          </a:p>
-        </p:txBody>
-      </p:sp>
+      </p:cxnSp>
     </p:spTree>
   </p:cSld>
   <p:timing>
